--- a/ClassMaterials/ProcessSyncSemaphore/lecture_24_Semaphore.pptx
+++ b/ClassMaterials/ProcessSyncSemaphore/lecture_24_Semaphore.pptx
@@ -5,10 +5,10 @@
     <p:sldMasterId id="2147483672" r:id="rId1"/>
   </p:sldMasterIdLst>
   <p:notesMasterIdLst>
-    <p:notesMasterId r:id="rId12"/>
+    <p:notesMasterId r:id="rId13"/>
   </p:notesMasterIdLst>
   <p:handoutMasterIdLst>
-    <p:handoutMasterId r:id="rId13"/>
+    <p:handoutMasterId r:id="rId14"/>
   </p:handoutMasterIdLst>
   <p:sldIdLst>
     <p:sldId id="256" r:id="rId2"/>
@@ -16,11 +16,12 @@
     <p:sldId id="281" r:id="rId4"/>
     <p:sldId id="282" r:id="rId5"/>
     <p:sldId id="283" r:id="rId6"/>
-    <p:sldId id="284" r:id="rId7"/>
-    <p:sldId id="285" r:id="rId8"/>
-    <p:sldId id="286" r:id="rId9"/>
-    <p:sldId id="287" r:id="rId10"/>
-    <p:sldId id="288" r:id="rId11"/>
+    <p:sldId id="289" r:id="rId7"/>
+    <p:sldId id="290" r:id="rId8"/>
+    <p:sldId id="285" r:id="rId9"/>
+    <p:sldId id="286" r:id="rId10"/>
+    <p:sldId id="287" r:id="rId11"/>
+    <p:sldId id="288" r:id="rId12"/>
   </p:sldIdLst>
   <p:sldSz cx="12192000" cy="6858000"/>
   <p:notesSz cx="6858000" cy="9144000"/>
@@ -130,8 +131,8 @@
 <file path=ppt/revisionInfo.xml><?xml version="1.0" encoding="utf-8"?>
 <p1510:revInfo xmlns:a="http://schemas.openxmlformats.org/drawingml/2006/main" xmlns:r="http://schemas.openxmlformats.org/officeDocument/2006/relationships" xmlns:p1510="http://schemas.microsoft.com/office/powerpoint/2015/10/main">
   <p1510:revLst>
-    <p1510:client id="{E1098B45-AB94-4F00-85CD-1AFC01B71551}" v="2501" dt="2019-01-11T19:35:40.157"/>
-    <p1510:client id="{B80D80A1-E137-4D68-AA90-42D55CF988D9}" v="1668" dt="2019-01-12T02:15:42.644"/>
+    <p1510:client id="{B80D80A1-E137-4D68-AA90-42D55CF988D9}" v="1739" dt="2019-01-17T18:32:13.367"/>
+    <p1510:client id="{9A73A866-8308-5905-DB48-5AF851434F32}" v="203" dt="2019-01-17T16:54:28.742"/>
   </p1510:revLst>
 </p1510:revInfo>
 </file>
@@ -139,155 +140,72 @@
 <file path=ppt/changesInfos/changesInfo1.xml><?xml version="1.0" encoding="utf-8"?>
 <pc:chgInfo xmlns:a="http://schemas.openxmlformats.org/drawingml/2006/main" xmlns:r="http://schemas.openxmlformats.org/officeDocument/2006/relationships" xmlns:ac="http://schemas.microsoft.com/office/drawing/2013/main/command" xmlns:pc="http://schemas.microsoft.com/office/powerpoint/2013/main/command">
   <pc:docChgLst>
+    <pc:chgData name="Song, Lixing" userId="d86a4794-d57c-4f6d-acee-3349d9d3edfc" providerId="ADAL" clId="{63E5B0BA-7CA7-664C-A874-0CD1DDB96575}"/>
+  </pc:docChgLst>
+  <pc:docChgLst>
     <pc:chgData name="Song, Lixing" userId="d86a4794-d57c-4f6d-acee-3349d9d3edfc" providerId="ADAL" clId="{DE4E7ECB-2978-1244-B374-6C6C0AE9F7D6}"/>
   </pc:docChgLst>
   <pc:docChgLst>
-    <pc:chgData name="Song, Lixing" userId="d86a4794-d57c-4f6d-acee-3349d9d3edfc" providerId="ADAL" clId="{5D69B093-118D-1741-8919-161214198A6C}"/>
+    <pc:chgData name="Song, Lixing" userId="d86a4794-d57c-4f6d-acee-3349d9d3edfc" providerId="ADAL" clId="{560DAE8F-EC11-0B4B-88CC-7E2C494E737F}"/>
   </pc:docChgLst>
   <pc:docChgLst>
-    <pc:chgData name="Song, Lixing" userId="d86a4794-d57c-4f6d-acee-3349d9d3edfc" providerId="ADAL" clId="{41CAD8FE-0633-0C44-91B6-9FBD914D6317}"/>
-  </pc:docChgLst>
-  <pc:docChgLst>
-    <pc:chgData name="Song, Lixing" userId="d86a4794-d57c-4f6d-acee-3349d9d3edfc" providerId="ADAL" clId="{E1098B45-AB94-4F00-85CD-1AFC01B71551}"/>
-    <pc:docChg chg="undo custSel addSld delSld modSld">
-      <pc:chgData name="Song, Lixing" userId="d86a4794-d57c-4f6d-acee-3349d9d3edfc" providerId="ADAL" clId="{E1098B45-AB94-4F00-85CD-1AFC01B71551}" dt="2019-01-11T19:35:40.157" v="2495" actId="1076"/>
+    <pc:chgData name="Hewner, Michael P" userId="S::hewner@rose-hulman.edu::7f3f83dd-6dfb-4127-a87f-c1714bd4fac9" providerId="AD" clId="Web-{FCACF040-063C-6F23-ABF3-184668B11C7C}"/>
+    <pc:docChg chg="modSld">
+      <pc:chgData name="Hewner, Michael P" userId="S::hewner@rose-hulman.edu::7f3f83dd-6dfb-4127-a87f-c1714bd4fac9" providerId="AD" clId="Web-{FCACF040-063C-6F23-ABF3-184668B11C7C}" dt="2019-01-17T12:54:48.978" v="7" actId="14100"/>
       <pc:docMkLst>
         <pc:docMk/>
       </pc:docMkLst>
-      <pc:sldChg chg="delSp modSp">
-        <pc:chgData name="Song, Lixing" userId="d86a4794-d57c-4f6d-acee-3349d9d3edfc" providerId="ADAL" clId="{E1098B45-AB94-4F00-85CD-1AFC01B71551}" dt="2019-01-10T18:09:14.933" v="2494" actId="478"/>
+      <pc:sldChg chg="modSp">
+        <pc:chgData name="Hewner, Michael P" userId="S::hewner@rose-hulman.edu::7f3f83dd-6dfb-4127-a87f-c1714bd4fac9" providerId="AD" clId="Web-{FCACF040-063C-6F23-ABF3-184668B11C7C}" dt="2019-01-17T12:52:18.322" v="4" actId="20577"/>
         <pc:sldMkLst>
           <pc:docMk/>
-          <pc:sldMk cId="25011158" sldId="256"/>
+          <pc:sldMk cId="1380005394" sldId="282"/>
         </pc:sldMkLst>
         <pc:spChg chg="mod">
-          <ac:chgData name="Song, Lixing" userId="d86a4794-d57c-4f6d-acee-3349d9d3edfc" providerId="ADAL" clId="{E1098B45-AB94-4F00-85CD-1AFC01B71551}" dt="2019-01-09T22:02:40.715" v="33" actId="27636"/>
+          <ac:chgData name="Hewner, Michael P" userId="S::hewner@rose-hulman.edu::7f3f83dd-6dfb-4127-a87f-c1714bd4fac9" providerId="AD" clId="Web-{FCACF040-063C-6F23-ABF3-184668B11C7C}" dt="2019-01-17T12:52:18.322" v="4" actId="20577"/>
           <ac:spMkLst>
             <pc:docMk/>
-            <pc:sldMk cId="25011158" sldId="256"/>
-            <ac:spMk id="2" creationId="{6DDA001A-43E3-1449-893B-948F2BFF68B6}"/>
-          </ac:spMkLst>
-        </pc:spChg>
-        <pc:spChg chg="del">
-          <ac:chgData name="Song, Lixing" userId="d86a4794-d57c-4f6d-acee-3349d9d3edfc" providerId="ADAL" clId="{E1098B45-AB94-4F00-85CD-1AFC01B71551}" dt="2019-01-10T18:09:14.933" v="2494" actId="478"/>
-          <ac:spMkLst>
-            <pc:docMk/>
-            <pc:sldMk cId="25011158" sldId="256"/>
-            <ac:spMk id="5" creationId="{25AC140F-42F8-4847-81A4-723A83BF5DA5}"/>
+            <pc:sldMk cId="1380005394" sldId="282"/>
+            <ac:spMk id="4" creationId="{DD2FAB7D-CFDB-4423-BD58-BB891D4E0AB2}"/>
           </ac:spMkLst>
         </pc:spChg>
       </pc:sldChg>
       <pc:sldChg chg="modSp">
-        <pc:chgData name="Song, Lixing" userId="d86a4794-d57c-4f6d-acee-3349d9d3edfc" providerId="ADAL" clId="{E1098B45-AB94-4F00-85CD-1AFC01B71551}" dt="2019-01-10T17:55:39.173" v="1922" actId="20577"/>
+        <pc:chgData name="Hewner, Michael P" userId="S::hewner@rose-hulman.edu::7f3f83dd-6dfb-4127-a87f-c1714bd4fac9" providerId="AD" clId="Web-{FCACF040-063C-6F23-ABF3-184668B11C7C}" dt="2019-01-17T12:54:48.978" v="7" actId="14100"/>
         <pc:sldMkLst>
           <pc:docMk/>
-          <pc:sldMk cId="3602679756" sldId="280"/>
+          <pc:sldMk cId="21950995" sldId="286"/>
         </pc:sldMkLst>
         <pc:spChg chg="mod">
-          <ac:chgData name="Song, Lixing" userId="d86a4794-d57c-4f6d-acee-3349d9d3edfc" providerId="ADAL" clId="{E1098B45-AB94-4F00-85CD-1AFC01B71551}" dt="2019-01-10T17:55:39.173" v="1922" actId="20577"/>
+          <ac:chgData name="Hewner, Michael P" userId="S::hewner@rose-hulman.edu::7f3f83dd-6dfb-4127-a87f-c1714bd4fac9" providerId="AD" clId="Web-{FCACF040-063C-6F23-ABF3-184668B11C7C}" dt="2019-01-17T12:54:48.978" v="7" actId="14100"/>
           <ac:spMkLst>
             <pc:docMk/>
-            <pc:sldMk cId="3602679756" sldId="280"/>
-            <ac:spMk id="85" creationId="{00000000-0000-0000-0000-000000000000}"/>
+            <pc:sldMk cId="21950995" sldId="286"/>
+            <ac:spMk id="4" creationId="{1B3B8884-8757-4D94-890E-8ED901F88905}"/>
           </ac:spMkLst>
         </pc:spChg>
       </pc:sldChg>
-      <pc:sldChg chg="addSp modSp add">
-        <pc:chgData name="Song, Lixing" userId="d86a4794-d57c-4f6d-acee-3349d9d3edfc" providerId="ADAL" clId="{E1098B45-AB94-4F00-85CD-1AFC01B71551}" dt="2019-01-11T19:35:40.157" v="2495" actId="1076"/>
+      <pc:sldChg chg="modSp">
+        <pc:chgData name="Hewner, Michael P" userId="S::hewner@rose-hulman.edu::7f3f83dd-6dfb-4127-a87f-c1714bd4fac9" providerId="AD" clId="Web-{FCACF040-063C-6F23-ABF3-184668B11C7C}" dt="2019-01-17T12:54:17.212" v="6" actId="14100"/>
         <pc:sldMkLst>
           <pc:docMk/>
-          <pc:sldMk cId="3502142022" sldId="297"/>
+          <pc:sldMk cId="1369488680" sldId="287"/>
         </pc:sldMkLst>
         <pc:spChg chg="mod">
-          <ac:chgData name="Song, Lixing" userId="d86a4794-d57c-4f6d-acee-3349d9d3edfc" providerId="ADAL" clId="{E1098B45-AB94-4F00-85CD-1AFC01B71551}" dt="2019-01-10T18:05:44.801" v="2329" actId="20577"/>
+          <ac:chgData name="Hewner, Michael P" userId="S::hewner@rose-hulman.edu::7f3f83dd-6dfb-4127-a87f-c1714bd4fac9" providerId="AD" clId="Web-{FCACF040-063C-6F23-ABF3-184668B11C7C}" dt="2019-01-17T12:54:17.212" v="6" actId="14100"/>
           <ac:spMkLst>
             <pc:docMk/>
-            <pc:sldMk cId="3502142022" sldId="297"/>
-            <ac:spMk id="2" creationId="{4A9854D0-3EC5-42AF-BA94-56A7A4D1D1A9}"/>
-          </ac:spMkLst>
-        </pc:spChg>
-        <pc:spChg chg="mod">
-          <ac:chgData name="Song, Lixing" userId="d86a4794-d57c-4f6d-acee-3349d9d3edfc" providerId="ADAL" clId="{E1098B45-AB94-4F00-85CD-1AFC01B71551}" dt="2019-01-11T19:35:40.157" v="2495" actId="1076"/>
-          <ac:spMkLst>
-            <pc:docMk/>
-            <pc:sldMk cId="3502142022" sldId="297"/>
-            <ac:spMk id="3" creationId="{165EAC95-7961-4AA7-A33E-427503271DE8}"/>
-          </ac:spMkLst>
-        </pc:spChg>
-        <pc:spChg chg="add mod">
-          <ac:chgData name="Song, Lixing" userId="d86a4794-d57c-4f6d-acee-3349d9d3edfc" providerId="ADAL" clId="{E1098B45-AB94-4F00-85CD-1AFC01B71551}" dt="2019-01-10T18:08:48.385" v="2493" actId="207"/>
-          <ac:spMkLst>
-            <pc:docMk/>
-            <pc:sldMk cId="3502142022" sldId="297"/>
-            <ac:spMk id="4" creationId="{07781B14-AE16-4E39-B163-05C87B3DD0BA}"/>
+            <pc:sldMk cId="1369488680" sldId="287"/>
+            <ac:spMk id="4" creationId="{CF7D4D0F-9CFC-41C9-8186-4250772F3F8A}"/>
           </ac:spMkLst>
         </pc:spChg>
       </pc:sldChg>
     </pc:docChg>
   </pc:docChgLst>
   <pc:docChgLst>
-    <pc:chgData name="Song, Lixing" userId="d86a4794-d57c-4f6d-acee-3349d9d3edfc" providerId="ADAL" clId="{C5F6EF1B-B238-4AE6-B5E6-517D272D2DA8}"/>
-    <pc:docChg chg="undo custSel addSld delSld modSld">
-      <pc:chgData name="Song, Lixing" userId="d86a4794-d57c-4f6d-acee-3349d9d3edfc" providerId="ADAL" clId="{C5F6EF1B-B238-4AE6-B5E6-517D272D2DA8}" dt="2019-01-08T18:26:16.544" v="1848" actId="113"/>
-      <pc:docMkLst>
-        <pc:docMk/>
-      </pc:docMkLst>
-      <pc:sldChg chg="modSp">
-        <pc:chgData name="Song, Lixing" userId="d86a4794-d57c-4f6d-acee-3349d9d3edfc" providerId="ADAL" clId="{C5F6EF1B-B238-4AE6-B5E6-517D272D2DA8}" dt="2019-01-03T21:46:54.078" v="0" actId="20577"/>
-        <pc:sldMkLst>
-          <pc:docMk/>
-          <pc:sldMk cId="25011158" sldId="256"/>
-        </pc:sldMkLst>
-        <pc:spChg chg="mod">
-          <ac:chgData name="Song, Lixing" userId="d86a4794-d57c-4f6d-acee-3349d9d3edfc" providerId="ADAL" clId="{C5F6EF1B-B238-4AE6-B5E6-517D272D2DA8}" dt="2019-01-03T21:46:54.078" v="0" actId="20577"/>
-          <ac:spMkLst>
-            <pc:docMk/>
-            <pc:sldMk cId="25011158" sldId="256"/>
-            <ac:spMk id="2" creationId="{6DDA001A-43E3-1449-893B-948F2BFF68B6}"/>
-          </ac:spMkLst>
-        </pc:spChg>
-      </pc:sldChg>
-      <pc:sldChg chg="modSp add">
-        <pc:chgData name="Song, Lixing" userId="d86a4794-d57c-4f6d-acee-3349d9d3edfc" providerId="ADAL" clId="{C5F6EF1B-B238-4AE6-B5E6-517D272D2DA8}" dt="2019-01-08T17:37:07.115" v="1835" actId="20577"/>
-        <pc:sldMkLst>
-          <pc:docMk/>
-          <pc:sldMk cId="3602679756" sldId="280"/>
-        </pc:sldMkLst>
-        <pc:spChg chg="mod">
-          <ac:chgData name="Song, Lixing" userId="d86a4794-d57c-4f6d-acee-3349d9d3edfc" providerId="ADAL" clId="{C5F6EF1B-B238-4AE6-B5E6-517D272D2DA8}" dt="2019-01-08T17:27:12.575" v="1677" actId="20577"/>
-          <ac:spMkLst>
-            <pc:docMk/>
-            <pc:sldMk cId="3602679756" sldId="280"/>
-            <ac:spMk id="84" creationId="{00000000-0000-0000-0000-000000000000}"/>
-          </ac:spMkLst>
-        </pc:spChg>
-        <pc:spChg chg="mod">
-          <ac:chgData name="Song, Lixing" userId="d86a4794-d57c-4f6d-acee-3349d9d3edfc" providerId="ADAL" clId="{C5F6EF1B-B238-4AE6-B5E6-517D272D2DA8}" dt="2019-01-08T17:37:07.115" v="1835" actId="20577"/>
-          <ac:spMkLst>
-            <pc:docMk/>
-            <pc:sldMk cId="3602679756" sldId="280"/>
-            <ac:spMk id="85" creationId="{00000000-0000-0000-0000-000000000000}"/>
-          </ac:spMkLst>
-        </pc:spChg>
-      </pc:sldChg>
-    </pc:docChg>
-  </pc:docChgLst>
-  <pc:docChgLst>
-    <pc:chgData name="Song, Lixing" userId="d86a4794-d57c-4f6d-acee-3349d9d3edfc" providerId="ADAL" clId="{9E87C597-9CCC-9D40-AF98-FA57E59EE777}"/>
-  </pc:docChgLst>
-  <pc:docChgLst>
-    <pc:chgData name="Song, Lixing" userId="d86a4794-d57c-4f6d-acee-3349d9d3edfc" providerId="ADAL" clId="{57BE710F-CAAC-5C4C-B1E2-33D10347FAC9}"/>
-  </pc:docChgLst>
-  <pc:docChgLst>
-    <pc:chgData name="Song, Lixing" userId="d86a4794-d57c-4f6d-acee-3349d9d3edfc" providerId="ADAL" clId="{E6A4A57A-7BA1-4943-B287-0650F3813B88}"/>
-  </pc:docChgLst>
-  <pc:docChgLst>
-    <pc:chgData name="Song, Lixing" userId="d86a4794-d57c-4f6d-acee-3349d9d3edfc" providerId="ADAL" clId="{560DAE8F-EC11-0B4B-88CC-7E2C494E737F}"/>
-  </pc:docChgLst>
-  <pc:docChgLst>
     <pc:chgData name="Song, Lixing" userId="d86a4794-d57c-4f6d-acee-3349d9d3edfc" providerId="ADAL" clId="{B80D80A1-E137-4D68-AA90-42D55CF988D9}"/>
     <pc:docChg chg="undo custSel addSld delSld modSld">
-      <pc:chgData name="Song, Lixing" userId="d86a4794-d57c-4f6d-acee-3349d9d3edfc" providerId="ADAL" clId="{B80D80A1-E137-4D68-AA90-42D55CF988D9}" dt="2019-01-12T02:15:42.644" v="1663" actId="207"/>
+      <pc:chgData name="Song, Lixing" userId="d86a4794-d57c-4f6d-acee-3349d9d3edfc" providerId="ADAL" clId="{B80D80A1-E137-4D68-AA90-42D55CF988D9}" dt="2019-01-17T18:32:13.367" v="1733"/>
       <pc:docMkLst>
         <pc:docMk/>
       </pc:docMkLst>
@@ -307,13 +225,13 @@
         </pc:spChg>
       </pc:sldChg>
       <pc:sldChg chg="modSp">
-        <pc:chgData name="Song, Lixing" userId="d86a4794-d57c-4f6d-acee-3349d9d3edfc" providerId="ADAL" clId="{B80D80A1-E137-4D68-AA90-42D55CF988D9}" dt="2019-01-12T01:22:47.227" v="895" actId="20577"/>
+        <pc:chgData name="Song, Lixing" userId="d86a4794-d57c-4f6d-acee-3349d9d3edfc" providerId="ADAL" clId="{B80D80A1-E137-4D68-AA90-42D55CF988D9}" dt="2019-01-17T18:32:13.367" v="1733"/>
         <pc:sldMkLst>
           <pc:docMk/>
           <pc:sldMk cId="3602679756" sldId="280"/>
         </pc:sldMkLst>
         <pc:spChg chg="mod">
-          <ac:chgData name="Song, Lixing" userId="d86a4794-d57c-4f6d-acee-3349d9d3edfc" providerId="ADAL" clId="{B80D80A1-E137-4D68-AA90-42D55CF988D9}" dt="2019-01-12T01:22:47.227" v="895" actId="20577"/>
+          <ac:chgData name="Song, Lixing" userId="d86a4794-d57c-4f6d-acee-3349d9d3edfc" providerId="ADAL" clId="{B80D80A1-E137-4D68-AA90-42D55CF988D9}" dt="2019-01-17T18:32:13.367" v="1733"/>
           <ac:spMkLst>
             <pc:docMk/>
             <pc:sldMk cId="3602679756" sldId="280"/>
@@ -321,15 +239,8 @@
           </ac:spMkLst>
         </pc:spChg>
       </pc:sldChg>
-      <pc:sldChg chg="del">
-        <pc:chgData name="Song, Lixing" userId="d86a4794-d57c-4f6d-acee-3349d9d3edfc" providerId="ADAL" clId="{B80D80A1-E137-4D68-AA90-42D55CF988D9}" dt="2019-01-11T20:31:56.545" v="19" actId="2696"/>
-        <pc:sldMkLst>
-          <pc:docMk/>
-          <pc:sldMk cId="2345133690" sldId="281"/>
-        </pc:sldMkLst>
-      </pc:sldChg>
       <pc:sldChg chg="addSp modSp add modAnim">
-        <pc:chgData name="Song, Lixing" userId="d86a4794-d57c-4f6d-acee-3349d9d3edfc" providerId="ADAL" clId="{B80D80A1-E137-4D68-AA90-42D55CF988D9}" dt="2019-01-12T00:54:18.180" v="607"/>
+        <pc:chgData name="Song, Lixing" userId="d86a4794-d57c-4f6d-acee-3349d9d3edfc" providerId="ADAL" clId="{B80D80A1-E137-4D68-AA90-42D55CF988D9}" dt="2019-01-12T00:54:18.180" v="607" actId="207"/>
         <pc:sldMkLst>
           <pc:docMk/>
           <pc:sldMk cId="3647259464" sldId="281"/>
@@ -398,13 +309,6 @@
           </ac:spMkLst>
         </pc:spChg>
       </pc:sldChg>
-      <pc:sldChg chg="del">
-        <pc:chgData name="Song, Lixing" userId="d86a4794-d57c-4f6d-acee-3349d9d3edfc" providerId="ADAL" clId="{B80D80A1-E137-4D68-AA90-42D55CF988D9}" dt="2019-01-11T20:31:56.545" v="20" actId="2696"/>
-        <pc:sldMkLst>
-          <pc:docMk/>
-          <pc:sldMk cId="2066370796" sldId="282"/>
-        </pc:sldMkLst>
-      </pc:sldChg>
       <pc:sldChg chg="addSp modSp add">
         <pc:chgData name="Song, Lixing" userId="d86a4794-d57c-4f6d-acee-3349d9d3edfc" providerId="ADAL" clId="{B80D80A1-E137-4D68-AA90-42D55CF988D9}" dt="2019-01-12T01:08:44.478" v="661" actId="20577"/>
         <pc:sldMkLst>
@@ -436,15 +340,8 @@
           </ac:spMkLst>
         </pc:spChg>
       </pc:sldChg>
-      <pc:sldChg chg="del">
-        <pc:chgData name="Song, Lixing" userId="d86a4794-d57c-4f6d-acee-3349d9d3edfc" providerId="ADAL" clId="{B80D80A1-E137-4D68-AA90-42D55CF988D9}" dt="2019-01-11T20:31:56.560" v="21" actId="2696"/>
-        <pc:sldMkLst>
-          <pc:docMk/>
-          <pc:sldMk cId="3408887105" sldId="283"/>
-        </pc:sldMkLst>
-      </pc:sldChg>
-      <pc:sldChg chg="addSp delSp modSp add">
-        <pc:chgData name="Song, Lixing" userId="d86a4794-d57c-4f6d-acee-3349d9d3edfc" providerId="ADAL" clId="{B80D80A1-E137-4D68-AA90-42D55CF988D9}" dt="2019-01-12T01:17:05.321" v="783" actId="20577"/>
+      <pc:sldChg chg="addSp delSp modSp add del">
+        <pc:chgData name="Song, Lixing" userId="d86a4794-d57c-4f6d-acee-3349d9d3edfc" providerId="ADAL" clId="{B80D80A1-E137-4D68-AA90-42D55CF988D9}" dt="2019-01-17T18:01:07.323" v="1725" actId="2696"/>
         <pc:sldMkLst>
           <pc:docMk/>
           <pc:sldMk cId="1171225505" sldId="284"/>
@@ -466,7 +363,7 @@
           </ac:spMkLst>
         </pc:spChg>
         <pc:spChg chg="add del">
-          <ac:chgData name="Song, Lixing" userId="d86a4794-d57c-4f6d-acee-3349d9d3edfc" providerId="ADAL" clId="{B80D80A1-E137-4D68-AA90-42D55CF988D9}" dt="2019-01-12T01:10:03.546" v="671"/>
+          <ac:chgData name="Song, Lixing" userId="d86a4794-d57c-4f6d-acee-3349d9d3edfc" providerId="ADAL" clId="{B80D80A1-E137-4D68-AA90-42D55CF988D9}" dt="2019-01-12T01:10:03.546" v="671" actId="20577"/>
           <ac:spMkLst>
             <pc:docMk/>
             <pc:sldMk cId="1171225505" sldId="284"/>
@@ -498,30 +395,8 @@
           </ac:spMkLst>
         </pc:spChg>
       </pc:sldChg>
-      <pc:sldChg chg="modSp add del">
-        <pc:chgData name="Song, Lixing" userId="d86a4794-d57c-4f6d-acee-3349d9d3edfc" providerId="ADAL" clId="{B80D80A1-E137-4D68-AA90-42D55CF988D9}" dt="2019-01-12T00:50:25.173" v="465" actId="2696"/>
-        <pc:sldMkLst>
-          <pc:docMk/>
-          <pc:sldMk cId="2399174529" sldId="284"/>
-        </pc:sldMkLst>
-        <pc:spChg chg="mod">
-          <ac:chgData name="Song, Lixing" userId="d86a4794-d57c-4f6d-acee-3349d9d3edfc" providerId="ADAL" clId="{B80D80A1-E137-4D68-AA90-42D55CF988D9}" dt="2019-01-12T00:44:50.020" v="464" actId="20577"/>
-          <ac:spMkLst>
-            <pc:docMk/>
-            <pc:sldMk cId="2399174529" sldId="284"/>
-            <ac:spMk id="2" creationId="{AB027317-2733-4C61-A58F-67297E9FEA91}"/>
-          </ac:spMkLst>
-        </pc:spChg>
-      </pc:sldChg>
-      <pc:sldChg chg="del">
-        <pc:chgData name="Song, Lixing" userId="d86a4794-d57c-4f6d-acee-3349d9d3edfc" providerId="ADAL" clId="{B80D80A1-E137-4D68-AA90-42D55CF988D9}" dt="2019-01-11T20:31:56.591" v="22" actId="2696"/>
-        <pc:sldMkLst>
-          <pc:docMk/>
-          <pc:sldMk cId="3956554078" sldId="284"/>
-        </pc:sldMkLst>
-      </pc:sldChg>
       <pc:sldChg chg="addSp delSp modSp add">
-        <pc:chgData name="Song, Lixing" userId="d86a4794-d57c-4f6d-acee-3349d9d3edfc" providerId="ADAL" clId="{B80D80A1-E137-4D68-AA90-42D55CF988D9}" dt="2019-01-12T01:56:18.903" v="1231" actId="207"/>
+        <pc:chgData name="Song, Lixing" userId="d86a4794-d57c-4f6d-acee-3349d9d3edfc" providerId="ADAL" clId="{B80D80A1-E137-4D68-AA90-42D55CF988D9}" dt="2019-01-17T18:29:43.605" v="1731" actId="20577"/>
         <pc:sldMkLst>
           <pc:docMk/>
           <pc:sldMk cId="1613330392" sldId="285"/>
@@ -535,7 +410,7 @@
           </ac:spMkLst>
         </pc:spChg>
         <pc:spChg chg="mod">
-          <ac:chgData name="Song, Lixing" userId="d86a4794-d57c-4f6d-acee-3349d9d3edfc" providerId="ADAL" clId="{B80D80A1-E137-4D68-AA90-42D55CF988D9}" dt="2019-01-12T01:56:18.903" v="1231" actId="207"/>
+          <ac:chgData name="Song, Lixing" userId="d86a4794-d57c-4f6d-acee-3349d9d3edfc" providerId="ADAL" clId="{B80D80A1-E137-4D68-AA90-42D55CF988D9}" dt="2019-01-17T18:29:43.605" v="1731" actId="20577"/>
           <ac:spMkLst>
             <pc:docMk/>
             <pc:sldMk cId="1613330392" sldId="285"/>
@@ -543,7 +418,7 @@
           </ac:spMkLst>
         </pc:spChg>
         <pc:spChg chg="add del">
-          <ac:chgData name="Song, Lixing" userId="d86a4794-d57c-4f6d-acee-3349d9d3edfc" providerId="ADAL" clId="{B80D80A1-E137-4D68-AA90-42D55CF988D9}" dt="2019-01-12T01:26:24.561" v="897"/>
+          <ac:chgData name="Song, Lixing" userId="d86a4794-d57c-4f6d-acee-3349d9d3edfc" providerId="ADAL" clId="{B80D80A1-E137-4D68-AA90-42D55CF988D9}" dt="2019-01-12T01:26:24.561" v="897" actId="207"/>
           <ac:spMkLst>
             <pc:docMk/>
             <pc:sldMk cId="1613330392" sldId="285"/>
@@ -567,7 +442,7 @@
           </ac:spMkLst>
         </pc:spChg>
         <pc:spChg chg="add mod">
-          <ac:chgData name="Song, Lixing" userId="d86a4794-d57c-4f6d-acee-3349d9d3edfc" providerId="ADAL" clId="{B80D80A1-E137-4D68-AA90-42D55CF988D9}" dt="2019-01-12T01:53:22.962" v="1181" actId="20577"/>
+          <ac:chgData name="Song, Lixing" userId="d86a4794-d57c-4f6d-acee-3349d9d3edfc" providerId="ADAL" clId="{B80D80A1-E137-4D68-AA90-42D55CF988D9}" dt="2019-01-17T16:29:21.923" v="1707" actId="20577"/>
           <ac:spMkLst>
             <pc:docMk/>
             <pc:sldMk cId="1613330392" sldId="285"/>
@@ -575,7 +450,7 @@
           </ac:spMkLst>
         </pc:spChg>
         <pc:spChg chg="add mod">
-          <ac:chgData name="Song, Lixing" userId="d86a4794-d57c-4f6d-acee-3349d9d3edfc" providerId="ADAL" clId="{B80D80A1-E137-4D68-AA90-42D55CF988D9}" dt="2019-01-12T01:53:32.359" v="1184" actId="20577"/>
+          <ac:chgData name="Song, Lixing" userId="d86a4794-d57c-4f6d-acee-3349d9d3edfc" providerId="ADAL" clId="{B80D80A1-E137-4D68-AA90-42D55CF988D9}" dt="2019-01-17T16:29:33.987" v="1715" actId="20577"/>
           <ac:spMkLst>
             <pc:docMk/>
             <pc:sldMk cId="1613330392" sldId="285"/>
@@ -584,7 +459,7 @@
         </pc:spChg>
       </pc:sldChg>
       <pc:sldChg chg="addSp delSp modSp add modAnim">
-        <pc:chgData name="Song, Lixing" userId="d86a4794-d57c-4f6d-acee-3349d9d3edfc" providerId="ADAL" clId="{B80D80A1-E137-4D68-AA90-42D55CF988D9}" dt="2019-01-12T02:06:36.409" v="1377" actId="20577"/>
+        <pc:chgData name="Song, Lixing" userId="d86a4794-d57c-4f6d-acee-3349d9d3edfc" providerId="ADAL" clId="{B80D80A1-E137-4D68-AA90-42D55CF988D9}" dt="2019-01-17T16:15:08.445" v="1690" actId="20577"/>
         <pc:sldMkLst>
           <pc:docMk/>
           <pc:sldMk cId="21950995" sldId="286"/>
@@ -598,7 +473,7 @@
           </ac:spMkLst>
         </pc:spChg>
         <pc:spChg chg="mod">
-          <ac:chgData name="Song, Lixing" userId="d86a4794-d57c-4f6d-acee-3349d9d3edfc" providerId="ADAL" clId="{B80D80A1-E137-4D68-AA90-42D55CF988D9}" dt="2019-01-12T02:05:00.040" v="1334" actId="14"/>
+          <ac:chgData name="Song, Lixing" userId="d86a4794-d57c-4f6d-acee-3349d9d3edfc" providerId="ADAL" clId="{B80D80A1-E137-4D68-AA90-42D55CF988D9}" dt="2019-01-17T16:15:08.445" v="1690" actId="20577"/>
           <ac:spMkLst>
             <pc:docMk/>
             <pc:sldMk cId="21950995" sldId="286"/>
@@ -645,13 +520,6 @@
             <ac:spMk id="8" creationId="{BCF82ED5-C1E7-4EC5-A80B-1B4EF276E492}"/>
           </ac:spMkLst>
         </pc:spChg>
-      </pc:sldChg>
-      <pc:sldChg chg="del">
-        <pc:chgData name="Song, Lixing" userId="d86a4794-d57c-4f6d-acee-3349d9d3edfc" providerId="ADAL" clId="{B80D80A1-E137-4D68-AA90-42D55CF988D9}" dt="2019-01-11T20:31:56.685" v="28" actId="2696"/>
-        <pc:sldMkLst>
-          <pc:docMk/>
-          <pc:sldMk cId="154568209" sldId="286"/>
-        </pc:sldMkLst>
       </pc:sldChg>
       <pc:sldChg chg="addSp modSp add modAnim">
         <pc:chgData name="Song, Lixing" userId="d86a4794-d57c-4f6d-acee-3349d9d3edfc" providerId="ADAL" clId="{B80D80A1-E137-4D68-AA90-42D55CF988D9}" dt="2019-01-12T02:12:23.087" v="1515" actId="1076"/>
@@ -747,59 +615,206 @@
           </ac:spMkLst>
         </pc:spChg>
       </pc:sldChg>
-      <pc:sldChg chg="del">
-        <pc:chgData name="Song, Lixing" userId="d86a4794-d57c-4f6d-acee-3349d9d3edfc" providerId="ADAL" clId="{B80D80A1-E137-4D68-AA90-42D55CF988D9}" dt="2019-01-11T20:31:56.654" v="26" actId="2696"/>
+      <pc:sldChg chg="addSp delSp modSp">
+        <pc:chgData name="Song, Lixing" userId="d86a4794-d57c-4f6d-acee-3349d9d3edfc" providerId="ADAL" clId="{B80D80A1-E137-4D68-AA90-42D55CF988D9}" dt="2019-01-17T18:00:34.248" v="1724" actId="478"/>
         <pc:sldMkLst>
           <pc:docMk/>
-          <pc:sldMk cId="1269078311" sldId="289"/>
+          <pc:sldMk cId="3577776162" sldId="290"/>
         </pc:sldMkLst>
-      </pc:sldChg>
-      <pc:sldChg chg="del">
-        <pc:chgData name="Song, Lixing" userId="d86a4794-d57c-4f6d-acee-3349d9d3edfc" providerId="ADAL" clId="{B80D80A1-E137-4D68-AA90-42D55CF988D9}" dt="2019-01-11T20:31:56.529" v="18" actId="2696"/>
-        <pc:sldMkLst>
-          <pc:docMk/>
-          <pc:sldMk cId="1641394322" sldId="290"/>
-        </pc:sldMkLst>
-      </pc:sldChg>
-      <pc:sldChg chg="del">
-        <pc:chgData name="Song, Lixing" userId="d86a4794-d57c-4f6d-acee-3349d9d3edfc" providerId="ADAL" clId="{B80D80A1-E137-4D68-AA90-42D55CF988D9}" dt="2019-01-11T20:31:56.669" v="27" actId="2696"/>
-        <pc:sldMkLst>
-          <pc:docMk/>
-          <pc:sldMk cId="2006809383" sldId="291"/>
-        </pc:sldMkLst>
-      </pc:sldChg>
-      <pc:sldChg chg="del">
-        <pc:chgData name="Song, Lixing" userId="d86a4794-d57c-4f6d-acee-3349d9d3edfc" providerId="ADAL" clId="{B80D80A1-E137-4D68-AA90-42D55CF988D9}" dt="2019-01-11T20:31:56.607" v="23" actId="2696"/>
-        <pc:sldMkLst>
-          <pc:docMk/>
-          <pc:sldMk cId="703523650" sldId="294"/>
-        </pc:sldMkLst>
-      </pc:sldChg>
-      <pc:sldChg chg="del">
-        <pc:chgData name="Song, Lixing" userId="d86a4794-d57c-4f6d-acee-3349d9d3edfc" providerId="ADAL" clId="{B80D80A1-E137-4D68-AA90-42D55CF988D9}" dt="2019-01-11T20:31:56.638" v="25" actId="2696"/>
-        <pc:sldMkLst>
-          <pc:docMk/>
-          <pc:sldMk cId="2594121353" sldId="295"/>
-        </pc:sldMkLst>
-      </pc:sldChg>
-      <pc:sldChg chg="del">
-        <pc:chgData name="Song, Lixing" userId="d86a4794-d57c-4f6d-acee-3349d9d3edfc" providerId="ADAL" clId="{B80D80A1-E137-4D68-AA90-42D55CF988D9}" dt="2019-01-11T20:31:56.623" v="24" actId="2696"/>
-        <pc:sldMkLst>
-          <pc:docMk/>
-          <pc:sldMk cId="1704438262" sldId="296"/>
-        </pc:sldMkLst>
-      </pc:sldChg>
-      <pc:sldChg chg="del">
-        <pc:chgData name="Song, Lixing" userId="d86a4794-d57c-4f6d-acee-3349d9d3edfc" providerId="ADAL" clId="{B80D80A1-E137-4D68-AA90-42D55CF988D9}" dt="2019-01-11T20:31:56.685" v="29" actId="2696"/>
-        <pc:sldMkLst>
-          <pc:docMk/>
-          <pc:sldMk cId="3502142022" sldId="297"/>
-        </pc:sldMkLst>
+        <pc:spChg chg="del mod">
+          <ac:chgData name="Song, Lixing" userId="d86a4794-d57c-4f6d-acee-3349d9d3edfc" providerId="ADAL" clId="{B80D80A1-E137-4D68-AA90-42D55CF988D9}" dt="2019-01-17T18:00:34.248" v="1724" actId="478"/>
+          <ac:spMkLst>
+            <pc:docMk/>
+            <pc:sldMk cId="3577776162" sldId="290"/>
+            <ac:spMk id="3" creationId="{B68AAB21-FA16-42B7-9146-335EC06AD89B}"/>
+          </ac:spMkLst>
+        </pc:spChg>
+        <pc:spChg chg="add mod">
+          <ac:chgData name="Song, Lixing" userId="d86a4794-d57c-4f6d-acee-3349d9d3edfc" providerId="ADAL" clId="{B80D80A1-E137-4D68-AA90-42D55CF988D9}" dt="2019-01-17T18:00:32.121" v="1723" actId="1076"/>
+          <ac:spMkLst>
+            <pc:docMk/>
+            <pc:sldMk cId="3577776162" sldId="290"/>
+            <ac:spMk id="4" creationId="{ACC5DBE4-89E5-44D5-854D-6E1521C9AF21}"/>
+          </ac:spMkLst>
+        </pc:spChg>
       </pc:sldChg>
     </pc:docChg>
   </pc:docChgLst>
   <pc:docChgLst>
+    <pc:chgData name="Song, Lixing" userId="d86a4794-d57c-4f6d-acee-3349d9d3edfc" providerId="ADAL" clId="{9F0C0119-4A4E-FD49-92D0-D1E0275E8FC9}"/>
+    <pc:docChg chg="modSld">
+      <pc:chgData name="Song, Lixing" userId="d86a4794-d57c-4f6d-acee-3349d9d3edfc" providerId="ADAL" clId="{9F0C0119-4A4E-FD49-92D0-D1E0275E8FC9}" dt="2018-12-18T02:23:53.605" v="50"/>
+      <pc:docMkLst>
+        <pc:docMk/>
+      </pc:docMkLst>
+    </pc:docChg>
+  </pc:docChgLst>
+  <pc:docChgLst>
+    <pc:chgData name="Hewner, Michael P" userId="S::hewner@rose-hulman.edu::7f3f83dd-6dfb-4127-a87f-c1714bd4fac9" providerId="AD" clId="Web-{9A73A866-8308-5905-DB48-5AF851434F32}"/>
+    <pc:docChg chg="addSld modSld">
+      <pc:chgData name="Hewner, Michael P" userId="S::hewner@rose-hulman.edu::7f3f83dd-6dfb-4127-a87f-c1714bd4fac9" providerId="AD" clId="Web-{9A73A866-8308-5905-DB48-5AF851434F32}" dt="2019-01-17T17:17:07.999" v="364" actId="20577"/>
+      <pc:docMkLst>
+        <pc:docMk/>
+      </pc:docMkLst>
+      <pc:sldChg chg="delSp">
+        <pc:chgData name="Hewner, Michael P" userId="S::hewner@rose-hulman.edu::7f3f83dd-6dfb-4127-a87f-c1714bd4fac9" providerId="AD" clId="Web-{9A73A866-8308-5905-DB48-5AF851434F32}" dt="2019-01-17T17:14:37.108" v="322" actId="20577"/>
+        <pc:sldMkLst>
+          <pc:docMk/>
+          <pc:sldMk cId="1171225505" sldId="284"/>
+        </pc:sldMkLst>
+        <pc:spChg chg="del">
+          <ac:chgData name="Hewner, Michael P" userId="S::hewner@rose-hulman.edu::7f3f83dd-6dfb-4127-a87f-c1714bd4fac9" providerId="AD" clId="Web-{9A73A866-8308-5905-DB48-5AF851434F32}" dt="2019-01-17T17:14:37.108" v="322" actId="20577"/>
+          <ac:spMkLst>
+            <pc:docMk/>
+            <pc:sldMk cId="1171225505" sldId="284"/>
+            <ac:spMk id="4" creationId="{C5066734-A0D1-474D-9F1F-F73260CF2E31}"/>
+          </ac:spMkLst>
+        </pc:spChg>
+      </pc:sldChg>
+      <pc:sldChg chg="addSp modSp new">
+        <pc:chgData name="Hewner, Michael P" userId="S::hewner@rose-hulman.edu::7f3f83dd-6dfb-4127-a87f-c1714bd4fac9" providerId="AD" clId="Web-{9A73A866-8308-5905-DB48-5AF851434F32}" dt="2019-01-17T16:54:28.742" v="320" actId="20577"/>
+        <pc:sldMkLst>
+          <pc:docMk/>
+          <pc:sldMk cId="2777723278" sldId="289"/>
+        </pc:sldMkLst>
+        <pc:spChg chg="mod">
+          <ac:chgData name="Hewner, Michael P" userId="S::hewner@rose-hulman.edu::7f3f83dd-6dfb-4127-a87f-c1714bd4fac9" providerId="AD" clId="Web-{9A73A866-8308-5905-DB48-5AF851434F32}" dt="2019-01-17T16:52:01.147" v="11" actId="20577"/>
+          <ac:spMkLst>
+            <pc:docMk/>
+            <pc:sldMk cId="2777723278" sldId="289"/>
+            <ac:spMk id="2" creationId="{22131676-1D0F-4D13-A668-1BE6C0A73F6D}"/>
+          </ac:spMkLst>
+        </pc:spChg>
+        <pc:spChg chg="mod">
+          <ac:chgData name="Hewner, Michael P" userId="S::hewner@rose-hulman.edu::7f3f83dd-6dfb-4127-a87f-c1714bd4fac9" providerId="AD" clId="Web-{9A73A866-8308-5905-DB48-5AF851434F32}" dt="2019-01-17T16:54:28.742" v="320" actId="20577"/>
+          <ac:spMkLst>
+            <pc:docMk/>
+            <pc:sldMk cId="2777723278" sldId="289"/>
+            <ac:spMk id="3" creationId="{42C5032B-8AFD-4D05-8386-6277BA2CB5E8}"/>
+          </ac:spMkLst>
+        </pc:spChg>
+        <pc:graphicFrameChg chg="add mod modGraphic">
+          <ac:chgData name="Hewner, Michael P" userId="S::hewner@rose-hulman.edu::7f3f83dd-6dfb-4127-a87f-c1714bd4fac9" providerId="AD" clId="Web-{9A73A866-8308-5905-DB48-5AF851434F32}" dt="2019-01-17T16:53:33.445" v="151" actId="1076"/>
+          <ac:graphicFrameMkLst>
+            <pc:docMk/>
+            <pc:sldMk cId="2777723278" sldId="289"/>
+            <ac:graphicFrameMk id="4" creationId="{1B767BFD-1A9D-455A-8CDE-25E22550CE42}"/>
+          </ac:graphicFrameMkLst>
+        </pc:graphicFrameChg>
+      </pc:sldChg>
+      <pc:sldChg chg="modSp new">
+        <pc:chgData name="Hewner, Michael P" userId="S::hewner@rose-hulman.edu::7f3f83dd-6dfb-4127-a87f-c1714bd4fac9" providerId="AD" clId="Web-{9A73A866-8308-5905-DB48-5AF851434F32}" dt="2019-01-17T17:17:07.312" v="362" actId="20577"/>
+        <pc:sldMkLst>
+          <pc:docMk/>
+          <pc:sldMk cId="3577776162" sldId="290"/>
+        </pc:sldMkLst>
+        <pc:spChg chg="mod">
+          <ac:chgData name="Hewner, Michael P" userId="S::hewner@rose-hulman.edu::7f3f83dd-6dfb-4127-a87f-c1714bd4fac9" providerId="AD" clId="Web-{9A73A866-8308-5905-DB48-5AF851434F32}" dt="2019-01-17T17:17:07.312" v="362" actId="20577"/>
+          <ac:spMkLst>
+            <pc:docMk/>
+            <pc:sldMk cId="3577776162" sldId="290"/>
+            <ac:spMk id="2" creationId="{4799E135-81D3-480E-8B42-1261048B35C7}"/>
+          </ac:spMkLst>
+        </pc:spChg>
+        <pc:spChg chg="mod">
+          <ac:chgData name="Hewner, Michael P" userId="S::hewner@rose-hulman.edu::7f3f83dd-6dfb-4127-a87f-c1714bd4fac9" providerId="AD" clId="Web-{9A73A866-8308-5905-DB48-5AF851434F32}" dt="2019-01-17T17:16:57.093" v="358" actId="20577"/>
+          <ac:spMkLst>
+            <pc:docMk/>
+            <pc:sldMk cId="3577776162" sldId="290"/>
+            <ac:spMk id="3" creationId="{B68AAB21-FA16-42B7-9146-335EC06AD89B}"/>
+          </ac:spMkLst>
+        </pc:spChg>
+      </pc:sldChg>
+    </pc:docChg>
+  </pc:docChgLst>
+  <pc:docChgLst>
+    <pc:chgData name="Song, Lixing" userId="d86a4794-d57c-4f6d-acee-3349d9d3edfc" providerId="ADAL" clId="{E6A4A57A-7BA1-4943-B287-0650F3813B88}"/>
+  </pc:docChgLst>
+  <pc:docChgLst>
+    <pc:chgData name="Song, Lixing" userId="d86a4794-d57c-4f6d-acee-3349d9d3edfc" providerId="ADAL" clId="{57BE710F-CAAC-5C4C-B1E2-33D10347FAC9}"/>
+  </pc:docChgLst>
+  <pc:docChgLst>
+    <pc:chgData name="Song, Lixing" userId="d86a4794-d57c-4f6d-acee-3349d9d3edfc" providerId="ADAL" clId="{9E87C597-9CCC-9D40-AF98-FA57E59EE777}"/>
+  </pc:docChgLst>
+  <pc:docChgLst>
+    <pc:chgData name="Song, Lixing" userId="d86a4794-d57c-4f6d-acee-3349d9d3edfc" providerId="ADAL" clId="{5D69B093-118D-1741-8919-161214198A6C}"/>
+  </pc:docChgLst>
+  <pc:docChgLst>
+    <pc:chgData name="Song, Lixing" userId="d86a4794-d57c-4f6d-acee-3349d9d3edfc" providerId="ADAL" clId="{E1098B45-AB94-4F00-85CD-1AFC01B71551}"/>
+    <pc:docChg chg="undo custSel addSld delSld modSld">
+      <pc:chgData name="Song, Lixing" userId="d86a4794-d57c-4f6d-acee-3349d9d3edfc" providerId="ADAL" clId="{E1098B45-AB94-4F00-85CD-1AFC01B71551}" dt="2019-01-11T19:35:40.157" v="2495" actId="1076"/>
+      <pc:docMkLst>
+        <pc:docMk/>
+      </pc:docMkLst>
+      <pc:sldChg chg="delSp modSp">
+        <pc:chgData name="Song, Lixing" userId="d86a4794-d57c-4f6d-acee-3349d9d3edfc" providerId="ADAL" clId="{E1098B45-AB94-4F00-85CD-1AFC01B71551}" dt="2019-01-10T18:09:14.933" v="2494" actId="478"/>
+        <pc:sldMkLst>
+          <pc:docMk/>
+          <pc:sldMk cId="25011158" sldId="256"/>
+        </pc:sldMkLst>
+        <pc:spChg chg="mod">
+          <ac:chgData name="Song, Lixing" userId="d86a4794-d57c-4f6d-acee-3349d9d3edfc" providerId="ADAL" clId="{E1098B45-AB94-4F00-85CD-1AFC01B71551}" dt="2019-01-09T22:02:40.715" v="33" actId="27636"/>
+          <ac:spMkLst>
+            <pc:docMk/>
+            <pc:sldMk cId="25011158" sldId="256"/>
+            <ac:spMk id="2" creationId="{6DDA001A-43E3-1449-893B-948F2BFF68B6}"/>
+          </ac:spMkLst>
+        </pc:spChg>
+        <pc:spChg chg="del">
+          <ac:chgData name="Song, Lixing" userId="d86a4794-d57c-4f6d-acee-3349d9d3edfc" providerId="ADAL" clId="{E1098B45-AB94-4F00-85CD-1AFC01B71551}" dt="2019-01-10T18:09:14.933" v="2494" actId="478"/>
+          <ac:spMkLst>
+            <pc:docMk/>
+            <pc:sldMk cId="25011158" sldId="256"/>
+            <ac:spMk id="5" creationId="{25AC140F-42F8-4847-81A4-723A83BF5DA5}"/>
+          </ac:spMkLst>
+        </pc:spChg>
+      </pc:sldChg>
+      <pc:sldChg chg="modSp">
+        <pc:chgData name="Song, Lixing" userId="d86a4794-d57c-4f6d-acee-3349d9d3edfc" providerId="ADAL" clId="{E1098B45-AB94-4F00-85CD-1AFC01B71551}" dt="2019-01-10T17:55:39.173" v="1922" actId="20577"/>
+        <pc:sldMkLst>
+          <pc:docMk/>
+          <pc:sldMk cId="3602679756" sldId="280"/>
+        </pc:sldMkLst>
+        <pc:spChg chg="mod">
+          <ac:chgData name="Song, Lixing" userId="d86a4794-d57c-4f6d-acee-3349d9d3edfc" providerId="ADAL" clId="{E1098B45-AB94-4F00-85CD-1AFC01B71551}" dt="2019-01-10T17:55:39.173" v="1922" actId="20577"/>
+          <ac:spMkLst>
+            <pc:docMk/>
+            <pc:sldMk cId="3602679756" sldId="280"/>
+            <ac:spMk id="85" creationId="{00000000-0000-0000-0000-000000000000}"/>
+          </ac:spMkLst>
+        </pc:spChg>
+      </pc:sldChg>
+    </pc:docChg>
+  </pc:docChgLst>
+  <pc:docChgLst>
+    <pc:chgData name="Song, Lixing" userId="d86a4794-d57c-4f6d-acee-3349d9d3edfc" providerId="ADAL" clId="{15F38F77-5154-6344-B0CC-E8BE3C6E9BB9}"/>
+  </pc:docChgLst>
+  <pc:docChgLst>
+    <pc:chgData name="Song, Lixing" userId="d86a4794-d57c-4f6d-acee-3349d9d3edfc" providerId="ADAL" clId="{6256184C-17FA-4944-87C5-3041B62521D9}"/>
+  </pc:docChgLst>
+  <pc:docChgLst>
+    <pc:chgData name="Song, Lixing" userId="d86a4794-d57c-4f6d-acee-3349d9d3edfc" providerId="ADAL" clId="{7BB45646-90E1-44D8-AF19-297232EBBE5C}"/>
+    <pc:docChg chg="custSel addSld modSld">
+      <pc:chgData name="Song, Lixing" userId="d86a4794-d57c-4f6d-acee-3349d9d3edfc" providerId="ADAL" clId="{7BB45646-90E1-44D8-AF19-297232EBBE5C}" dt="2019-01-03T21:42:56.782" v="270"/>
+      <pc:docMkLst>
+        <pc:docMk/>
+      </pc:docMkLst>
+    </pc:docChg>
+  </pc:docChgLst>
+  <pc:docChgLst>
+    <pc:chgData name="Song, Lixing" userId="S::song3@rose-hulman.edu::d86a4794-d57c-4f6d-acee-3349d9d3edfc" providerId="AD" clId="Web-{A444728C-76FF-E237-8848-EF04C33607FA}"/>
+    <pc:docChg chg="addSld modSld sldOrd">
+      <pc:chgData name="Song, Lixing" userId="S::song3@rose-hulman.edu::d86a4794-d57c-4f6d-acee-3349d9d3edfc" providerId="AD" clId="Web-{A444728C-76FF-E237-8848-EF04C33607FA}" dt="2018-12-14T22:48:06.531" v="108" actId="20577"/>
+      <pc:docMkLst>
+        <pc:docMk/>
+      </pc:docMkLst>
+    </pc:docChg>
+  </pc:docChgLst>
+  <pc:docChgLst>
     <pc:chgData name="Song, Lixing" userId="d86a4794-d57c-4f6d-acee-3349d9d3edfc" providerId="ADAL" clId="{3DB7AE05-0F07-FE4F-998C-F915C7572059}"/>
+  </pc:docChgLst>
+  <pc:docChgLst>
+    <pc:chgData name="Song, Lixing" userId="d86a4794-d57c-4f6d-acee-3349d9d3edfc" providerId="ADAL" clId="{5E3F1545-9865-4D0C-9B6A-C53785E4F7ED}"/>
   </pc:docChgLst>
   <pc:docChgLst>
     <pc:chgData name="Hewner, Michael P" userId="S::hewner@rose-hulman.edu::7f3f83dd-6dfb-4127-a87f-c1714bd4fac9" providerId="AD" clId="Web-{BED898F0-5C4E-4E2B-05B8-62EB02E2E38B}"/>
@@ -811,7 +826,13 @@
     </pc:docChg>
   </pc:docChgLst>
   <pc:docChgLst>
-    <pc:chgData name="Song, Lixing" userId="d86a4794-d57c-4f6d-acee-3349d9d3edfc" providerId="ADAL" clId="{15F38F77-5154-6344-B0CC-E8BE3C6E9BB9}"/>
+    <pc:chgData name="Hewner, Michael P" userId="S::hewner@rose-hulman.edu::7f3f83dd-6dfb-4127-a87f-c1714bd4fac9" providerId="AD" clId="Web-{8A75AB8D-89EF-8CD1-A468-00DA4915BB3A}"/>
+    <pc:docChg chg="addSld modSld">
+      <pc:chgData name="Hewner, Michael P" userId="S::hewner@rose-hulman.edu::7f3f83dd-6dfb-4127-a87f-c1714bd4fac9" providerId="AD" clId="Web-{8A75AB8D-89EF-8CD1-A468-00DA4915BB3A}" dt="2018-12-14T19:47:49.507" v="13" actId="20577"/>
+      <pc:docMkLst>
+        <pc:docMk/>
+      </pc:docMkLst>
+    </pc:docChg>
   </pc:docChgLst>
   <pc:docChgLst>
     <pc:chgData name="Song, Lixing" userId="d86a4794-d57c-4f6d-acee-3349d9d3edfc" providerId="ADAL" clId="{8625469A-439A-40A6-B264-B2CE96E9A185}"/>
@@ -854,57 +875,62 @@
     </pc:docChg>
   </pc:docChgLst>
   <pc:docChgLst>
-    <pc:chgData name="Song, Lixing" userId="d86a4794-d57c-4f6d-acee-3349d9d3edfc" providerId="ADAL" clId="{7BB45646-90E1-44D8-AF19-297232EBBE5C}"/>
-    <pc:docChg chg="custSel addSld modSld">
-      <pc:chgData name="Song, Lixing" userId="d86a4794-d57c-4f6d-acee-3349d9d3edfc" providerId="ADAL" clId="{7BB45646-90E1-44D8-AF19-297232EBBE5C}" dt="2019-01-03T21:42:56.782" v="270"/>
+    <pc:chgData name="Song, Lixing" userId="d86a4794-d57c-4f6d-acee-3349d9d3edfc" providerId="ADAL" clId="{41CAD8FE-0633-0C44-91B6-9FBD914D6317}"/>
+  </pc:docChgLst>
+  <pc:docChgLst>
+    <pc:chgData name="Song, Lixing" userId="d86a4794-d57c-4f6d-acee-3349d9d3edfc" providerId="ADAL" clId="{C22CFC7D-4CFF-3949-BBCC-B4ADD21FB069}"/>
+  </pc:docChgLst>
+  <pc:docChgLst>
+    <pc:chgData name="Song, Lixing" userId="d86a4794-d57c-4f6d-acee-3349d9d3edfc" providerId="ADAL" clId="{C5F6EF1B-B238-4AE6-B5E6-517D272D2DA8}"/>
+    <pc:docChg chg="undo custSel addSld delSld modSld">
+      <pc:chgData name="Song, Lixing" userId="d86a4794-d57c-4f6d-acee-3349d9d3edfc" providerId="ADAL" clId="{C5F6EF1B-B238-4AE6-B5E6-517D272D2DA8}" dt="2019-01-08T18:26:16.544" v="1848" actId="113"/>
       <pc:docMkLst>
         <pc:docMk/>
       </pc:docMkLst>
-    </pc:docChg>
-  </pc:docChgLst>
-  <pc:docChgLst>
-    <pc:chgData name="Song, Lixing" userId="S::song3@rose-hulman.edu::d86a4794-d57c-4f6d-acee-3349d9d3edfc" providerId="AD" clId="Web-{A444728C-76FF-E237-8848-EF04C33607FA}"/>
-    <pc:docChg chg="addSld modSld sldOrd">
-      <pc:chgData name="Song, Lixing" userId="S::song3@rose-hulman.edu::d86a4794-d57c-4f6d-acee-3349d9d3edfc" providerId="AD" clId="Web-{A444728C-76FF-E237-8848-EF04C33607FA}" dt="2018-12-14T22:48:06.531" v="108" actId="20577"/>
-      <pc:docMkLst>
-        <pc:docMk/>
-      </pc:docMkLst>
+      <pc:sldChg chg="modSp">
+        <pc:chgData name="Song, Lixing" userId="d86a4794-d57c-4f6d-acee-3349d9d3edfc" providerId="ADAL" clId="{C5F6EF1B-B238-4AE6-B5E6-517D272D2DA8}" dt="2019-01-03T21:46:54.078" v="0" actId="20577"/>
+        <pc:sldMkLst>
+          <pc:docMk/>
+          <pc:sldMk cId="25011158" sldId="256"/>
+        </pc:sldMkLst>
+        <pc:spChg chg="mod">
+          <ac:chgData name="Song, Lixing" userId="d86a4794-d57c-4f6d-acee-3349d9d3edfc" providerId="ADAL" clId="{C5F6EF1B-B238-4AE6-B5E6-517D272D2DA8}" dt="2019-01-03T21:46:54.078" v="0" actId="20577"/>
+          <ac:spMkLst>
+            <pc:docMk/>
+            <pc:sldMk cId="25011158" sldId="256"/>
+            <ac:spMk id="2" creationId="{6DDA001A-43E3-1449-893B-948F2BFF68B6}"/>
+          </ac:spMkLst>
+        </pc:spChg>
+      </pc:sldChg>
+      <pc:sldChg chg="modSp add">
+        <pc:chgData name="Song, Lixing" userId="d86a4794-d57c-4f6d-acee-3349d9d3edfc" providerId="ADAL" clId="{C5F6EF1B-B238-4AE6-B5E6-517D272D2DA8}" dt="2019-01-08T17:37:07.115" v="1835" actId="20577"/>
+        <pc:sldMkLst>
+          <pc:docMk/>
+          <pc:sldMk cId="3602679756" sldId="280"/>
+        </pc:sldMkLst>
+        <pc:spChg chg="mod">
+          <ac:chgData name="Song, Lixing" userId="d86a4794-d57c-4f6d-acee-3349d9d3edfc" providerId="ADAL" clId="{C5F6EF1B-B238-4AE6-B5E6-517D272D2DA8}" dt="2019-01-08T17:27:12.575" v="1677" actId="20577"/>
+          <ac:spMkLst>
+            <pc:docMk/>
+            <pc:sldMk cId="3602679756" sldId="280"/>
+            <ac:spMk id="84" creationId="{00000000-0000-0000-0000-000000000000}"/>
+          </ac:spMkLst>
+        </pc:spChg>
+        <pc:spChg chg="mod">
+          <ac:chgData name="Song, Lixing" userId="d86a4794-d57c-4f6d-acee-3349d9d3edfc" providerId="ADAL" clId="{C5F6EF1B-B238-4AE6-B5E6-517D272D2DA8}" dt="2019-01-08T17:37:07.115" v="1835" actId="20577"/>
+          <ac:spMkLst>
+            <pc:docMk/>
+            <pc:sldMk cId="3602679756" sldId="280"/>
+            <ac:spMk id="85" creationId="{00000000-0000-0000-0000-000000000000}"/>
+          </ac:spMkLst>
+        </pc:spChg>
+      </pc:sldChg>
     </pc:docChg>
   </pc:docChgLst>
   <pc:docChgLst>
     <pc:chgData name="Song, Lixing" userId="d86a4794-d57c-4f6d-acee-3349d9d3edfc" providerId="ADAL" clId="{DE510D8C-7A8F-4C1E-B129-432EFF16AAA3}"/>
     <pc:docChg chg="undo custSel addSld delSld modSld">
       <pc:chgData name="Song, Lixing" userId="d86a4794-d57c-4f6d-acee-3349d9d3edfc" providerId="ADAL" clId="{DE510D8C-7A8F-4C1E-B129-432EFF16AAA3}" dt="2018-12-18T19:13:37.859" v="215" actId="207"/>
-      <pc:docMkLst>
-        <pc:docMk/>
-      </pc:docMkLst>
-    </pc:docChg>
-  </pc:docChgLst>
-  <pc:docChgLst>
-    <pc:chgData name="Song, Lixing" userId="d86a4794-d57c-4f6d-acee-3349d9d3edfc" providerId="ADAL" clId="{9F0C0119-4A4E-FD49-92D0-D1E0275E8FC9}"/>
-    <pc:docChg chg="modSld">
-      <pc:chgData name="Song, Lixing" userId="d86a4794-d57c-4f6d-acee-3349d9d3edfc" providerId="ADAL" clId="{9F0C0119-4A4E-FD49-92D0-D1E0275E8FC9}" dt="2018-12-18T02:23:53.605" v="50"/>
-      <pc:docMkLst>
-        <pc:docMk/>
-      </pc:docMkLst>
-    </pc:docChg>
-  </pc:docChgLst>
-  <pc:docChgLst>
-    <pc:chgData name="Song, Lixing" userId="d86a4794-d57c-4f6d-acee-3349d9d3edfc" providerId="ADAL" clId="{5E3F1545-9865-4D0C-9B6A-C53785E4F7ED}"/>
-  </pc:docChgLst>
-  <pc:docChgLst>
-    <pc:chgData name="Song, Lixing" userId="d86a4794-d57c-4f6d-acee-3349d9d3edfc" providerId="ADAL" clId="{C22CFC7D-4CFF-3949-BBCC-B4ADD21FB069}"/>
-  </pc:docChgLst>
-  <pc:docChgLst>
-    <pc:chgData name="Song, Lixing" userId="d86a4794-d57c-4f6d-acee-3349d9d3edfc" providerId="ADAL" clId="{6256184C-17FA-4944-87C5-3041B62521D9}"/>
-  </pc:docChgLst>
-  <pc:docChgLst>
-    <pc:chgData name="Song, Lixing" userId="d86a4794-d57c-4f6d-acee-3349d9d3edfc" providerId="ADAL" clId="{63E5B0BA-7CA7-664C-A874-0CD1DDB96575}"/>
-  </pc:docChgLst>
-  <pc:docChgLst>
-    <pc:chgData name="Hewner, Michael P" userId="S::hewner@rose-hulman.edu::7f3f83dd-6dfb-4127-a87f-c1714bd4fac9" providerId="AD" clId="Web-{8A75AB8D-89EF-8CD1-A468-00DA4915BB3A}"/>
-    <pc:docChg chg="addSld modSld">
-      <pc:chgData name="Hewner, Michael P" userId="S::hewner@rose-hulman.edu::7f3f83dd-6dfb-4127-a87f-c1714bd4fac9" providerId="AD" clId="Web-{8A75AB8D-89EF-8CD1-A468-00DA4915BB3A}" dt="2018-12-14T19:47:49.507" v="13" actId="20577"/>
       <pc:docMkLst>
         <pc:docMk/>
       </pc:docMkLst>
@@ -1007,7 +1033,7 @@
           <a:p>
             <a:fld id="{B2F99CBE-2880-364F-A223-8E393E38EFAB}" type="datetimeFigureOut">
               <a:rPr lang="en-US" smtClean="0"/>
-              <a:t>1/11/2019</a:t>
+              <a:t>1/17/2019</a:t>
             </a:fld>
             <a:endParaRPr lang="en-US"/>
           </a:p>
@@ -1184,7 +1210,7 @@
           <a:p>
             <a:fld id="{8D9AE51D-F948-044F-B984-1DA50063DADE}" type="datetimeFigureOut">
               <a:rPr lang="en-US" smtClean="0"/>
-              <a:t>1/11/2019</a:t>
+              <a:t>1/17/2019</a:t>
             </a:fld>
             <a:endParaRPr lang="en-US"/>
           </a:p>
@@ -1791,7 +1817,7 @@
           <a:p>
             <a:fld id="{82A73E24-5133-184A-B08C-013331FC8007}" type="datetimeFigureOut">
               <a:rPr lang="en-US" smtClean="0"/>
-              <a:t>1/11/2019</a:t>
+              <a:t>1/17/2019</a:t>
             </a:fld>
             <a:endParaRPr lang="en-US"/>
           </a:p>
@@ -2153,7 +2179,7 @@
           <a:p>
             <a:fld id="{82A73E24-5133-184A-B08C-013331FC8007}" type="datetimeFigureOut">
               <a:rPr lang="en-US" smtClean="0"/>
-              <a:t>1/11/2019</a:t>
+              <a:t>1/17/2019</a:t>
             </a:fld>
             <a:endParaRPr lang="en-US"/>
           </a:p>
@@ -2361,7 +2387,7 @@
           <a:p>
             <a:fld id="{82A73E24-5133-184A-B08C-013331FC8007}" type="datetimeFigureOut">
               <a:rPr lang="en-US" smtClean="0"/>
-              <a:t>1/11/2019</a:t>
+              <a:t>1/17/2019</a:t>
             </a:fld>
             <a:endParaRPr lang="en-US"/>
           </a:p>
@@ -3439,7 +3465,7 @@
           <a:p>
             <a:fld id="{82A73E24-5133-184A-B08C-013331FC8007}" type="datetimeFigureOut">
               <a:rPr lang="en-US" smtClean="0"/>
-              <a:t>1/11/2019</a:t>
+              <a:t>1/17/2019</a:t>
             </a:fld>
             <a:endParaRPr lang="en-US"/>
           </a:p>
@@ -3793,7 +3819,7 @@
           <a:p>
             <a:fld id="{82A73E24-5133-184A-B08C-013331FC8007}" type="datetimeFigureOut">
               <a:rPr lang="en-US" smtClean="0"/>
-              <a:t>1/11/2019</a:t>
+              <a:t>1/17/2019</a:t>
             </a:fld>
             <a:endParaRPr lang="en-US"/>
           </a:p>
@@ -4058,7 +4084,7 @@
           <a:p>
             <a:fld id="{82A73E24-5133-184A-B08C-013331FC8007}" type="datetimeFigureOut">
               <a:rPr lang="en-US" smtClean="0"/>
-              <a:t>1/11/2019</a:t>
+              <a:t>1/17/2019</a:t>
             </a:fld>
             <a:endParaRPr lang="en-US"/>
           </a:p>
@@ -4470,7 +4496,7 @@
           <a:p>
             <a:fld id="{82A73E24-5133-184A-B08C-013331FC8007}" type="datetimeFigureOut">
               <a:rPr lang="en-US" smtClean="0"/>
-              <a:t>1/11/2019</a:t>
+              <a:t>1/17/2019</a:t>
             </a:fld>
             <a:endParaRPr lang="en-US"/>
           </a:p>
@@ -4611,7 +4637,7 @@
           <a:p>
             <a:fld id="{82A73E24-5133-184A-B08C-013331FC8007}" type="datetimeFigureOut">
               <a:rPr lang="en-US" smtClean="0"/>
-              <a:t>1/11/2019</a:t>
+              <a:t>1/17/2019</a:t>
             </a:fld>
             <a:endParaRPr lang="en-US"/>
           </a:p>
@@ -4724,7 +4750,7 @@
           <a:p>
             <a:fld id="{82A73E24-5133-184A-B08C-013331FC8007}" type="datetimeFigureOut">
               <a:rPr lang="en-US" smtClean="0"/>
-              <a:t>1/11/2019</a:t>
+              <a:t>1/17/2019</a:t>
             </a:fld>
             <a:endParaRPr lang="en-US"/>
           </a:p>
@@ -5035,7 +5061,7 @@
           <a:p>
             <a:fld id="{82A73E24-5133-184A-B08C-013331FC8007}" type="datetimeFigureOut">
               <a:rPr lang="en-US" smtClean="0"/>
-              <a:t>1/11/2019</a:t>
+              <a:t>1/17/2019</a:t>
             </a:fld>
             <a:endParaRPr lang="en-US"/>
           </a:p>
@@ -5326,7 +5352,7 @@
           <a:p>
             <a:fld id="{82A73E24-5133-184A-B08C-013331FC8007}" type="datetimeFigureOut">
               <a:rPr lang="en-US" smtClean="0"/>
-              <a:t>1/11/2019</a:t>
+              <a:t>1/17/2019</a:t>
             </a:fld>
             <a:endParaRPr lang="en-US"/>
           </a:p>
@@ -5567,7 +5593,7 @@
           <a:p>
             <a:fld id="{82A73E24-5133-184A-B08C-013331FC8007}" type="datetimeFigureOut">
               <a:rPr lang="en-US" smtClean="0"/>
-              <a:t>1/11/2019</a:t>
+              <a:t>1/17/2019</a:t>
             </a:fld>
             <a:endParaRPr lang="en-US"/>
           </a:p>
@@ -6051,7 +6077,7 @@
           <a:p>
             <a:fld id="{B7B09853-F130-A44D-A7BC-226D14CA7C56}" type="datetime2">
               <a:rPr lang="en-US" smtClean="0"/>
-              <a:t>Friday, January 11, 2019</a:t>
+              <a:t>Thursday, January 17, 2019</a:t>
             </a:fld>
             <a:endParaRPr lang="en-US" dirty="0"/>
           </a:p>
@@ -6071,6 +6097,1904 @@
 </file>
 
 <file path=ppt/slides/slide10.xml><?xml version="1.0" encoding="utf-8"?>
+<p:sld xmlns:a="http://schemas.openxmlformats.org/drawingml/2006/main" xmlns:r="http://schemas.openxmlformats.org/officeDocument/2006/relationships" xmlns:p="http://schemas.openxmlformats.org/presentationml/2006/main">
+  <p:cSld>
+    <p:spTree>
+      <p:nvGrpSpPr>
+        <p:cNvPr id="1" name=""/>
+        <p:cNvGrpSpPr/>
+        <p:nvPr/>
+      </p:nvGrpSpPr>
+      <p:grpSpPr>
+        <a:xfrm>
+          <a:off x="0" y="0"/>
+          <a:ext cx="0" cy="0"/>
+          <a:chOff x="0" y="0"/>
+          <a:chExt cx="0" cy="0"/>
+        </a:xfrm>
+      </p:grpSpPr>
+      <p:sp>
+        <p:nvSpPr>
+          <p:cNvPr id="2" name="Title 1">
+            <a:extLst>
+              <a:ext uri="{FF2B5EF4-FFF2-40B4-BE49-F238E27FC236}">
+                <a16:creationId xmlns:a16="http://schemas.microsoft.com/office/drawing/2014/main" id="{881EE57D-6C31-4026-B38B-CC49E8619D20}"/>
+              </a:ext>
+            </a:extLst>
+          </p:cNvPr>
+          <p:cNvSpPr>
+            <a:spLocks noGrp="1"/>
+          </p:cNvSpPr>
+          <p:nvPr>
+            <p:ph type="title"/>
+          </p:nvPr>
+        </p:nvSpPr>
+        <p:spPr/>
+        <p:txBody>
+          <a:bodyPr/>
+          <a:lstStyle/>
+          <a:p>
+            <a:r>
+              <a:rPr lang="en-US" dirty="0"/>
+              <a:t>Solution #2</a:t>
+            </a:r>
+          </a:p>
+        </p:txBody>
+      </p:sp>
+      <p:sp>
+        <p:nvSpPr>
+          <p:cNvPr id="3" name="Content Placeholder 2">
+            <a:extLst>
+              <a:ext uri="{FF2B5EF4-FFF2-40B4-BE49-F238E27FC236}">
+                <a16:creationId xmlns:a16="http://schemas.microsoft.com/office/drawing/2014/main" id="{0CA91EFF-2E18-4F89-B0E8-4361B4E1FBAF}"/>
+              </a:ext>
+            </a:extLst>
+          </p:cNvPr>
+          <p:cNvSpPr>
+            <a:spLocks noGrp="1"/>
+          </p:cNvSpPr>
+          <p:nvPr>
+            <p:ph idx="1"/>
+          </p:nvPr>
+        </p:nvSpPr>
+        <p:spPr>
+          <a:xfrm>
+            <a:off x="838200" y="1390619"/>
+            <a:ext cx="10515600" cy="4895850"/>
+          </a:xfrm>
+        </p:spPr>
+        <p:txBody>
+          <a:bodyPr/>
+          <a:lstStyle/>
+          <a:p>
+            <a:r>
+              <a:rPr lang="en-US" dirty="0"/>
+              <a:t>Let’s use a lock to protect the buffer</a:t>
+            </a:r>
+            <a:endParaRPr lang="en-US" dirty="0">
+              <a:solidFill>
+                <a:srgbClr val="C00000"/>
+              </a:solidFill>
+            </a:endParaRPr>
+          </a:p>
+          <a:p>
+            <a:endParaRPr lang="en-US" dirty="0"/>
+          </a:p>
+        </p:txBody>
+      </p:sp>
+      <p:sp>
+        <p:nvSpPr>
+          <p:cNvPr id="4" name="Rectangle 3">
+            <a:extLst>
+              <a:ext uri="{FF2B5EF4-FFF2-40B4-BE49-F238E27FC236}">
+                <a16:creationId xmlns:a16="http://schemas.microsoft.com/office/drawing/2014/main" id="{CF7D4D0F-9CFC-41C9-8186-4250772F3F8A}"/>
+              </a:ext>
+            </a:extLst>
+          </p:cNvPr>
+          <p:cNvSpPr/>
+          <p:nvPr/>
+        </p:nvSpPr>
+        <p:spPr>
+          <a:xfrm>
+            <a:off x="3500761" y="2049393"/>
+            <a:ext cx="3342443" cy="381427"/>
+          </a:xfrm>
+          <a:prstGeom prst="rect">
+            <a:avLst/>
+          </a:prstGeom>
+          <a:noFill/>
+          <a:ln w="9525" cap="flat" cmpd="sng" algn="ctr">
+            <a:solidFill>
+              <a:schemeClr val="accent1"/>
+            </a:solidFill>
+            <a:prstDash val="solid"/>
+            <a:round/>
+            <a:headEnd type="none" w="med" len="med"/>
+            <a:tailEnd type="none" w="med" len="med"/>
+          </a:ln>
+        </p:spPr>
+        <p:style>
+          <a:lnRef idx="0">
+            <a:scrgbClr r="0" g="0" b="0"/>
+          </a:lnRef>
+          <a:fillRef idx="0">
+            <a:scrgbClr r="0" g="0" b="0"/>
+          </a:fillRef>
+          <a:effectRef idx="0">
+            <a:scrgbClr r="0" g="0" b="0"/>
+          </a:effectRef>
+          <a:fontRef idx="minor">
+            <a:schemeClr val="accent1"/>
+          </a:fontRef>
+        </p:style>
+        <p:txBody>
+          <a:bodyPr wrap="square">
+            <a:spAutoFit/>
+          </a:bodyPr>
+          <a:lstStyle/>
+          <a:p>
+            <a:r>
+              <a:rPr lang="pt-BR" dirty="0">
+                <a:solidFill>
+                  <a:srgbClr val="37474F"/>
+                </a:solidFill>
+                <a:latin typeface="Roboto Mono"/>
+              </a:rPr>
+              <a:t>sem_init</a:t>
+            </a:r>
+            <a:r>
+              <a:rPr lang="pt-BR" dirty="0">
+                <a:solidFill>
+                  <a:srgbClr val="3F51B5"/>
+                </a:solidFill>
+                <a:latin typeface="Roboto Mono"/>
+              </a:rPr>
+              <a:t>(&amp;</a:t>
+            </a:r>
+            <a:r>
+              <a:rPr lang="pt-BR" dirty="0">
+                <a:solidFill>
+                  <a:srgbClr val="37474F"/>
+                </a:solidFill>
+                <a:latin typeface="Roboto Mono"/>
+              </a:rPr>
+              <a:t>lock</a:t>
+            </a:r>
+            <a:r>
+              <a:rPr lang="pt-BR" dirty="0">
+                <a:solidFill>
+                  <a:srgbClr val="3F51B5"/>
+                </a:solidFill>
+                <a:latin typeface="Roboto Mono"/>
+              </a:rPr>
+              <a:t>,</a:t>
+            </a:r>
+            <a:r>
+              <a:rPr lang="pt-BR" dirty="0">
+                <a:solidFill>
+                  <a:srgbClr val="37474F"/>
+                </a:solidFill>
+                <a:latin typeface="Roboto Mono"/>
+              </a:rPr>
+              <a:t> </a:t>
+            </a:r>
+            <a:r>
+              <a:rPr lang="pt-BR" dirty="0">
+                <a:solidFill>
+                  <a:srgbClr val="C53929"/>
+                </a:solidFill>
+                <a:latin typeface="Roboto Mono"/>
+              </a:rPr>
+              <a:t>0</a:t>
+            </a:r>
+            <a:r>
+              <a:rPr lang="pt-BR" dirty="0">
+                <a:solidFill>
+                  <a:srgbClr val="3F51B5"/>
+                </a:solidFill>
+                <a:latin typeface="Roboto Mono"/>
+              </a:rPr>
+              <a:t>,</a:t>
+            </a:r>
+            <a:r>
+              <a:rPr lang="pt-BR" dirty="0">
+                <a:solidFill>
+                  <a:srgbClr val="37474F"/>
+                </a:solidFill>
+                <a:latin typeface="Roboto Mono"/>
+              </a:rPr>
+              <a:t> </a:t>
+            </a:r>
+            <a:r>
+              <a:rPr lang="pt-BR" dirty="0">
+                <a:solidFill>
+                  <a:srgbClr val="C53929"/>
+                </a:solidFill>
+                <a:latin typeface="Roboto Mono"/>
+              </a:rPr>
+              <a:t>1</a:t>
+            </a:r>
+            <a:r>
+              <a:rPr lang="pt-BR" dirty="0">
+                <a:solidFill>
+                  <a:srgbClr val="3F51B5"/>
+                </a:solidFill>
+                <a:latin typeface="Roboto Mono"/>
+              </a:rPr>
+              <a:t>);</a:t>
+            </a:r>
+            <a:endParaRPr lang="en-US" dirty="0"/>
+          </a:p>
+        </p:txBody>
+      </p:sp>
+      <p:sp>
+        <p:nvSpPr>
+          <p:cNvPr id="5" name="Rectangle 4">
+            <a:extLst>
+              <a:ext uri="{FF2B5EF4-FFF2-40B4-BE49-F238E27FC236}">
+                <a16:creationId xmlns:a16="http://schemas.microsoft.com/office/drawing/2014/main" id="{EA2A4411-2DBC-487C-A0EB-C727B4C21160}"/>
+              </a:ext>
+            </a:extLst>
+          </p:cNvPr>
+          <p:cNvSpPr/>
+          <p:nvPr/>
+        </p:nvSpPr>
+        <p:spPr>
+          <a:xfrm>
+            <a:off x="5666912" y="2578431"/>
+            <a:ext cx="5243744" cy="3477875"/>
+          </a:xfrm>
+          <a:prstGeom prst="rect">
+            <a:avLst/>
+          </a:prstGeom>
+          <a:noFill/>
+          <a:ln w="9525" cap="flat" cmpd="sng" algn="ctr">
+            <a:solidFill>
+              <a:schemeClr val="accent1"/>
+            </a:solidFill>
+            <a:prstDash val="solid"/>
+            <a:round/>
+            <a:headEnd type="none" w="med" len="med"/>
+            <a:tailEnd type="none" w="med" len="med"/>
+          </a:ln>
+        </p:spPr>
+        <p:style>
+          <a:lnRef idx="0">
+            <a:scrgbClr r="0" g="0" b="0"/>
+          </a:lnRef>
+          <a:fillRef idx="0">
+            <a:scrgbClr r="0" g="0" b="0"/>
+          </a:fillRef>
+          <a:effectRef idx="0">
+            <a:scrgbClr r="0" g="0" b="0"/>
+          </a:effectRef>
+          <a:fontRef idx="minor">
+            <a:schemeClr val="accent1"/>
+          </a:fontRef>
+        </p:style>
+        <p:txBody>
+          <a:bodyPr wrap="square">
+            <a:spAutoFit/>
+          </a:bodyPr>
+          <a:lstStyle/>
+          <a:p>
+            <a:r>
+              <a:rPr lang="en-US" sz="2000" dirty="0">
+                <a:solidFill>
+                  <a:srgbClr val="3F51B5"/>
+                </a:solidFill>
+                <a:latin typeface="Roboto Mono"/>
+              </a:rPr>
+              <a:t>void</a:t>
+            </a:r>
+            <a:r>
+              <a:rPr lang="en-US" sz="2000" dirty="0">
+                <a:solidFill>
+                  <a:srgbClr val="37474F"/>
+                </a:solidFill>
+                <a:latin typeface="Roboto Mono"/>
+              </a:rPr>
+              <a:t> </a:t>
+            </a:r>
+            <a:r>
+              <a:rPr lang="en-US" sz="2000" dirty="0">
+                <a:solidFill>
+                  <a:srgbClr val="3F51B5"/>
+                </a:solidFill>
+                <a:latin typeface="Roboto Mono"/>
+              </a:rPr>
+              <a:t>*</a:t>
+            </a:r>
+            <a:r>
+              <a:rPr lang="en-US" sz="2000" dirty="0">
+                <a:solidFill>
+                  <a:srgbClr val="37474F"/>
+                </a:solidFill>
+                <a:latin typeface="Roboto Mono"/>
+              </a:rPr>
+              <a:t>consumer</a:t>
+            </a:r>
+            <a:r>
+              <a:rPr lang="en-US" sz="2000" dirty="0">
+                <a:solidFill>
+                  <a:srgbClr val="3F51B5"/>
+                </a:solidFill>
+                <a:latin typeface="Roboto Mono"/>
+              </a:rPr>
+              <a:t>(void</a:t>
+            </a:r>
+            <a:r>
+              <a:rPr lang="en-US" sz="2000" dirty="0">
+                <a:solidFill>
+                  <a:srgbClr val="37474F"/>
+                </a:solidFill>
+                <a:latin typeface="Roboto Mono"/>
+              </a:rPr>
+              <a:t> </a:t>
+            </a:r>
+            <a:r>
+              <a:rPr lang="en-US" sz="2000" dirty="0">
+                <a:solidFill>
+                  <a:srgbClr val="3F51B5"/>
+                </a:solidFill>
+                <a:latin typeface="Roboto Mono"/>
+              </a:rPr>
+              <a:t>*</a:t>
+            </a:r>
+            <a:r>
+              <a:rPr lang="en-US" sz="2000" dirty="0" err="1">
+                <a:solidFill>
+                  <a:srgbClr val="37474F"/>
+                </a:solidFill>
+                <a:latin typeface="Roboto Mono"/>
+              </a:rPr>
+              <a:t>arg</a:t>
+            </a:r>
+            <a:r>
+              <a:rPr lang="en-US" sz="2000" dirty="0">
+                <a:solidFill>
+                  <a:srgbClr val="3F51B5"/>
+                </a:solidFill>
+                <a:latin typeface="Roboto Mono"/>
+              </a:rPr>
+              <a:t>)</a:t>
+            </a:r>
+            <a:r>
+              <a:rPr lang="en-US" sz="2000" dirty="0">
+                <a:solidFill>
+                  <a:srgbClr val="37474F"/>
+                </a:solidFill>
+                <a:latin typeface="Roboto Mono"/>
+              </a:rPr>
+              <a:t> </a:t>
+            </a:r>
+            <a:r>
+              <a:rPr lang="en-US" sz="2000" dirty="0">
+                <a:solidFill>
+                  <a:srgbClr val="3F51B5"/>
+                </a:solidFill>
+                <a:latin typeface="Roboto Mono"/>
+              </a:rPr>
+              <a:t>{</a:t>
+            </a:r>
+            <a:br>
+              <a:rPr lang="en-US" sz="2000" dirty="0">
+                <a:solidFill>
+                  <a:srgbClr val="37474F"/>
+                </a:solidFill>
+                <a:latin typeface="Roboto Mono"/>
+              </a:rPr>
+            </a:br>
+            <a:r>
+              <a:rPr lang="en-US" sz="2000" dirty="0">
+                <a:solidFill>
+                  <a:srgbClr val="37474F"/>
+                </a:solidFill>
+                <a:latin typeface="Roboto Mono"/>
+              </a:rPr>
+              <a:t>       </a:t>
+            </a:r>
+            <a:r>
+              <a:rPr lang="en-US" sz="2000" dirty="0">
+                <a:solidFill>
+                  <a:srgbClr val="3F51B5"/>
+                </a:solidFill>
+                <a:latin typeface="Roboto Mono"/>
+              </a:rPr>
+              <a:t>int</a:t>
+            </a:r>
+            <a:r>
+              <a:rPr lang="en-US" sz="2000" dirty="0">
+                <a:solidFill>
+                  <a:srgbClr val="37474F"/>
+                </a:solidFill>
+                <a:latin typeface="Roboto Mono"/>
+              </a:rPr>
+              <a:t> </a:t>
+            </a:r>
+            <a:r>
+              <a:rPr lang="en-US" sz="2000" dirty="0" err="1">
+                <a:solidFill>
+                  <a:srgbClr val="37474F"/>
+                </a:solidFill>
+                <a:latin typeface="Roboto Mono"/>
+              </a:rPr>
+              <a:t>i</a:t>
+            </a:r>
+            <a:r>
+              <a:rPr lang="en-US" sz="2000" dirty="0">
+                <a:solidFill>
+                  <a:srgbClr val="3F51B5"/>
+                </a:solidFill>
+                <a:latin typeface="Roboto Mono"/>
+              </a:rPr>
+              <a:t>;</a:t>
+            </a:r>
+            <a:br>
+              <a:rPr lang="en-US" sz="2000" dirty="0">
+                <a:solidFill>
+                  <a:srgbClr val="37474F"/>
+                </a:solidFill>
+                <a:latin typeface="Roboto Mono"/>
+              </a:rPr>
+            </a:br>
+            <a:r>
+              <a:rPr lang="en-US" sz="2000" dirty="0">
+                <a:solidFill>
+                  <a:srgbClr val="37474F"/>
+                </a:solidFill>
+                <a:latin typeface="Roboto Mono"/>
+              </a:rPr>
+              <a:t>       </a:t>
+            </a:r>
+            <a:r>
+              <a:rPr lang="en-US" sz="2000" dirty="0">
+                <a:solidFill>
+                  <a:srgbClr val="3F51B5"/>
+                </a:solidFill>
+                <a:latin typeface="Roboto Mono"/>
+              </a:rPr>
+              <a:t>for</a:t>
+            </a:r>
+            <a:r>
+              <a:rPr lang="en-US" sz="2000" dirty="0">
+                <a:solidFill>
+                  <a:srgbClr val="37474F"/>
+                </a:solidFill>
+                <a:latin typeface="Roboto Mono"/>
+              </a:rPr>
+              <a:t> </a:t>
+            </a:r>
+            <a:r>
+              <a:rPr lang="en-US" sz="2000" dirty="0">
+                <a:solidFill>
+                  <a:srgbClr val="3F51B5"/>
+                </a:solidFill>
+                <a:latin typeface="Roboto Mono"/>
+              </a:rPr>
+              <a:t>(</a:t>
+            </a:r>
+            <a:r>
+              <a:rPr lang="en-US" sz="2000" dirty="0" err="1">
+                <a:solidFill>
+                  <a:srgbClr val="37474F"/>
+                </a:solidFill>
+                <a:latin typeface="Roboto Mono"/>
+              </a:rPr>
+              <a:t>i</a:t>
+            </a:r>
+            <a:r>
+              <a:rPr lang="en-US" sz="2000" dirty="0">
+                <a:solidFill>
+                  <a:srgbClr val="37474F"/>
+                </a:solidFill>
+                <a:latin typeface="Roboto Mono"/>
+              </a:rPr>
+              <a:t> </a:t>
+            </a:r>
+            <a:r>
+              <a:rPr lang="en-US" sz="2000" dirty="0">
+                <a:solidFill>
+                  <a:srgbClr val="3F51B5"/>
+                </a:solidFill>
+                <a:latin typeface="Roboto Mono"/>
+              </a:rPr>
+              <a:t>=</a:t>
+            </a:r>
+            <a:r>
+              <a:rPr lang="en-US" sz="2000" dirty="0">
+                <a:solidFill>
+                  <a:srgbClr val="37474F"/>
+                </a:solidFill>
+                <a:latin typeface="Roboto Mono"/>
+              </a:rPr>
+              <a:t> </a:t>
+            </a:r>
+            <a:r>
+              <a:rPr lang="en-US" sz="2000" dirty="0">
+                <a:solidFill>
+                  <a:srgbClr val="C53929"/>
+                </a:solidFill>
+                <a:latin typeface="Roboto Mono"/>
+              </a:rPr>
+              <a:t>0</a:t>
+            </a:r>
+            <a:r>
+              <a:rPr lang="en-US" sz="2000" dirty="0">
+                <a:solidFill>
+                  <a:srgbClr val="3F51B5"/>
+                </a:solidFill>
+                <a:latin typeface="Roboto Mono"/>
+              </a:rPr>
+              <a:t>;</a:t>
+            </a:r>
+            <a:r>
+              <a:rPr lang="en-US" sz="2000" dirty="0">
+                <a:solidFill>
+                  <a:srgbClr val="37474F"/>
+                </a:solidFill>
+                <a:latin typeface="Roboto Mono"/>
+              </a:rPr>
+              <a:t> </a:t>
+            </a:r>
+            <a:r>
+              <a:rPr lang="en-US" sz="2000" dirty="0" err="1">
+                <a:solidFill>
+                  <a:srgbClr val="37474F"/>
+                </a:solidFill>
+                <a:latin typeface="Roboto Mono"/>
+              </a:rPr>
+              <a:t>i</a:t>
+            </a:r>
+            <a:r>
+              <a:rPr lang="en-US" sz="2000" dirty="0">
+                <a:solidFill>
+                  <a:srgbClr val="37474F"/>
+                </a:solidFill>
+                <a:latin typeface="Roboto Mono"/>
+              </a:rPr>
+              <a:t> </a:t>
+            </a:r>
+            <a:r>
+              <a:rPr lang="en-US" sz="2000" dirty="0">
+                <a:solidFill>
+                  <a:srgbClr val="3F51B5"/>
+                </a:solidFill>
+                <a:latin typeface="Roboto Mono"/>
+              </a:rPr>
+              <a:t>&lt;</a:t>
+            </a:r>
+            <a:r>
+              <a:rPr lang="en-US" sz="2000" dirty="0">
+                <a:solidFill>
+                  <a:srgbClr val="37474F"/>
+                </a:solidFill>
+                <a:latin typeface="Roboto Mono"/>
+              </a:rPr>
+              <a:t> loops</a:t>
+            </a:r>
+            <a:r>
+              <a:rPr lang="en-US" sz="2000" dirty="0">
+                <a:solidFill>
+                  <a:srgbClr val="3F51B5"/>
+                </a:solidFill>
+                <a:latin typeface="Roboto Mono"/>
+              </a:rPr>
+              <a:t>;</a:t>
+            </a:r>
+            <a:r>
+              <a:rPr lang="en-US" sz="2000" dirty="0">
+                <a:solidFill>
+                  <a:srgbClr val="37474F"/>
+                </a:solidFill>
+                <a:latin typeface="Roboto Mono"/>
+              </a:rPr>
+              <a:t> </a:t>
+            </a:r>
+            <a:r>
+              <a:rPr lang="en-US" sz="2000" dirty="0" err="1">
+                <a:solidFill>
+                  <a:srgbClr val="37474F"/>
+                </a:solidFill>
+                <a:latin typeface="Roboto Mono"/>
+              </a:rPr>
+              <a:t>i</a:t>
+            </a:r>
+            <a:r>
+              <a:rPr lang="en-US" sz="2000" dirty="0">
+                <a:solidFill>
+                  <a:srgbClr val="3F51B5"/>
+                </a:solidFill>
+                <a:latin typeface="Roboto Mono"/>
+              </a:rPr>
+              <a:t>++)</a:t>
+            </a:r>
+            <a:r>
+              <a:rPr lang="en-US" sz="2000" dirty="0">
+                <a:solidFill>
+                  <a:srgbClr val="37474F"/>
+                </a:solidFill>
+                <a:latin typeface="Roboto Mono"/>
+              </a:rPr>
+              <a:t> </a:t>
+            </a:r>
+            <a:r>
+              <a:rPr lang="en-US" sz="2000" dirty="0">
+                <a:solidFill>
+                  <a:srgbClr val="3F51B5"/>
+                </a:solidFill>
+                <a:latin typeface="Roboto Mono"/>
+              </a:rPr>
+              <a:t>{</a:t>
+            </a:r>
+            <a:br>
+              <a:rPr lang="en-US" sz="2000" dirty="0">
+                <a:solidFill>
+                  <a:srgbClr val="37474F"/>
+                </a:solidFill>
+                <a:latin typeface="Roboto Mono"/>
+              </a:rPr>
+            </a:br>
+            <a:r>
+              <a:rPr lang="en-US" sz="2000" dirty="0">
+                <a:solidFill>
+                  <a:srgbClr val="37474F"/>
+                </a:solidFill>
+                <a:latin typeface="Roboto Mono"/>
+              </a:rPr>
+              <a:t>               </a:t>
+            </a:r>
+            <a:r>
+              <a:rPr lang="en-US" sz="2000" dirty="0" err="1">
+                <a:solidFill>
+                  <a:srgbClr val="37474F"/>
+                </a:solidFill>
+                <a:latin typeface="Roboto Mono"/>
+              </a:rPr>
+              <a:t>sem_wait</a:t>
+            </a:r>
+            <a:r>
+              <a:rPr lang="en-US" sz="2000" dirty="0">
+                <a:solidFill>
+                  <a:srgbClr val="3F51B5"/>
+                </a:solidFill>
+                <a:latin typeface="Roboto Mono"/>
+              </a:rPr>
+              <a:t>(&amp;</a:t>
+            </a:r>
+            <a:r>
+              <a:rPr lang="pt-BR" sz="2000" dirty="0">
+                <a:solidFill>
+                  <a:srgbClr val="37474F"/>
+                </a:solidFill>
+                <a:latin typeface="Roboto Mono"/>
+              </a:rPr>
+              <a:t>lock</a:t>
+            </a:r>
+            <a:r>
+              <a:rPr lang="en-US" sz="2000" dirty="0">
+                <a:solidFill>
+                  <a:srgbClr val="3F51B5"/>
+                </a:solidFill>
+                <a:latin typeface="Roboto Mono"/>
+              </a:rPr>
+              <a:t>); \\ New line</a:t>
+            </a:r>
+            <a:br>
+              <a:rPr lang="en-US" sz="2000" dirty="0">
+                <a:solidFill>
+                  <a:srgbClr val="37474F"/>
+                </a:solidFill>
+                <a:latin typeface="Roboto Mono"/>
+              </a:rPr>
+            </a:br>
+            <a:r>
+              <a:rPr lang="en-US" sz="2000" dirty="0">
+                <a:solidFill>
+                  <a:srgbClr val="37474F"/>
+                </a:solidFill>
+                <a:latin typeface="Roboto Mono"/>
+              </a:rPr>
+              <a:t>               </a:t>
+            </a:r>
+            <a:r>
+              <a:rPr lang="en-US" sz="2000" dirty="0" err="1">
+                <a:solidFill>
+                  <a:srgbClr val="37474F"/>
+                </a:solidFill>
+                <a:latin typeface="Roboto Mono"/>
+              </a:rPr>
+              <a:t>sem_wait</a:t>
+            </a:r>
+            <a:r>
+              <a:rPr lang="en-US" sz="2000" dirty="0">
+                <a:solidFill>
+                  <a:srgbClr val="3F51B5"/>
+                </a:solidFill>
+                <a:latin typeface="Roboto Mono"/>
+              </a:rPr>
+              <a:t>(&amp;</a:t>
+            </a:r>
+            <a:r>
+              <a:rPr lang="en-US" sz="2000" dirty="0">
+                <a:solidFill>
+                  <a:srgbClr val="37474F"/>
+                </a:solidFill>
+                <a:latin typeface="Roboto Mono"/>
+              </a:rPr>
+              <a:t>full</a:t>
+            </a:r>
+            <a:r>
+              <a:rPr lang="en-US" sz="2000" dirty="0">
+                <a:solidFill>
+                  <a:srgbClr val="3F51B5"/>
+                </a:solidFill>
+                <a:latin typeface="Roboto Mono"/>
+              </a:rPr>
+              <a:t>);</a:t>
+            </a:r>
+            <a:br>
+              <a:rPr lang="en-US" sz="2000" dirty="0">
+                <a:solidFill>
+                  <a:srgbClr val="37474F"/>
+                </a:solidFill>
+                <a:latin typeface="Roboto Mono"/>
+              </a:rPr>
+            </a:br>
+            <a:r>
+              <a:rPr lang="en-US" sz="2000" dirty="0">
+                <a:solidFill>
+                  <a:srgbClr val="37474F"/>
+                </a:solidFill>
+                <a:latin typeface="Roboto Mono"/>
+              </a:rPr>
+              <a:t>               </a:t>
+            </a:r>
+            <a:r>
+              <a:rPr lang="en-US" sz="2000" dirty="0">
+                <a:solidFill>
+                  <a:srgbClr val="3F51B5"/>
+                </a:solidFill>
+                <a:latin typeface="Roboto Mono"/>
+              </a:rPr>
+              <a:t>int</a:t>
+            </a:r>
+            <a:r>
+              <a:rPr lang="en-US" sz="2000" dirty="0">
+                <a:solidFill>
+                  <a:srgbClr val="37474F"/>
+                </a:solidFill>
+                <a:latin typeface="Roboto Mono"/>
+              </a:rPr>
+              <a:t> </a:t>
+            </a:r>
+            <a:r>
+              <a:rPr lang="en-US" sz="2000" dirty="0" err="1">
+                <a:solidFill>
+                  <a:srgbClr val="37474F"/>
+                </a:solidFill>
+                <a:latin typeface="Roboto Mono"/>
+              </a:rPr>
+              <a:t>tmp</a:t>
+            </a:r>
+            <a:r>
+              <a:rPr lang="en-US" sz="2000" dirty="0">
+                <a:solidFill>
+                  <a:srgbClr val="37474F"/>
+                </a:solidFill>
+                <a:latin typeface="Roboto Mono"/>
+              </a:rPr>
+              <a:t> </a:t>
+            </a:r>
+            <a:r>
+              <a:rPr lang="en-US" sz="2000" dirty="0">
+                <a:solidFill>
+                  <a:srgbClr val="3F51B5"/>
+                </a:solidFill>
+                <a:latin typeface="Roboto Mono"/>
+              </a:rPr>
+              <a:t>=</a:t>
+            </a:r>
+            <a:r>
+              <a:rPr lang="en-US" sz="2000" dirty="0">
+                <a:solidFill>
+                  <a:srgbClr val="37474F"/>
+                </a:solidFill>
+                <a:latin typeface="Roboto Mono"/>
+              </a:rPr>
+              <a:t> </a:t>
+            </a:r>
+            <a:r>
+              <a:rPr lang="en-US" sz="2000" dirty="0">
+                <a:solidFill>
+                  <a:srgbClr val="3F51B5"/>
+                </a:solidFill>
+                <a:latin typeface="Roboto Mono"/>
+              </a:rPr>
+              <a:t>get();</a:t>
+            </a:r>
+            <a:br>
+              <a:rPr lang="en-US" sz="2000" dirty="0">
+                <a:solidFill>
+                  <a:srgbClr val="37474F"/>
+                </a:solidFill>
+                <a:latin typeface="Roboto Mono"/>
+              </a:rPr>
+            </a:br>
+            <a:r>
+              <a:rPr lang="en-US" sz="2000" dirty="0">
+                <a:solidFill>
+                  <a:srgbClr val="37474F"/>
+                </a:solidFill>
+                <a:latin typeface="Roboto Mono"/>
+              </a:rPr>
+              <a:t>               </a:t>
+            </a:r>
+            <a:r>
+              <a:rPr lang="en-US" sz="2000" dirty="0" err="1">
+                <a:solidFill>
+                  <a:srgbClr val="37474F"/>
+                </a:solidFill>
+                <a:latin typeface="Roboto Mono"/>
+              </a:rPr>
+              <a:t>sem_post</a:t>
+            </a:r>
+            <a:r>
+              <a:rPr lang="en-US" sz="2000" dirty="0">
+                <a:solidFill>
+                  <a:srgbClr val="3F51B5"/>
+                </a:solidFill>
+                <a:latin typeface="Roboto Mono"/>
+              </a:rPr>
+              <a:t>(&amp;</a:t>
+            </a:r>
+            <a:r>
+              <a:rPr lang="en-US" sz="2000" dirty="0">
+                <a:solidFill>
+                  <a:srgbClr val="37474F"/>
+                </a:solidFill>
+                <a:latin typeface="Roboto Mono"/>
+              </a:rPr>
+              <a:t>empty</a:t>
+            </a:r>
+            <a:r>
+              <a:rPr lang="en-US" sz="2000" dirty="0">
+                <a:solidFill>
+                  <a:srgbClr val="3F51B5"/>
+                </a:solidFill>
+                <a:latin typeface="Roboto Mono"/>
+              </a:rPr>
+              <a:t>);</a:t>
+            </a:r>
+            <a:br>
+              <a:rPr lang="en-US" sz="2000" dirty="0">
+                <a:solidFill>
+                  <a:srgbClr val="37474F"/>
+                </a:solidFill>
+                <a:latin typeface="Roboto Mono"/>
+              </a:rPr>
+            </a:br>
+            <a:r>
+              <a:rPr lang="en-US" sz="2000" dirty="0">
+                <a:solidFill>
+                  <a:srgbClr val="37474F"/>
+                </a:solidFill>
+                <a:latin typeface="Roboto Mono"/>
+              </a:rPr>
+              <a:t>               </a:t>
+            </a:r>
+            <a:r>
+              <a:rPr lang="en-US" sz="2000" dirty="0" err="1">
+                <a:solidFill>
+                  <a:srgbClr val="37474F"/>
+                </a:solidFill>
+                <a:latin typeface="Roboto Mono"/>
+              </a:rPr>
+              <a:t>sem_post</a:t>
+            </a:r>
+            <a:r>
+              <a:rPr lang="en-US" sz="2000" dirty="0">
+                <a:solidFill>
+                  <a:srgbClr val="3F51B5"/>
+                </a:solidFill>
+                <a:latin typeface="Roboto Mono"/>
+              </a:rPr>
+              <a:t>(&amp;</a:t>
+            </a:r>
+            <a:r>
+              <a:rPr lang="pt-BR" sz="2000" dirty="0">
+                <a:solidFill>
+                  <a:srgbClr val="37474F"/>
+                </a:solidFill>
+                <a:latin typeface="Roboto Mono"/>
+              </a:rPr>
+              <a:t>lock</a:t>
+            </a:r>
+            <a:r>
+              <a:rPr lang="en-US" sz="2000" dirty="0">
+                <a:solidFill>
+                  <a:srgbClr val="3F51B5"/>
+                </a:solidFill>
+                <a:latin typeface="Roboto Mono"/>
+              </a:rPr>
+              <a:t>); \\ New line</a:t>
+            </a:r>
+            <a:br>
+              <a:rPr lang="en-US" sz="2000" dirty="0">
+                <a:solidFill>
+                  <a:srgbClr val="37474F"/>
+                </a:solidFill>
+                <a:latin typeface="Roboto Mono"/>
+              </a:rPr>
+            </a:br>
+            <a:r>
+              <a:rPr lang="en-US" sz="2000" dirty="0">
+                <a:solidFill>
+                  <a:srgbClr val="37474F"/>
+                </a:solidFill>
+                <a:latin typeface="Roboto Mono"/>
+              </a:rPr>
+              <a:t>               </a:t>
+            </a:r>
+            <a:r>
+              <a:rPr lang="en-US" sz="2000" dirty="0" err="1">
+                <a:solidFill>
+                  <a:srgbClr val="37474F"/>
+                </a:solidFill>
+                <a:latin typeface="Roboto Mono"/>
+              </a:rPr>
+              <a:t>printf</a:t>
+            </a:r>
+            <a:r>
+              <a:rPr lang="en-US" sz="2000" dirty="0">
+                <a:solidFill>
+                  <a:srgbClr val="3F51B5"/>
+                </a:solidFill>
+                <a:latin typeface="Roboto Mono"/>
+              </a:rPr>
+              <a:t>(</a:t>
+            </a:r>
+            <a:r>
+              <a:rPr lang="en-US" sz="2000" dirty="0">
+                <a:solidFill>
+                  <a:srgbClr val="388E3C"/>
+                </a:solidFill>
+                <a:latin typeface="Roboto Mono"/>
+              </a:rPr>
+              <a:t>"%d\n"</a:t>
+            </a:r>
+            <a:r>
+              <a:rPr lang="en-US" sz="2000" dirty="0">
+                <a:solidFill>
+                  <a:srgbClr val="3F51B5"/>
+                </a:solidFill>
+                <a:latin typeface="Roboto Mono"/>
+              </a:rPr>
+              <a:t>,</a:t>
+            </a:r>
+            <a:r>
+              <a:rPr lang="en-US" sz="2000" dirty="0">
+                <a:solidFill>
+                  <a:srgbClr val="37474F"/>
+                </a:solidFill>
+                <a:latin typeface="Roboto Mono"/>
+              </a:rPr>
+              <a:t> </a:t>
+            </a:r>
+            <a:r>
+              <a:rPr lang="en-US" sz="2000" dirty="0" err="1">
+                <a:solidFill>
+                  <a:srgbClr val="37474F"/>
+                </a:solidFill>
+                <a:latin typeface="Roboto Mono"/>
+              </a:rPr>
+              <a:t>tmp</a:t>
+            </a:r>
+            <a:r>
+              <a:rPr lang="en-US" sz="2000" dirty="0">
+                <a:solidFill>
+                  <a:srgbClr val="3F51B5"/>
+                </a:solidFill>
+                <a:latin typeface="Roboto Mono"/>
+              </a:rPr>
+              <a:t>);</a:t>
+            </a:r>
+            <a:br>
+              <a:rPr lang="en-US" sz="2000" dirty="0">
+                <a:solidFill>
+                  <a:srgbClr val="37474F"/>
+                </a:solidFill>
+                <a:latin typeface="Roboto Mono"/>
+              </a:rPr>
+            </a:br>
+            <a:r>
+              <a:rPr lang="en-US" sz="2000" dirty="0">
+                <a:solidFill>
+                  <a:srgbClr val="37474F"/>
+                </a:solidFill>
+                <a:latin typeface="Roboto Mono"/>
+              </a:rPr>
+              <a:t>       </a:t>
+            </a:r>
+            <a:r>
+              <a:rPr lang="en-US" sz="2000" dirty="0">
+                <a:solidFill>
+                  <a:srgbClr val="3F51B5"/>
+                </a:solidFill>
+                <a:latin typeface="Roboto Mono"/>
+              </a:rPr>
+              <a:t>}</a:t>
+            </a:r>
+            <a:br>
+              <a:rPr lang="en-US" sz="2000" dirty="0">
+                <a:solidFill>
+                  <a:srgbClr val="37474F"/>
+                </a:solidFill>
+                <a:latin typeface="Roboto Mono"/>
+              </a:rPr>
+            </a:br>
+            <a:r>
+              <a:rPr lang="en-US" sz="2000" dirty="0">
+                <a:solidFill>
+                  <a:srgbClr val="3F51B5"/>
+                </a:solidFill>
+                <a:latin typeface="Roboto Mono"/>
+              </a:rPr>
+              <a:t>}</a:t>
+            </a:r>
+            <a:endParaRPr lang="en-US" sz="2000" dirty="0"/>
+          </a:p>
+        </p:txBody>
+      </p:sp>
+      <p:sp>
+        <p:nvSpPr>
+          <p:cNvPr id="6" name="Rectangle 5">
+            <a:extLst>
+              <a:ext uri="{FF2B5EF4-FFF2-40B4-BE49-F238E27FC236}">
+                <a16:creationId xmlns:a16="http://schemas.microsoft.com/office/drawing/2014/main" id="{F992C785-2157-4AB1-A1F1-F49AAADD3216}"/>
+              </a:ext>
+            </a:extLst>
+          </p:cNvPr>
+          <p:cNvSpPr/>
+          <p:nvPr/>
+        </p:nvSpPr>
+        <p:spPr>
+          <a:xfrm>
+            <a:off x="461639" y="2578431"/>
+            <a:ext cx="4962618" cy="3170099"/>
+          </a:xfrm>
+          <a:prstGeom prst="rect">
+            <a:avLst/>
+          </a:prstGeom>
+          <a:noFill/>
+          <a:ln w="9525" cap="flat" cmpd="sng" algn="ctr">
+            <a:solidFill>
+              <a:schemeClr val="accent1"/>
+            </a:solidFill>
+            <a:prstDash val="solid"/>
+            <a:round/>
+            <a:headEnd type="none" w="med" len="med"/>
+            <a:tailEnd type="none" w="med" len="med"/>
+          </a:ln>
+        </p:spPr>
+        <p:style>
+          <a:lnRef idx="0">
+            <a:scrgbClr r="0" g="0" b="0"/>
+          </a:lnRef>
+          <a:fillRef idx="0">
+            <a:scrgbClr r="0" g="0" b="0"/>
+          </a:fillRef>
+          <a:effectRef idx="0">
+            <a:scrgbClr r="0" g="0" b="0"/>
+          </a:effectRef>
+          <a:fontRef idx="minor">
+            <a:schemeClr val="accent1"/>
+          </a:fontRef>
+        </p:style>
+        <p:txBody>
+          <a:bodyPr wrap="square">
+            <a:spAutoFit/>
+          </a:bodyPr>
+          <a:lstStyle/>
+          <a:p>
+            <a:r>
+              <a:rPr lang="en-US" sz="2000" dirty="0">
+                <a:solidFill>
+                  <a:srgbClr val="3F51B5"/>
+                </a:solidFill>
+                <a:latin typeface="Roboto Mono"/>
+              </a:rPr>
+              <a:t>void</a:t>
+            </a:r>
+            <a:r>
+              <a:rPr lang="en-US" sz="2000" dirty="0">
+                <a:solidFill>
+                  <a:srgbClr val="37474F"/>
+                </a:solidFill>
+                <a:latin typeface="Roboto Mono"/>
+              </a:rPr>
+              <a:t> </a:t>
+            </a:r>
+            <a:r>
+              <a:rPr lang="en-US" sz="2000" dirty="0">
+                <a:solidFill>
+                  <a:srgbClr val="3F51B5"/>
+                </a:solidFill>
+                <a:latin typeface="Roboto Mono"/>
+              </a:rPr>
+              <a:t>*</a:t>
+            </a:r>
+            <a:r>
+              <a:rPr lang="en-US" sz="2000" dirty="0">
+                <a:solidFill>
+                  <a:srgbClr val="37474F"/>
+                </a:solidFill>
+                <a:latin typeface="Roboto Mono"/>
+              </a:rPr>
+              <a:t>producer</a:t>
+            </a:r>
+            <a:r>
+              <a:rPr lang="en-US" sz="2000" dirty="0">
+                <a:solidFill>
+                  <a:srgbClr val="3F51B5"/>
+                </a:solidFill>
+                <a:latin typeface="Roboto Mono"/>
+              </a:rPr>
+              <a:t>(void</a:t>
+            </a:r>
+            <a:r>
+              <a:rPr lang="en-US" sz="2000" dirty="0">
+                <a:solidFill>
+                  <a:srgbClr val="37474F"/>
+                </a:solidFill>
+                <a:latin typeface="Roboto Mono"/>
+              </a:rPr>
+              <a:t> </a:t>
+            </a:r>
+            <a:r>
+              <a:rPr lang="en-US" sz="2000" dirty="0">
+                <a:solidFill>
+                  <a:srgbClr val="3F51B5"/>
+                </a:solidFill>
+                <a:latin typeface="Roboto Mono"/>
+              </a:rPr>
+              <a:t>*</a:t>
+            </a:r>
+            <a:r>
+              <a:rPr lang="en-US" sz="2000" dirty="0" err="1">
+                <a:solidFill>
+                  <a:srgbClr val="37474F"/>
+                </a:solidFill>
+                <a:latin typeface="Roboto Mono"/>
+              </a:rPr>
+              <a:t>arg</a:t>
+            </a:r>
+            <a:r>
+              <a:rPr lang="en-US" sz="2000" dirty="0">
+                <a:solidFill>
+                  <a:srgbClr val="3F51B5"/>
+                </a:solidFill>
+                <a:latin typeface="Roboto Mono"/>
+              </a:rPr>
+              <a:t>)</a:t>
+            </a:r>
+            <a:r>
+              <a:rPr lang="en-US" sz="2000" dirty="0">
+                <a:solidFill>
+                  <a:srgbClr val="37474F"/>
+                </a:solidFill>
+                <a:latin typeface="Roboto Mono"/>
+              </a:rPr>
+              <a:t> </a:t>
+            </a:r>
+            <a:r>
+              <a:rPr lang="en-US" sz="2000" dirty="0">
+                <a:solidFill>
+                  <a:srgbClr val="3F51B5"/>
+                </a:solidFill>
+                <a:latin typeface="Roboto Mono"/>
+              </a:rPr>
+              <a:t>{</a:t>
+            </a:r>
+            <a:br>
+              <a:rPr lang="en-US" sz="2000" dirty="0">
+                <a:solidFill>
+                  <a:srgbClr val="37474F"/>
+                </a:solidFill>
+                <a:latin typeface="Roboto Mono"/>
+              </a:rPr>
+            </a:br>
+            <a:r>
+              <a:rPr lang="en-US" sz="2000" dirty="0">
+                <a:solidFill>
+                  <a:srgbClr val="37474F"/>
+                </a:solidFill>
+                <a:latin typeface="Roboto Mono"/>
+              </a:rPr>
+              <a:t>       </a:t>
+            </a:r>
+            <a:r>
+              <a:rPr lang="en-US" sz="2000" dirty="0">
+                <a:solidFill>
+                  <a:srgbClr val="3F51B5"/>
+                </a:solidFill>
+                <a:latin typeface="Roboto Mono"/>
+              </a:rPr>
+              <a:t>int</a:t>
+            </a:r>
+            <a:r>
+              <a:rPr lang="en-US" sz="2000" dirty="0">
+                <a:solidFill>
+                  <a:srgbClr val="37474F"/>
+                </a:solidFill>
+                <a:latin typeface="Roboto Mono"/>
+              </a:rPr>
+              <a:t> </a:t>
+            </a:r>
+            <a:r>
+              <a:rPr lang="en-US" sz="2000" dirty="0" err="1">
+                <a:solidFill>
+                  <a:srgbClr val="37474F"/>
+                </a:solidFill>
+                <a:latin typeface="Roboto Mono"/>
+              </a:rPr>
+              <a:t>i</a:t>
+            </a:r>
+            <a:r>
+              <a:rPr lang="en-US" sz="2000" dirty="0">
+                <a:solidFill>
+                  <a:srgbClr val="3F51B5"/>
+                </a:solidFill>
+                <a:latin typeface="Roboto Mono"/>
+              </a:rPr>
+              <a:t>;</a:t>
+            </a:r>
+            <a:br>
+              <a:rPr lang="en-US" sz="2000" dirty="0">
+                <a:solidFill>
+                  <a:srgbClr val="37474F"/>
+                </a:solidFill>
+                <a:latin typeface="Roboto Mono"/>
+              </a:rPr>
+            </a:br>
+            <a:r>
+              <a:rPr lang="en-US" sz="2000" dirty="0">
+                <a:solidFill>
+                  <a:srgbClr val="37474F"/>
+                </a:solidFill>
+                <a:latin typeface="Roboto Mono"/>
+              </a:rPr>
+              <a:t>       </a:t>
+            </a:r>
+            <a:r>
+              <a:rPr lang="en-US" sz="2000" dirty="0">
+                <a:solidFill>
+                  <a:srgbClr val="3F51B5"/>
+                </a:solidFill>
+                <a:latin typeface="Roboto Mono"/>
+              </a:rPr>
+              <a:t>for</a:t>
+            </a:r>
+            <a:r>
+              <a:rPr lang="en-US" sz="2000" dirty="0">
+                <a:solidFill>
+                  <a:srgbClr val="37474F"/>
+                </a:solidFill>
+                <a:latin typeface="Roboto Mono"/>
+              </a:rPr>
+              <a:t> </a:t>
+            </a:r>
+            <a:r>
+              <a:rPr lang="en-US" sz="2000" dirty="0">
+                <a:solidFill>
+                  <a:srgbClr val="3F51B5"/>
+                </a:solidFill>
+                <a:latin typeface="Roboto Mono"/>
+              </a:rPr>
+              <a:t>(</a:t>
+            </a:r>
+            <a:r>
+              <a:rPr lang="en-US" sz="2000" dirty="0" err="1">
+                <a:solidFill>
+                  <a:srgbClr val="37474F"/>
+                </a:solidFill>
+                <a:latin typeface="Roboto Mono"/>
+              </a:rPr>
+              <a:t>i</a:t>
+            </a:r>
+            <a:r>
+              <a:rPr lang="en-US" sz="2000" dirty="0">
+                <a:solidFill>
+                  <a:srgbClr val="37474F"/>
+                </a:solidFill>
+                <a:latin typeface="Roboto Mono"/>
+              </a:rPr>
+              <a:t> </a:t>
+            </a:r>
+            <a:r>
+              <a:rPr lang="en-US" sz="2000" dirty="0">
+                <a:solidFill>
+                  <a:srgbClr val="3F51B5"/>
+                </a:solidFill>
+                <a:latin typeface="Roboto Mono"/>
+              </a:rPr>
+              <a:t>=</a:t>
+            </a:r>
+            <a:r>
+              <a:rPr lang="en-US" sz="2000" dirty="0">
+                <a:solidFill>
+                  <a:srgbClr val="37474F"/>
+                </a:solidFill>
+                <a:latin typeface="Roboto Mono"/>
+              </a:rPr>
+              <a:t> </a:t>
+            </a:r>
+            <a:r>
+              <a:rPr lang="en-US" sz="2000" dirty="0">
+                <a:solidFill>
+                  <a:srgbClr val="C53929"/>
+                </a:solidFill>
+                <a:latin typeface="Roboto Mono"/>
+              </a:rPr>
+              <a:t>0</a:t>
+            </a:r>
+            <a:r>
+              <a:rPr lang="en-US" sz="2000" dirty="0">
+                <a:solidFill>
+                  <a:srgbClr val="3F51B5"/>
+                </a:solidFill>
+                <a:latin typeface="Roboto Mono"/>
+              </a:rPr>
+              <a:t>;</a:t>
+            </a:r>
+            <a:r>
+              <a:rPr lang="en-US" sz="2000" dirty="0">
+                <a:solidFill>
+                  <a:srgbClr val="37474F"/>
+                </a:solidFill>
+                <a:latin typeface="Roboto Mono"/>
+              </a:rPr>
+              <a:t> </a:t>
+            </a:r>
+            <a:r>
+              <a:rPr lang="en-US" sz="2000" dirty="0" err="1">
+                <a:solidFill>
+                  <a:srgbClr val="37474F"/>
+                </a:solidFill>
+                <a:latin typeface="Roboto Mono"/>
+              </a:rPr>
+              <a:t>i</a:t>
+            </a:r>
+            <a:r>
+              <a:rPr lang="en-US" sz="2000" dirty="0">
+                <a:solidFill>
+                  <a:srgbClr val="37474F"/>
+                </a:solidFill>
+                <a:latin typeface="Roboto Mono"/>
+              </a:rPr>
+              <a:t> </a:t>
+            </a:r>
+            <a:r>
+              <a:rPr lang="en-US" sz="2000" dirty="0">
+                <a:solidFill>
+                  <a:srgbClr val="3F51B5"/>
+                </a:solidFill>
+                <a:latin typeface="Roboto Mono"/>
+              </a:rPr>
+              <a:t>&lt;</a:t>
+            </a:r>
+            <a:r>
+              <a:rPr lang="en-US" sz="2000" dirty="0">
+                <a:solidFill>
+                  <a:srgbClr val="37474F"/>
+                </a:solidFill>
+                <a:latin typeface="Roboto Mono"/>
+              </a:rPr>
+              <a:t> loops</a:t>
+            </a:r>
+            <a:r>
+              <a:rPr lang="en-US" sz="2000" dirty="0">
+                <a:solidFill>
+                  <a:srgbClr val="3F51B5"/>
+                </a:solidFill>
+                <a:latin typeface="Roboto Mono"/>
+              </a:rPr>
+              <a:t>;</a:t>
+            </a:r>
+            <a:r>
+              <a:rPr lang="en-US" sz="2000" dirty="0">
+                <a:solidFill>
+                  <a:srgbClr val="37474F"/>
+                </a:solidFill>
+                <a:latin typeface="Roboto Mono"/>
+              </a:rPr>
+              <a:t> </a:t>
+            </a:r>
+            <a:r>
+              <a:rPr lang="en-US" sz="2000" dirty="0" err="1">
+                <a:solidFill>
+                  <a:srgbClr val="37474F"/>
+                </a:solidFill>
+                <a:latin typeface="Roboto Mono"/>
+              </a:rPr>
+              <a:t>i</a:t>
+            </a:r>
+            <a:r>
+              <a:rPr lang="en-US" sz="2000" dirty="0">
+                <a:solidFill>
+                  <a:srgbClr val="3F51B5"/>
+                </a:solidFill>
+                <a:latin typeface="Roboto Mono"/>
+              </a:rPr>
+              <a:t>++)</a:t>
+            </a:r>
+            <a:r>
+              <a:rPr lang="en-US" sz="2000" dirty="0">
+                <a:solidFill>
+                  <a:srgbClr val="37474F"/>
+                </a:solidFill>
+                <a:latin typeface="Roboto Mono"/>
+              </a:rPr>
+              <a:t> </a:t>
+            </a:r>
+            <a:r>
+              <a:rPr lang="en-US" sz="2000" dirty="0">
+                <a:solidFill>
+                  <a:srgbClr val="3F51B5"/>
+                </a:solidFill>
+                <a:latin typeface="Roboto Mono"/>
+              </a:rPr>
+              <a:t>{</a:t>
+            </a:r>
+            <a:br>
+              <a:rPr lang="en-US" sz="2000" dirty="0">
+                <a:solidFill>
+                  <a:srgbClr val="37474F"/>
+                </a:solidFill>
+                <a:latin typeface="Roboto Mono"/>
+              </a:rPr>
+            </a:br>
+            <a:r>
+              <a:rPr lang="en-US" sz="2000" dirty="0">
+                <a:solidFill>
+                  <a:srgbClr val="37474F"/>
+                </a:solidFill>
+                <a:latin typeface="Roboto Mono"/>
+              </a:rPr>
+              <a:t>               </a:t>
+            </a:r>
+            <a:r>
+              <a:rPr lang="en-US" sz="2000" dirty="0" err="1">
+                <a:solidFill>
+                  <a:srgbClr val="37474F"/>
+                </a:solidFill>
+                <a:latin typeface="Roboto Mono"/>
+              </a:rPr>
+              <a:t>sem_wait</a:t>
+            </a:r>
+            <a:r>
+              <a:rPr lang="en-US" sz="2000" dirty="0">
+                <a:solidFill>
+                  <a:srgbClr val="3F51B5"/>
+                </a:solidFill>
+                <a:latin typeface="Roboto Mono"/>
+              </a:rPr>
+              <a:t>(&amp;</a:t>
+            </a:r>
+            <a:r>
+              <a:rPr lang="pt-BR" sz="2000" dirty="0">
+                <a:solidFill>
+                  <a:srgbClr val="37474F"/>
+                </a:solidFill>
+                <a:latin typeface="Roboto Mono"/>
+              </a:rPr>
+              <a:t>lock</a:t>
+            </a:r>
+            <a:r>
+              <a:rPr lang="en-US" sz="2000" dirty="0">
+                <a:solidFill>
+                  <a:srgbClr val="3F51B5"/>
+                </a:solidFill>
+                <a:latin typeface="Roboto Mono"/>
+              </a:rPr>
+              <a:t>); \\ New line</a:t>
+            </a:r>
+            <a:br>
+              <a:rPr lang="en-US" sz="2000" dirty="0">
+                <a:solidFill>
+                  <a:srgbClr val="37474F"/>
+                </a:solidFill>
+                <a:latin typeface="Roboto Mono"/>
+              </a:rPr>
+            </a:br>
+            <a:r>
+              <a:rPr lang="en-US" sz="2000" dirty="0">
+                <a:solidFill>
+                  <a:srgbClr val="37474F"/>
+                </a:solidFill>
+                <a:latin typeface="Roboto Mono"/>
+              </a:rPr>
+              <a:t>               </a:t>
+            </a:r>
+            <a:r>
+              <a:rPr lang="en-US" sz="2000" dirty="0" err="1">
+                <a:solidFill>
+                  <a:srgbClr val="37474F"/>
+                </a:solidFill>
+                <a:latin typeface="Roboto Mono"/>
+              </a:rPr>
+              <a:t>sem_wait</a:t>
+            </a:r>
+            <a:r>
+              <a:rPr lang="en-US" sz="2000" dirty="0">
+                <a:solidFill>
+                  <a:srgbClr val="3F51B5"/>
+                </a:solidFill>
+                <a:latin typeface="Roboto Mono"/>
+              </a:rPr>
+              <a:t>(&amp;</a:t>
+            </a:r>
+            <a:r>
+              <a:rPr lang="en-US" sz="2000" dirty="0">
+                <a:solidFill>
+                  <a:srgbClr val="37474F"/>
+                </a:solidFill>
+                <a:latin typeface="Roboto Mono"/>
+              </a:rPr>
+              <a:t>empty</a:t>
+            </a:r>
+            <a:r>
+              <a:rPr lang="en-US" sz="2000" dirty="0">
+                <a:solidFill>
+                  <a:srgbClr val="3F51B5"/>
+                </a:solidFill>
+                <a:latin typeface="Roboto Mono"/>
+              </a:rPr>
+              <a:t>);</a:t>
+            </a:r>
+            <a:br>
+              <a:rPr lang="en-US" sz="2000" dirty="0">
+                <a:solidFill>
+                  <a:srgbClr val="37474F"/>
+                </a:solidFill>
+                <a:latin typeface="Roboto Mono"/>
+              </a:rPr>
+            </a:br>
+            <a:r>
+              <a:rPr lang="en-US" sz="2000" dirty="0">
+                <a:solidFill>
+                  <a:srgbClr val="37474F"/>
+                </a:solidFill>
+                <a:latin typeface="Roboto Mono"/>
+              </a:rPr>
+              <a:t>               put</a:t>
+            </a:r>
+            <a:r>
+              <a:rPr lang="en-US" sz="2000" dirty="0">
+                <a:solidFill>
+                  <a:srgbClr val="3F51B5"/>
+                </a:solidFill>
+                <a:latin typeface="Roboto Mono"/>
+              </a:rPr>
+              <a:t>(</a:t>
+            </a:r>
+            <a:r>
+              <a:rPr lang="en-US" sz="2000" dirty="0" err="1">
+                <a:solidFill>
+                  <a:srgbClr val="37474F"/>
+                </a:solidFill>
+                <a:latin typeface="Roboto Mono"/>
+              </a:rPr>
+              <a:t>i</a:t>
+            </a:r>
+            <a:r>
+              <a:rPr lang="en-US" sz="2000" dirty="0">
+                <a:solidFill>
+                  <a:srgbClr val="3F51B5"/>
+                </a:solidFill>
+                <a:latin typeface="Roboto Mono"/>
+              </a:rPr>
+              <a:t>);</a:t>
+            </a:r>
+            <a:br>
+              <a:rPr lang="en-US" sz="2000" dirty="0">
+                <a:solidFill>
+                  <a:srgbClr val="37474F"/>
+                </a:solidFill>
+                <a:latin typeface="Roboto Mono"/>
+              </a:rPr>
+            </a:br>
+            <a:r>
+              <a:rPr lang="en-US" sz="2000" dirty="0">
+                <a:solidFill>
+                  <a:srgbClr val="37474F"/>
+                </a:solidFill>
+                <a:latin typeface="Roboto Mono"/>
+              </a:rPr>
+              <a:t>               </a:t>
+            </a:r>
+            <a:r>
+              <a:rPr lang="en-US" sz="2000" dirty="0" err="1">
+                <a:solidFill>
+                  <a:srgbClr val="37474F"/>
+                </a:solidFill>
+                <a:latin typeface="Roboto Mono"/>
+              </a:rPr>
+              <a:t>sem_post</a:t>
+            </a:r>
+            <a:r>
+              <a:rPr lang="en-US" sz="2000" dirty="0">
+                <a:solidFill>
+                  <a:srgbClr val="3F51B5"/>
+                </a:solidFill>
+                <a:latin typeface="Roboto Mono"/>
+              </a:rPr>
+              <a:t>(&amp;</a:t>
+            </a:r>
+            <a:r>
+              <a:rPr lang="en-US" sz="2000" dirty="0">
+                <a:solidFill>
+                  <a:srgbClr val="37474F"/>
+                </a:solidFill>
+                <a:latin typeface="Roboto Mono"/>
+              </a:rPr>
+              <a:t>full</a:t>
+            </a:r>
+            <a:r>
+              <a:rPr lang="en-US" sz="2000" dirty="0">
+                <a:solidFill>
+                  <a:srgbClr val="3F51B5"/>
+                </a:solidFill>
+                <a:latin typeface="Roboto Mono"/>
+              </a:rPr>
+              <a:t>);</a:t>
+            </a:r>
+            <a:br>
+              <a:rPr lang="en-US" sz="2000" dirty="0">
+                <a:solidFill>
+                  <a:srgbClr val="37474F"/>
+                </a:solidFill>
+                <a:latin typeface="Roboto Mono"/>
+              </a:rPr>
+            </a:br>
+            <a:r>
+              <a:rPr lang="en-US" sz="2000" dirty="0">
+                <a:solidFill>
+                  <a:srgbClr val="37474F"/>
+                </a:solidFill>
+                <a:latin typeface="Roboto Mono"/>
+              </a:rPr>
+              <a:t>               </a:t>
+            </a:r>
+            <a:r>
+              <a:rPr lang="en-US" sz="2000" dirty="0" err="1">
+                <a:solidFill>
+                  <a:srgbClr val="37474F"/>
+                </a:solidFill>
+                <a:latin typeface="Roboto Mono"/>
+              </a:rPr>
+              <a:t>sem_post</a:t>
+            </a:r>
+            <a:r>
+              <a:rPr lang="en-US" sz="2000" dirty="0">
+                <a:solidFill>
+                  <a:srgbClr val="3F51B5"/>
+                </a:solidFill>
+                <a:latin typeface="Roboto Mono"/>
+              </a:rPr>
+              <a:t>(&amp;</a:t>
+            </a:r>
+            <a:r>
+              <a:rPr lang="pt-BR" sz="2000" dirty="0">
+                <a:solidFill>
+                  <a:srgbClr val="37474F"/>
+                </a:solidFill>
+                <a:latin typeface="Roboto Mono"/>
+              </a:rPr>
+              <a:t>lock</a:t>
+            </a:r>
+            <a:r>
+              <a:rPr lang="en-US" sz="2000" dirty="0">
+                <a:solidFill>
+                  <a:srgbClr val="3F51B5"/>
+                </a:solidFill>
+                <a:latin typeface="Roboto Mono"/>
+              </a:rPr>
+              <a:t>); \\ New line</a:t>
+            </a:r>
+            <a:br>
+              <a:rPr lang="en-US" sz="2000" dirty="0">
+                <a:solidFill>
+                  <a:srgbClr val="37474F"/>
+                </a:solidFill>
+                <a:latin typeface="Roboto Mono"/>
+              </a:rPr>
+            </a:br>
+            <a:r>
+              <a:rPr lang="en-US" sz="2000" dirty="0">
+                <a:solidFill>
+                  <a:srgbClr val="37474F"/>
+                </a:solidFill>
+                <a:latin typeface="Roboto Mono"/>
+              </a:rPr>
+              <a:t>       </a:t>
+            </a:r>
+            <a:r>
+              <a:rPr lang="en-US" sz="2000" dirty="0">
+                <a:solidFill>
+                  <a:srgbClr val="3F51B5"/>
+                </a:solidFill>
+                <a:latin typeface="Roboto Mono"/>
+              </a:rPr>
+              <a:t>}</a:t>
+            </a:r>
+            <a:br>
+              <a:rPr lang="en-US" sz="2000" dirty="0">
+                <a:solidFill>
+                  <a:srgbClr val="37474F"/>
+                </a:solidFill>
+                <a:latin typeface="Roboto Mono"/>
+              </a:rPr>
+            </a:br>
+            <a:r>
+              <a:rPr lang="en-US" sz="2000" dirty="0">
+                <a:solidFill>
+                  <a:srgbClr val="3F51B5"/>
+                </a:solidFill>
+                <a:latin typeface="Roboto Mono"/>
+              </a:rPr>
+              <a:t>}</a:t>
+            </a:r>
+            <a:endParaRPr lang="en-US" sz="2000" dirty="0"/>
+          </a:p>
+        </p:txBody>
+      </p:sp>
+      <p:sp>
+        <p:nvSpPr>
+          <p:cNvPr id="7" name="TextBox 6">
+            <a:extLst>
+              <a:ext uri="{FF2B5EF4-FFF2-40B4-BE49-F238E27FC236}">
+                <a16:creationId xmlns:a16="http://schemas.microsoft.com/office/drawing/2014/main" id="{3A88892E-C42E-49C3-AE19-D160756D6C1D}"/>
+              </a:ext>
+            </a:extLst>
+          </p:cNvPr>
+          <p:cNvSpPr txBox="1"/>
+          <p:nvPr/>
+        </p:nvSpPr>
+        <p:spPr>
+          <a:xfrm>
+            <a:off x="8478174" y="1690688"/>
+            <a:ext cx="1757779" cy="523220"/>
+          </a:xfrm>
+          <a:prstGeom prst="rect">
+            <a:avLst/>
+          </a:prstGeom>
+          <a:solidFill>
+            <a:schemeClr val="accent2"/>
+          </a:solidFill>
+          <a:ln>
+            <a:noFill/>
+          </a:ln>
+        </p:spPr>
+        <p:style>
+          <a:lnRef idx="0">
+            <a:scrgbClr r="0" g="0" b="0"/>
+          </a:lnRef>
+          <a:fillRef idx="0">
+            <a:scrgbClr r="0" g="0" b="0"/>
+          </a:fillRef>
+          <a:effectRef idx="0">
+            <a:scrgbClr r="0" g="0" b="0"/>
+          </a:effectRef>
+          <a:fontRef idx="minor">
+            <a:schemeClr val="lt1"/>
+          </a:fontRef>
+        </p:style>
+        <p:txBody>
+          <a:bodyPr wrap="square" rtlCol="0">
+            <a:spAutoFit/>
+          </a:bodyPr>
+          <a:lstStyle/>
+          <a:p>
+            <a:r>
+              <a:rPr lang="en-US" sz="2800" dirty="0"/>
+              <a:t>Problem?</a:t>
+            </a:r>
+          </a:p>
+        </p:txBody>
+      </p:sp>
+    </p:spTree>
+    <p:extLst>
+      <p:ext uri="{BB962C8B-B14F-4D97-AF65-F5344CB8AC3E}">
+        <p14:creationId xmlns:p14="http://schemas.microsoft.com/office/powerpoint/2010/main" val="1369488680"/>
+      </p:ext>
+    </p:extLst>
+  </p:cSld>
+  <p:clrMapOvr>
+    <a:masterClrMapping/>
+  </p:clrMapOvr>
+  <p:timing>
+    <p:tnLst>
+      <p:par>
+        <p:cTn id="1" dur="indefinite" restart="never" nodeType="tmRoot">
+          <p:childTnLst>
+            <p:seq concurrent="1" nextAc="seek">
+              <p:cTn id="2" dur="indefinite" nodeType="mainSeq">
+                <p:childTnLst>
+                  <p:par>
+                    <p:cTn id="3" fill="hold">
+                      <p:stCondLst>
+                        <p:cond delay="indefinite"/>
+                      </p:stCondLst>
+                      <p:childTnLst>
+                        <p:par>
+                          <p:cTn id="4" fill="hold">
+                            <p:stCondLst>
+                              <p:cond delay="0"/>
+                            </p:stCondLst>
+                            <p:childTnLst>
+                              <p:par>
+                                <p:cTn id="5" presetID="1" presetClass="entr" presetSubtype="0" fill="hold" grpId="0" nodeType="clickEffect">
+                                  <p:stCondLst>
+                                    <p:cond delay="0"/>
+                                  </p:stCondLst>
+                                  <p:childTnLst>
+                                    <p:set>
+                                      <p:cBhvr>
+                                        <p:cTn id="6" dur="1" fill="hold">
+                                          <p:stCondLst>
+                                            <p:cond delay="0"/>
+                                          </p:stCondLst>
+                                        </p:cTn>
+                                        <p:tgtEl>
+                                          <p:spTgt spid="7"/>
+                                        </p:tgtEl>
+                                        <p:attrNameLst>
+                                          <p:attrName>style.visibility</p:attrName>
+                                        </p:attrNameLst>
+                                      </p:cBhvr>
+                                      <p:to>
+                                        <p:strVal val="visible"/>
+                                      </p:to>
+                                    </p:set>
+                                  </p:childTnLst>
+                                </p:cTn>
+                              </p:par>
+                            </p:childTnLst>
+                          </p:cTn>
+                        </p:par>
+                      </p:childTnLst>
+                    </p:cTn>
+                  </p:par>
+                </p:childTnLst>
+              </p:cTn>
+              <p:prevCondLst>
+                <p:cond evt="onPrev" delay="0">
+                  <p:tgtEl>
+                    <p:sldTgt/>
+                  </p:tgtEl>
+                </p:cond>
+              </p:prevCondLst>
+              <p:nextCondLst>
+                <p:cond evt="onNext" delay="0">
+                  <p:tgtEl>
+                    <p:sldTgt/>
+                  </p:tgtEl>
+                </p:cond>
+              </p:nextCondLst>
+            </p:seq>
+          </p:childTnLst>
+        </p:cTn>
+      </p:par>
+    </p:tnLst>
+    <p:bldLst>
+      <p:bldP spid="7" grpId="0" animBg="1"/>
+    </p:bldLst>
+  </p:timing>
+</p:sld>
+</file>
+
+<file path=ppt/slides/slide11.xml><?xml version="1.0" encoding="utf-8"?>
 <p:sld xmlns:a="http://schemas.openxmlformats.org/drawingml/2006/main" xmlns:r="http://schemas.openxmlformats.org/officeDocument/2006/relationships" xmlns:p="http://schemas.openxmlformats.org/presentationml/2006/main">
   <p:cSld>
     <p:spTree>
@@ -7892,6 +9816,22 @@
               </a:rPr>
               <a:t>https://en.wikipedia.org/wiki/Producer%E2%80%93consumer_problem</a:t>
             </a:r>
+            <a:endParaRPr lang="en-US" dirty="0">
+              <a:ea typeface="+mn-lt"/>
+              <a:cs typeface="+mn-lt"/>
+            </a:endParaRPr>
+          </a:p>
+          <a:p>
+            <a:pPr lvl="1"/>
+            <a:r>
+              <a:rPr lang="en-US" dirty="0">
+                <a:hlinkClick r:id="rId5"/>
+              </a:rPr>
+              <a:t>The Little Book of Semaphores - Green Tea Press</a:t>
+            </a:r>
+          </a:p>
+          <a:p>
+            <a:pPr lvl="1"/>
             <a:endParaRPr lang="en-US" dirty="0">
               <a:ea typeface="+mn-lt"/>
               <a:cs typeface="+mn-lt"/>
@@ -8861,7 +10801,7 @@
           </a:prstGeom>
         </p:spPr>
         <p:txBody>
-          <a:bodyPr wrap="square">
+          <a:bodyPr wrap="square" anchor="t">
             <a:spAutoFit/>
           </a:bodyPr>
           <a:lstStyle/>
@@ -8914,7 +10854,7 @@
             <a:br>
               <a:rPr lang="en-US" sz="2800" dirty="0">
                 <a:solidFill>
-                  <a:srgbClr val="37474F"/>
+                  <a:srgbClr val="3F51B5"/>
                 </a:solidFill>
                 <a:latin typeface="Roboto Mono"/>
               </a:rPr>
@@ -9050,7 +10990,7 @@
             <a:br>
               <a:rPr lang="en-US" sz="2800" dirty="0">
                 <a:solidFill>
-                  <a:srgbClr val="37474F"/>
+                  <a:srgbClr val="C53929"/>
                 </a:solidFill>
                 <a:latin typeface="Roboto Mono"/>
               </a:rPr>
@@ -9112,7 +11052,7 @@
             <a:br>
               <a:rPr lang="en-US" sz="2800" dirty="0">
                 <a:solidFill>
-                  <a:srgbClr val="37474F"/>
+                  <a:srgbClr val="3F51B5"/>
                 </a:solidFill>
                 <a:latin typeface="Roboto Mono"/>
               </a:rPr>
@@ -9147,7 +11087,7 @@
             <a:br>
               <a:rPr lang="en-US" sz="2800" dirty="0">
                 <a:solidFill>
-                  <a:srgbClr val="37474F"/>
+                  <a:srgbClr val="D81B60"/>
                 </a:solidFill>
                 <a:latin typeface="Roboto Mono"/>
               </a:rPr>
@@ -9750,7 +11690,7 @@
           <p:cNvPr id="2" name="Title 1">
             <a:extLst>
               <a:ext uri="{FF2B5EF4-FFF2-40B4-BE49-F238E27FC236}">
-                <a16:creationId xmlns:a16="http://schemas.microsoft.com/office/drawing/2014/main" id="{409A120C-BFCE-45BC-83EA-F5B6EAB7ED46}"/>
+                <a16:creationId xmlns:a16="http://schemas.microsoft.com/office/drawing/2014/main" id="{22131676-1D0F-4D13-A668-1BE6C0A73F6D}"/>
               </a:ext>
             </a:extLst>
           </p:cNvPr>
@@ -9767,23 +11707,12 @@
           <a:lstStyle/>
           <a:p>
             <a:r>
-              <a:rPr lang="en-US" dirty="0"/>
-              <a:t>Semaphore is </a:t>
-            </a:r>
-            <a:r>
-              <a:rPr lang="en-US" dirty="0">
-                <a:solidFill>
-                  <a:schemeClr val="accent2">
-                    <a:lumMod val="75000"/>
-                  </a:schemeClr>
-                </a:solidFill>
-              </a:rPr>
-              <a:t>versatile: </a:t>
-            </a:r>
-            <a:r>
-              <a:rPr lang="en-US" dirty="0"/>
-              <a:t>To Order Events</a:t>
-            </a:r>
+              <a:rPr lang="en-US">
+                <a:cs typeface="Calibri Light"/>
+              </a:rPr>
+              <a:t>Activity</a:t>
+            </a:r>
+            <a:endParaRPr lang="en-US"/>
           </a:p>
         </p:txBody>
       </p:sp>
@@ -9792,7 +11721,7 @@
           <p:cNvPr id="3" name="Content Placeholder 2">
             <a:extLst>
               <a:ext uri="{FF2B5EF4-FFF2-40B4-BE49-F238E27FC236}">
-                <a16:creationId xmlns:a16="http://schemas.microsoft.com/office/drawing/2014/main" id="{FCA7F063-84FA-4ECA-81BF-49AEC6A3A4F6}"/>
+                <a16:creationId xmlns:a16="http://schemas.microsoft.com/office/drawing/2014/main" id="{42C5032B-8AFD-4D05-8386-6277BA2CB5E8}"/>
               </a:ext>
             </a:extLst>
           </p:cNvPr>
@@ -9805,9 +11734,307 @@
         </p:nvSpPr>
         <p:spPr/>
         <p:txBody>
+          <a:bodyPr vert="horz" lIns="91440" tIns="45720" rIns="91440" bIns="45720" rtlCol="0" anchor="t">
+            <a:normAutofit/>
+          </a:bodyPr>
+          <a:lstStyle/>
+          <a:p>
+            <a:pPr marL="0" indent="0">
+              <a:buNone/>
+            </a:pPr>
+            <a:r>
+              <a:rPr lang="en-US">
+                <a:cs typeface="Calibri" panose="020F0502020204030204"/>
+              </a:rPr>
+              <a:t>Imagine we have 2 threads:</a:t>
+            </a:r>
+            <a:endParaRPr lang="en-US"/>
+          </a:p>
+          <a:p>
+            <a:pPr marL="0" indent="0">
+              <a:buNone/>
+            </a:pPr>
+            <a:endParaRPr lang="en-US">
+              <a:cs typeface="Calibri" panose="020F0502020204030204"/>
+            </a:endParaRPr>
+          </a:p>
+          <a:p>
+            <a:pPr marL="0" indent="0">
+              <a:buNone/>
+            </a:pPr>
+            <a:endParaRPr lang="en-US">
+              <a:cs typeface="Calibri" panose="020F0502020204030204"/>
+            </a:endParaRPr>
+          </a:p>
+          <a:p>
+            <a:pPr marL="0" indent="0">
+              <a:buNone/>
+            </a:pPr>
+            <a:endParaRPr lang="en-US">
+              <a:cs typeface="Calibri" panose="020F0502020204030204"/>
+            </a:endParaRPr>
+          </a:p>
+          <a:p>
+            <a:pPr marL="0" indent="0">
+              <a:buNone/>
+            </a:pPr>
+            <a:r>
+              <a:rPr lang="en-US">
+                <a:cs typeface="Calibri" panose="020F0502020204030204"/>
+              </a:rPr>
+              <a:t>Both of these threads are created and start at the same time.</a:t>
+            </a:r>
+          </a:p>
+          <a:p>
+            <a:pPr marL="0" indent="0">
+              <a:buNone/>
+            </a:pPr>
+            <a:r>
+              <a:rPr lang="en-US">
+                <a:cs typeface="Calibri" panose="020F0502020204030204"/>
+              </a:rPr>
+              <a:t>We want to ensure that the threads do the steps in the order</a:t>
+            </a:r>
+          </a:p>
+          <a:p>
+            <a:pPr marL="0" indent="0">
+              <a:buNone/>
+            </a:pPr>
+            <a:r>
+              <a:rPr lang="en-US">
+                <a:cs typeface="Calibri" panose="020F0502020204030204"/>
+              </a:rPr>
+              <a:t>Step 1</a:t>
+            </a:r>
+          </a:p>
+          <a:p>
+            <a:pPr marL="0" indent="0">
+              <a:buNone/>
+            </a:pPr>
+            <a:r>
+              <a:rPr lang="en-US">
+                <a:cs typeface="Calibri" panose="020F0502020204030204"/>
+              </a:rPr>
+              <a:t>Step 2</a:t>
+            </a:r>
+          </a:p>
+          <a:p>
+            <a:pPr marL="0" indent="0">
+              <a:buNone/>
+            </a:pPr>
+            <a:r>
+              <a:rPr lang="en-US">
+                <a:cs typeface="Calibri" panose="020F0502020204030204"/>
+              </a:rPr>
+              <a:t>Step 3</a:t>
+            </a:r>
+          </a:p>
+          <a:p>
+            <a:pPr marL="0" indent="0">
+              <a:buNone/>
+            </a:pPr>
+            <a:endParaRPr lang="en-US">
+              <a:cs typeface="Calibri" panose="020F0502020204030204"/>
+            </a:endParaRPr>
+          </a:p>
+          <a:p>
+            <a:pPr marL="0" indent="0">
+              <a:buNone/>
+            </a:pPr>
+            <a:endParaRPr lang="en-US">
+              <a:cs typeface="Calibri" panose="020F0502020204030204"/>
+            </a:endParaRPr>
+          </a:p>
+        </p:txBody>
+      </p:sp>
+      <p:graphicFrame>
+        <p:nvGraphicFramePr>
+          <p:cNvPr id="4" name="Table 4">
+            <a:extLst>
+              <a:ext uri="{FF2B5EF4-FFF2-40B4-BE49-F238E27FC236}">
+                <a16:creationId xmlns:a16="http://schemas.microsoft.com/office/drawing/2014/main" id="{1B767BFD-1A9D-455A-8CDE-25E22550CE42}"/>
+              </a:ext>
+            </a:extLst>
+          </p:cNvPr>
+          <p:cNvGraphicFramePr>
+            <a:graphicFrameLocks noGrp="1"/>
+          </p:cNvGraphicFramePr>
+          <p:nvPr>
+            <p:extLst>
+              <p:ext uri="{D42A27DB-BD31-4B8C-83A1-F6EECF244321}">
+                <p14:modId xmlns:p14="http://schemas.microsoft.com/office/powerpoint/2010/main" val="2248342656"/>
+              </p:ext>
+            </p:extLst>
+          </p:nvPr>
+        </p:nvGraphicFramePr>
+        <p:xfrm>
+          <a:off x="1770706" y="2467812"/>
+          <a:ext cx="8168640" cy="1010920"/>
+        </p:xfrm>
+        <a:graphic>
+          <a:graphicData uri="http://schemas.openxmlformats.org/drawingml/2006/table">
+            <a:tbl>
+              <a:tblPr firstRow="1" bandRow="1">
+                <a:tableStyleId>{5C22544A-7EE6-4342-B048-85BDC9FD1C3A}</a:tableStyleId>
+              </a:tblPr>
+              <a:tblGrid>
+                <a:gridCol w="4084320">
+                  <a:extLst>
+                    <a:ext uri="{9D8B030D-6E8A-4147-A177-3AD203B41FA5}">
+                      <a16:colId xmlns:a16="http://schemas.microsoft.com/office/drawing/2014/main" val="3204968538"/>
+                    </a:ext>
+                  </a:extLst>
+                </a:gridCol>
+                <a:gridCol w="4084320">
+                  <a:extLst>
+                    <a:ext uri="{9D8B030D-6E8A-4147-A177-3AD203B41FA5}">
+                      <a16:colId xmlns:a16="http://schemas.microsoft.com/office/drawing/2014/main" val="631833986"/>
+                    </a:ext>
+                  </a:extLst>
+                </a:gridCol>
+              </a:tblGrid>
+              <a:tr h="370840">
+                <a:tc>
+                  <a:txBody>
+                    <a:bodyPr/>
+                    <a:lstStyle/>
+                    <a:p>
+                      <a:r>
+                        <a:rPr lang="en-US"/>
+                        <a:t>T1</a:t>
+                      </a:r>
+                    </a:p>
+                  </a:txBody>
+                  <a:tcPr/>
+                </a:tc>
+                <a:tc>
+                  <a:txBody>
+                    <a:bodyPr/>
+                    <a:lstStyle/>
+                    <a:p>
+                      <a:r>
+                        <a:rPr lang="en-US"/>
+                        <a:t>T2</a:t>
+                      </a:r>
+                    </a:p>
+                  </a:txBody>
+                  <a:tcPr/>
+                </a:tc>
+                <a:extLst>
+                  <a:ext uri="{0D108BD9-81ED-4DB2-BD59-A6C34878D82A}">
+                    <a16:rowId xmlns:a16="http://schemas.microsoft.com/office/drawing/2014/main" val="2406328256"/>
+                  </a:ext>
+                </a:extLst>
+              </a:tr>
+              <a:tr h="370839">
+                <a:tc>
+                  <a:txBody>
+                    <a:bodyPr/>
+                    <a:lstStyle/>
+                    <a:p>
+                      <a:pPr lvl="0">
+                        <a:buNone/>
+                      </a:pPr>
+                      <a:r>
+                        <a:rPr lang="en-US"/>
+                        <a:t>Does Step 1</a:t>
+                      </a:r>
+                    </a:p>
+                    <a:p>
+                      <a:pPr lvl="0">
+                        <a:buNone/>
+                      </a:pPr>
+                      <a:r>
+                        <a:rPr lang="en-US"/>
+                        <a:t>Does Step 3</a:t>
+                      </a:r>
+                    </a:p>
+                  </a:txBody>
+                  <a:tcPr/>
+                </a:tc>
+                <a:tc>
+                  <a:txBody>
+                    <a:bodyPr/>
+                    <a:lstStyle/>
+                    <a:p>
+                      <a:pPr lvl="0">
+                        <a:buNone/>
+                      </a:pPr>
+                      <a:r>
+                        <a:rPr lang="en-US"/>
+                        <a:t>Does Step 2</a:t>
+                      </a:r>
+                    </a:p>
+                  </a:txBody>
+                  <a:tcPr/>
+                </a:tc>
+                <a:extLst>
+                  <a:ext uri="{0D108BD9-81ED-4DB2-BD59-A6C34878D82A}">
+                    <a16:rowId xmlns:a16="http://schemas.microsoft.com/office/drawing/2014/main" val="2984751318"/>
+                  </a:ext>
+                </a:extLst>
+              </a:tr>
+            </a:tbl>
+          </a:graphicData>
+        </a:graphic>
+      </p:graphicFrame>
+    </p:spTree>
+    <p:extLst>
+      <p:ext uri="{BB962C8B-B14F-4D97-AF65-F5344CB8AC3E}">
+        <p14:creationId xmlns:p14="http://schemas.microsoft.com/office/powerpoint/2010/main" val="2777723278"/>
+      </p:ext>
+    </p:extLst>
+  </p:cSld>
+  <p:clrMapOvr>
+    <a:masterClrMapping/>
+  </p:clrMapOvr>
+</p:sld>
+</file>
+
+<file path=ppt/slides/slide7.xml><?xml version="1.0" encoding="utf-8"?>
+<p:sld xmlns:a="http://schemas.openxmlformats.org/drawingml/2006/main" xmlns:r="http://schemas.openxmlformats.org/officeDocument/2006/relationships" xmlns:p="http://schemas.openxmlformats.org/presentationml/2006/main">
+  <p:cSld>
+    <p:spTree>
+      <p:nvGrpSpPr>
+        <p:cNvPr id="1" name=""/>
+        <p:cNvGrpSpPr/>
+        <p:nvPr/>
+      </p:nvGrpSpPr>
+      <p:grpSpPr>
+        <a:xfrm>
+          <a:off x="0" y="0"/>
+          <a:ext cx="0" cy="0"/>
+          <a:chOff x="0" y="0"/>
+          <a:chExt cx="0" cy="0"/>
+        </a:xfrm>
+      </p:grpSpPr>
+      <p:sp>
+        <p:nvSpPr>
+          <p:cNvPr id="2" name="Title 1">
+            <a:extLst>
+              <a:ext uri="{FF2B5EF4-FFF2-40B4-BE49-F238E27FC236}">
+                <a16:creationId xmlns:a16="http://schemas.microsoft.com/office/drawing/2014/main" id="{4799E135-81D3-480E-8B42-1261048B35C7}"/>
+              </a:ext>
+            </a:extLst>
+          </p:cNvPr>
+          <p:cNvSpPr>
+            <a:spLocks noGrp="1"/>
+          </p:cNvSpPr>
+          <p:nvPr>
+            <p:ph type="title"/>
+          </p:nvPr>
+        </p:nvSpPr>
+        <p:spPr/>
+        <p:txBody>
           <a:bodyPr/>
           <a:lstStyle/>
           <a:p>
+            <a:r>
+              <a:rPr lang="en-US" dirty="0">
+                <a:cs typeface="Calibri Light"/>
+              </a:rPr>
+              <a:t>Solution</a:t>
+            </a:r>
             <a:endParaRPr lang="en-US" dirty="0"/>
           </a:p>
         </p:txBody>
@@ -9817,7 +12044,7 @@
           <p:cNvPr id="4" name="Rectangle 3">
             <a:extLst>
               <a:ext uri="{FF2B5EF4-FFF2-40B4-BE49-F238E27FC236}">
-                <a16:creationId xmlns:a16="http://schemas.microsoft.com/office/drawing/2014/main" id="{C5066734-A0D1-474D-9F1F-F73260CF2E31}"/>
+                <a16:creationId xmlns:a16="http://schemas.microsoft.com/office/drawing/2014/main" id="{ACC5DBE4-89E5-44D5-854D-6E1521C9AF21}"/>
               </a:ext>
             </a:extLst>
           </p:cNvPr>
@@ -9826,8 +12053,8 @@
         </p:nvSpPr>
         <p:spPr>
           <a:xfrm>
-            <a:off x="838200" y="1352482"/>
-            <a:ext cx="6096000" cy="5909310"/>
+            <a:off x="748683" y="1250246"/>
+            <a:ext cx="6096000" cy="6186309"/>
           </a:xfrm>
           <a:prstGeom prst="rect">
             <a:avLst/>
@@ -9840,31 +12067,31 @@
           <a:lstStyle/>
           <a:p>
             <a:r>
+              <a:rPr lang="en-US" dirty="0" err="1">
+                <a:solidFill>
+                  <a:srgbClr val="9C27B0"/>
+                </a:solidFill>
+                <a:latin typeface="Roboto Mono"/>
+              </a:rPr>
+              <a:t>sem_t</a:t>
+            </a:r>
+            <a:r>
               <a:rPr lang="en-US" dirty="0">
                 <a:solidFill>
-                  <a:srgbClr val="C53929"/>
-                </a:solidFill>
-                <a:latin typeface="Roboto Mono"/>
-              </a:rPr>
-              <a:t>1</a:t>
+                  <a:srgbClr val="37474F"/>
+                </a:solidFill>
+                <a:latin typeface="Roboto Mono"/>
+              </a:rPr>
+              <a:t> step1_done</a:t>
             </a:r>
             <a:r>
               <a:rPr lang="en-US" dirty="0">
                 <a:solidFill>
-                  <a:srgbClr val="37474F"/>
-                </a:solidFill>
-                <a:latin typeface="Roboto Mono"/>
-              </a:rPr>
-              <a:t> </a:t>
-            </a:r>
-            <a:r>
-              <a:rPr lang="en-US" dirty="0" err="1">
-                <a:solidFill>
-                  <a:srgbClr val="9C27B0"/>
-                </a:solidFill>
-                <a:latin typeface="Roboto Mono"/>
-              </a:rPr>
-              <a:t>sem_t</a:t>
+                  <a:srgbClr val="3F51B5"/>
+                </a:solidFill>
+                <a:latin typeface="Roboto Mono"/>
+              </a:rPr>
+              <a:t>,</a:t>
             </a:r>
             <a:r>
               <a:rPr lang="en-US" dirty="0">
@@ -9873,7 +12100,7 @@
                 </a:solidFill>
                 <a:latin typeface="Roboto Mono"/>
               </a:rPr>
-              <a:t> s</a:t>
+              <a:t> step2_done</a:t>
             </a:r>
             <a:r>
               <a:rPr lang="en-US" dirty="0">
@@ -9892,15 +12119,6 @@
                 <a:latin typeface="Roboto Mono"/>
               </a:rPr>
             </a:br>
-            <a:r>
-              <a:rPr lang="en-US" dirty="0">
-                <a:solidFill>
-                  <a:srgbClr val="C53929"/>
-                </a:solidFill>
-                <a:latin typeface="Roboto Mono"/>
-              </a:rPr>
-              <a:t>2</a:t>
-            </a:r>
             <a:br>
               <a:rPr lang="en-US" dirty="0">
                 <a:solidFill>
@@ -9912,11 +12130,11 @@
             <a:r>
               <a:rPr lang="en-US" dirty="0">
                 <a:solidFill>
-                  <a:srgbClr val="C53929"/>
-                </a:solidFill>
-                <a:latin typeface="Roboto Mono"/>
-              </a:rPr>
-              <a:t>3</a:t>
+                  <a:srgbClr val="3F51B5"/>
+                </a:solidFill>
+                <a:latin typeface="Roboto Mono"/>
+              </a:rPr>
+              <a:t>void*</a:t>
             </a:r>
             <a:r>
               <a:rPr lang="en-US" dirty="0">
@@ -9925,6 +12143,42 @@
                 </a:solidFill>
                 <a:latin typeface="Roboto Mono"/>
               </a:rPr>
+              <a:t> t1</a:t>
+            </a:r>
+            <a:r>
+              <a:rPr lang="en-US" dirty="0">
+                <a:solidFill>
+                  <a:srgbClr val="3F51B5"/>
+                </a:solidFill>
+                <a:latin typeface="Roboto Mono"/>
+              </a:rPr>
+              <a:t>(void*</a:t>
+            </a:r>
+            <a:r>
+              <a:rPr lang="en-US" dirty="0">
+                <a:solidFill>
+                  <a:srgbClr val="37474F"/>
+                </a:solidFill>
+                <a:latin typeface="Roboto Mono"/>
+              </a:rPr>
+              <a:t> ignored</a:t>
+            </a:r>
+            <a:r>
+              <a:rPr lang="en-US" dirty="0">
+                <a:solidFill>
+                  <a:srgbClr val="3F51B5"/>
+                </a:solidFill>
+                <a:latin typeface="Roboto Mono"/>
+              </a:rPr>
+              <a:t>)</a:t>
+            </a:r>
+            <a:r>
+              <a:rPr lang="en-US" dirty="0">
+                <a:solidFill>
+                  <a:srgbClr val="37474F"/>
+                </a:solidFill>
+                <a:latin typeface="Roboto Mono"/>
+              </a:rPr>
               <a:t> </a:t>
             </a:r>
             <a:r>
@@ -9934,25 +12188,7 @@
                 </a:solidFill>
                 <a:latin typeface="Roboto Mono"/>
               </a:rPr>
-              <a:t>void</a:t>
-            </a:r>
-            <a:r>
-              <a:rPr lang="en-US" dirty="0">
-                <a:solidFill>
-                  <a:srgbClr val="37474F"/>
-                </a:solidFill>
-                <a:latin typeface="Roboto Mono"/>
-              </a:rPr>
-              <a:t> </a:t>
-            </a:r>
-            <a:r>
-              <a:rPr lang="en-US" dirty="0">
-                <a:solidFill>
-                  <a:srgbClr val="3F51B5"/>
-                </a:solidFill>
-                <a:latin typeface="Roboto Mono"/>
-              </a:rPr>
-              <a:t>*</a:t>
+              <a:t>{</a:t>
             </a:r>
             <a:br>
               <a:rPr lang="en-US" dirty="0">
@@ -9963,22 +12199,31 @@
               </a:rPr>
             </a:br>
             <a:r>
+              <a:rPr lang="en-US" dirty="0" err="1">
+                <a:solidFill>
+                  <a:srgbClr val="37474F"/>
+                </a:solidFill>
+                <a:latin typeface="Roboto Mono"/>
+              </a:rPr>
+              <a:t>printf</a:t>
+            </a:r>
+            <a:r>
               <a:rPr lang="en-US" dirty="0">
                 <a:solidFill>
-                  <a:srgbClr val="C53929"/>
-                </a:solidFill>
-                <a:latin typeface="Roboto Mono"/>
-              </a:rPr>
-              <a:t>4</a:t>
+                  <a:srgbClr val="3F51B5"/>
+                </a:solidFill>
+                <a:latin typeface="Roboto Mono"/>
+              </a:rPr>
+              <a:t>(</a:t>
             </a:r>
             <a:r>
               <a:rPr lang="en-US" dirty="0">
                 <a:solidFill>
-                  <a:srgbClr val="37474F"/>
-                </a:solidFill>
-                <a:latin typeface="Roboto Mono"/>
-              </a:rPr>
-              <a:t> child</a:t>
+                  <a:srgbClr val="388E3C"/>
+                </a:solidFill>
+                <a:latin typeface="Roboto Mono"/>
+              </a:rPr>
+              <a:t>"step 1\n"</a:t>
             </a:r>
             <a:r>
               <a:rPr lang="en-US" dirty="0">
@@ -9987,61 +12232,7 @@
                 </a:solidFill>
                 <a:latin typeface="Roboto Mono"/>
               </a:rPr>
-              <a:t>(void</a:t>
-            </a:r>
-            <a:r>
-              <a:rPr lang="en-US" dirty="0">
-                <a:solidFill>
-                  <a:srgbClr val="37474F"/>
-                </a:solidFill>
-                <a:latin typeface="Roboto Mono"/>
-              </a:rPr>
-              <a:t> </a:t>
-            </a:r>
-            <a:r>
-              <a:rPr lang="en-US" dirty="0">
-                <a:solidFill>
-                  <a:srgbClr val="3F51B5"/>
-                </a:solidFill>
-                <a:latin typeface="Roboto Mono"/>
-              </a:rPr>
-              <a:t>*</a:t>
-            </a:r>
-            <a:r>
-              <a:rPr lang="en-US" dirty="0" err="1">
-                <a:solidFill>
-                  <a:srgbClr val="37474F"/>
-                </a:solidFill>
-                <a:latin typeface="Roboto Mono"/>
-              </a:rPr>
-              <a:t>arg</a:t>
-            </a:r>
-            <a:r>
-              <a:rPr lang="en-US" dirty="0">
-                <a:solidFill>
-                  <a:srgbClr val="3F51B5"/>
-                </a:solidFill>
-                <a:latin typeface="Roboto Mono"/>
-              </a:rPr>
-              <a:t>)</a:t>
-            </a:r>
-            <a:r>
-              <a:rPr lang="en-US" dirty="0">
-                <a:solidFill>
-                  <a:srgbClr val="37474F"/>
-                </a:solidFill>
-                <a:latin typeface="Roboto Mono"/>
-              </a:rPr>
-              <a:t> </a:t>
-            </a:r>
-            <a:r>
-              <a:rPr lang="en-US" dirty="0">
-                <a:solidFill>
-                  <a:srgbClr val="3F51B5"/>
-                </a:solidFill>
-                <a:latin typeface="Roboto Mono"/>
-              </a:rPr>
-              <a:t>{</a:t>
+              <a:t>);</a:t>
             </a:r>
             <a:br>
               <a:rPr lang="en-US" dirty="0">
@@ -10052,13 +12243,22 @@
               </a:rPr>
             </a:br>
             <a:r>
+              <a:rPr lang="en-US" dirty="0" err="1">
+                <a:solidFill>
+                  <a:srgbClr val="37474F"/>
+                </a:solidFill>
+                <a:latin typeface="Roboto Mono"/>
+              </a:rPr>
+              <a:t>sem_post</a:t>
+            </a:r>
+            <a:r>
               <a:rPr lang="en-US" dirty="0">
                 <a:solidFill>
-                  <a:srgbClr val="C53929"/>
-                </a:solidFill>
-                <a:latin typeface="Roboto Mono"/>
-              </a:rPr>
-              <a:t>5</a:t>
+                  <a:srgbClr val="3F51B5"/>
+                </a:solidFill>
+                <a:latin typeface="Roboto Mono"/>
+              </a:rPr>
+              <a:t>(&amp;</a:t>
             </a:r>
             <a:r>
               <a:rPr lang="en-US" dirty="0">
@@ -10067,34 +12267,7 @@
                 </a:solidFill>
                 <a:latin typeface="Roboto Mono"/>
               </a:rPr>
-              <a:t> </a:t>
-            </a:r>
-            <a:r>
-              <a:rPr lang="en-US" dirty="0" err="1">
-                <a:solidFill>
-                  <a:srgbClr val="37474F"/>
-                </a:solidFill>
-                <a:latin typeface="Roboto Mono"/>
-              </a:rPr>
-              <a:t>printf</a:t>
-            </a:r>
-            <a:r>
-              <a:rPr lang="en-US" dirty="0">
-                <a:solidFill>
-                  <a:srgbClr val="3F51B5"/>
-                </a:solidFill>
-                <a:latin typeface="Roboto Mono"/>
-              </a:rPr>
-              <a:t>(</a:t>
-            </a:r>
-            <a:r>
-              <a:rPr lang="en-US" dirty="0">
-                <a:solidFill>
-                  <a:srgbClr val="388E3C"/>
-                </a:solidFill>
-                <a:latin typeface="Roboto Mono"/>
-              </a:rPr>
-              <a:t>"child\n"</a:t>
+              <a:t>step1_done</a:t>
             </a:r>
             <a:r>
               <a:rPr lang="en-US" dirty="0">
@@ -10114,13 +12287,22 @@
               </a:rPr>
             </a:br>
             <a:r>
+              <a:rPr lang="en-US" dirty="0" err="1">
+                <a:solidFill>
+                  <a:srgbClr val="37474F"/>
+                </a:solidFill>
+                <a:latin typeface="Roboto Mono"/>
+              </a:rPr>
+              <a:t>sem_wait</a:t>
+            </a:r>
+            <a:r>
               <a:rPr lang="en-US" dirty="0">
                 <a:solidFill>
-                  <a:srgbClr val="C53929"/>
-                </a:solidFill>
-                <a:latin typeface="Roboto Mono"/>
-              </a:rPr>
-              <a:t>6</a:t>
+                  <a:srgbClr val="3F51B5"/>
+                </a:solidFill>
+                <a:latin typeface="Roboto Mono"/>
+              </a:rPr>
+              <a:t>(&amp;</a:t>
             </a:r>
             <a:r>
               <a:rPr lang="en-US" dirty="0">
@@ -10129,16 +12311,7 @@
                 </a:solidFill>
                 <a:latin typeface="Roboto Mono"/>
               </a:rPr>
-              <a:t> </a:t>
-            </a:r>
-            <a:r>
-              <a:rPr lang="en-US" dirty="0" err="1">
-                <a:solidFill>
-                  <a:srgbClr val="37474F"/>
-                </a:solidFill>
-                <a:latin typeface="Roboto Mono"/>
-              </a:rPr>
-              <a:t>sem_post</a:t>
+              <a:t>step2_done</a:t>
             </a:r>
             <a:r>
               <a:rPr lang="en-US" dirty="0">
@@ -10147,43 +12320,7 @@
                 </a:solidFill>
                 <a:latin typeface="Roboto Mono"/>
               </a:rPr>
-              <a:t>(&amp;</a:t>
-            </a:r>
-            <a:r>
-              <a:rPr lang="en-US" dirty="0">
-                <a:solidFill>
-                  <a:srgbClr val="37474F"/>
-                </a:solidFill>
-                <a:latin typeface="Roboto Mono"/>
-              </a:rPr>
-              <a:t>s</a:t>
-            </a:r>
-            <a:r>
-              <a:rPr lang="en-US" dirty="0">
-                <a:solidFill>
-                  <a:srgbClr val="3F51B5"/>
-                </a:solidFill>
-                <a:latin typeface="Roboto Mono"/>
-              </a:rPr>
               <a:t>);</a:t>
-            </a:r>
-            <a:r>
-              <a:rPr lang="en-US" dirty="0">
-                <a:solidFill>
-                  <a:srgbClr val="37474F"/>
-                </a:solidFill>
-                <a:latin typeface="Roboto Mono"/>
-              </a:rPr>
-              <a:t> </a:t>
-            </a:r>
-            <a:r>
-              <a:rPr lang="en-US" dirty="0">
-                <a:solidFill>
-                  <a:srgbClr val="D81B60"/>
-                </a:solidFill>
-                <a:latin typeface="Roboto Mono"/>
-              </a:rPr>
-              <a:t>// signal here: child is done</a:t>
             </a:r>
             <a:br>
               <a:rPr lang="en-US" dirty="0">
@@ -10194,22 +12331,31 @@
               </a:rPr>
             </a:br>
             <a:r>
+              <a:rPr lang="en-US" dirty="0" err="1">
+                <a:solidFill>
+                  <a:srgbClr val="37474F"/>
+                </a:solidFill>
+                <a:latin typeface="Roboto Mono"/>
+              </a:rPr>
+              <a:t>printf</a:t>
+            </a:r>
+            <a:r>
               <a:rPr lang="en-US" dirty="0">
                 <a:solidFill>
-                  <a:srgbClr val="C53929"/>
-                </a:solidFill>
-                <a:latin typeface="Roboto Mono"/>
-              </a:rPr>
-              <a:t>7</a:t>
+                  <a:srgbClr val="3F51B5"/>
+                </a:solidFill>
+                <a:latin typeface="Roboto Mono"/>
+              </a:rPr>
+              <a:t>(</a:t>
             </a:r>
             <a:r>
               <a:rPr lang="en-US" dirty="0">
                 <a:solidFill>
-                  <a:srgbClr val="37474F"/>
-                </a:solidFill>
-                <a:latin typeface="Roboto Mono"/>
-              </a:rPr>
-              <a:t> </a:t>
+                  <a:srgbClr val="388E3C"/>
+                </a:solidFill>
+                <a:latin typeface="Roboto Mono"/>
+              </a:rPr>
+              <a:t>"step 3\n"</a:t>
             </a:r>
             <a:r>
               <a:rPr lang="en-US" dirty="0">
@@ -10218,25 +12364,7 @@
                 </a:solidFill>
                 <a:latin typeface="Roboto Mono"/>
               </a:rPr>
-              <a:t>return</a:t>
-            </a:r>
-            <a:r>
-              <a:rPr lang="en-US" dirty="0">
-                <a:solidFill>
-                  <a:srgbClr val="37474F"/>
-                </a:solidFill>
-                <a:latin typeface="Roboto Mono"/>
-              </a:rPr>
-              <a:t> NULL</a:t>
-            </a:r>
-            <a:r>
-              <a:rPr lang="en-US" dirty="0">
-                <a:solidFill>
-                  <a:srgbClr val="3F51B5"/>
-                </a:solidFill>
-                <a:latin typeface="Roboto Mono"/>
-              </a:rPr>
-              <a:t>;</a:t>
+              <a:t>);</a:t>
             </a:r>
             <a:br>
               <a:rPr lang="en-US" dirty="0">
@@ -10249,24 +12377,6 @@
             <a:r>
               <a:rPr lang="en-US" dirty="0">
                 <a:solidFill>
-                  <a:srgbClr val="C53929"/>
-                </a:solidFill>
-                <a:latin typeface="Roboto Mono"/>
-              </a:rPr>
-              <a:t>8</a:t>
-            </a:r>
-            <a:r>
-              <a:rPr lang="en-US" dirty="0">
-                <a:solidFill>
-                  <a:srgbClr val="37474F"/>
-                </a:solidFill>
-                <a:latin typeface="Roboto Mono"/>
-              </a:rPr>
-              <a:t> </a:t>
-            </a:r>
-            <a:r>
-              <a:rPr lang="en-US" dirty="0">
-                <a:solidFill>
                   <a:srgbClr val="3F51B5"/>
                 </a:solidFill>
                 <a:latin typeface="Roboto Mono"/>
@@ -10281,15 +12391,6 @@
                 <a:latin typeface="Roboto Mono"/>
               </a:rPr>
             </a:br>
-            <a:r>
-              <a:rPr lang="en-US" dirty="0">
-                <a:solidFill>
-                  <a:srgbClr val="C53929"/>
-                </a:solidFill>
-                <a:latin typeface="Roboto Mono"/>
-              </a:rPr>
-              <a:t>9</a:t>
-            </a:r>
             <a:br>
               <a:rPr lang="en-US" dirty="0">
                 <a:solidFill>
@@ -10301,11 +12402,11 @@
             <a:r>
               <a:rPr lang="en-US" dirty="0">
                 <a:solidFill>
-                  <a:srgbClr val="C53929"/>
-                </a:solidFill>
-                <a:latin typeface="Roboto Mono"/>
-              </a:rPr>
-              <a:t>10</a:t>
+                  <a:srgbClr val="3F51B5"/>
+                </a:solidFill>
+                <a:latin typeface="Roboto Mono"/>
+              </a:rPr>
+              <a:t>void*</a:t>
             </a:r>
             <a:r>
               <a:rPr lang="en-US" dirty="0">
@@ -10314,6 +12415,42 @@
                 </a:solidFill>
                 <a:latin typeface="Roboto Mono"/>
               </a:rPr>
+              <a:t> t2</a:t>
+            </a:r>
+            <a:r>
+              <a:rPr lang="en-US" dirty="0">
+                <a:solidFill>
+                  <a:srgbClr val="3F51B5"/>
+                </a:solidFill>
+                <a:latin typeface="Roboto Mono"/>
+              </a:rPr>
+              <a:t>(void*</a:t>
+            </a:r>
+            <a:r>
+              <a:rPr lang="en-US" dirty="0">
+                <a:solidFill>
+                  <a:srgbClr val="37474F"/>
+                </a:solidFill>
+                <a:latin typeface="Roboto Mono"/>
+              </a:rPr>
+              <a:t> ignored</a:t>
+            </a:r>
+            <a:r>
+              <a:rPr lang="en-US" dirty="0">
+                <a:solidFill>
+                  <a:srgbClr val="3F51B5"/>
+                </a:solidFill>
+                <a:latin typeface="Roboto Mono"/>
+              </a:rPr>
+              <a:t>)</a:t>
+            </a:r>
+            <a:r>
+              <a:rPr lang="en-US" dirty="0">
+                <a:solidFill>
+                  <a:srgbClr val="37474F"/>
+                </a:solidFill>
+                <a:latin typeface="Roboto Mono"/>
+              </a:rPr>
               <a:t> </a:t>
             </a:r>
             <a:r>
@@ -10323,7 +12460,7 @@
                 </a:solidFill>
                 <a:latin typeface="Roboto Mono"/>
               </a:rPr>
-              <a:t>int</a:t>
+              <a:t>{</a:t>
             </a:r>
             <a:br>
               <a:rPr lang="en-US" dirty="0">
@@ -10334,13 +12471,22 @@
               </a:rPr>
             </a:br>
             <a:r>
+              <a:rPr lang="en-US" dirty="0" err="1">
+                <a:solidFill>
+                  <a:srgbClr val="37474F"/>
+                </a:solidFill>
+                <a:latin typeface="Roboto Mono"/>
+              </a:rPr>
+              <a:t>sem_wait</a:t>
+            </a:r>
+            <a:r>
               <a:rPr lang="en-US" dirty="0">
                 <a:solidFill>
-                  <a:srgbClr val="C53929"/>
-                </a:solidFill>
-                <a:latin typeface="Roboto Mono"/>
-              </a:rPr>
-              <a:t>11</a:t>
+                  <a:srgbClr val="3F51B5"/>
+                </a:solidFill>
+                <a:latin typeface="Roboto Mono"/>
+              </a:rPr>
+              <a:t>(&amp;</a:t>
             </a:r>
             <a:r>
               <a:rPr lang="en-US" dirty="0">
@@ -10349,7 +12495,7 @@
                 </a:solidFill>
                 <a:latin typeface="Roboto Mono"/>
               </a:rPr>
-              <a:t> main</a:t>
+              <a:t>step1_done</a:t>
             </a:r>
             <a:r>
               <a:rPr lang="en-US" dirty="0">
@@ -10358,106 +12504,7 @@
                 </a:solidFill>
                 <a:latin typeface="Roboto Mono"/>
               </a:rPr>
-              <a:t>(int</a:t>
-            </a:r>
-            <a:r>
-              <a:rPr lang="en-US" dirty="0">
-                <a:solidFill>
-                  <a:srgbClr val="37474F"/>
-                </a:solidFill>
-                <a:latin typeface="Roboto Mono"/>
-              </a:rPr>
-              <a:t> </a:t>
-            </a:r>
-            <a:r>
-              <a:rPr lang="en-US" dirty="0" err="1">
-                <a:solidFill>
-                  <a:srgbClr val="37474F"/>
-                </a:solidFill>
-                <a:latin typeface="Roboto Mono"/>
-              </a:rPr>
-              <a:t>argc</a:t>
-            </a:r>
-            <a:r>
-              <a:rPr lang="en-US" dirty="0">
-                <a:solidFill>
-                  <a:srgbClr val="3F51B5"/>
-                </a:solidFill>
-                <a:latin typeface="Roboto Mono"/>
-              </a:rPr>
-              <a:t>,</a:t>
-            </a:r>
-            <a:r>
-              <a:rPr lang="en-US" dirty="0">
-                <a:solidFill>
-                  <a:srgbClr val="37474F"/>
-                </a:solidFill>
-                <a:latin typeface="Roboto Mono"/>
-              </a:rPr>
-              <a:t> </a:t>
-            </a:r>
-            <a:r>
-              <a:rPr lang="en-US" dirty="0">
-                <a:solidFill>
-                  <a:srgbClr val="3F51B5"/>
-                </a:solidFill>
-                <a:latin typeface="Roboto Mono"/>
-              </a:rPr>
-              <a:t>char</a:t>
-            </a:r>
-            <a:r>
-              <a:rPr lang="en-US" dirty="0">
-                <a:solidFill>
-                  <a:srgbClr val="37474F"/>
-                </a:solidFill>
-                <a:latin typeface="Roboto Mono"/>
-              </a:rPr>
-              <a:t> </a:t>
-            </a:r>
-            <a:r>
-              <a:rPr lang="en-US" dirty="0">
-                <a:solidFill>
-                  <a:srgbClr val="3F51B5"/>
-                </a:solidFill>
-                <a:latin typeface="Roboto Mono"/>
-              </a:rPr>
-              <a:t>*</a:t>
-            </a:r>
-            <a:r>
-              <a:rPr lang="en-US" dirty="0" err="1">
-                <a:solidFill>
-                  <a:srgbClr val="37474F"/>
-                </a:solidFill>
-                <a:latin typeface="Roboto Mono"/>
-              </a:rPr>
-              <a:t>argv</a:t>
-            </a:r>
-            <a:r>
-              <a:rPr lang="en-US" dirty="0">
-                <a:solidFill>
-                  <a:srgbClr val="3F51B5"/>
-                </a:solidFill>
-                <a:latin typeface="Roboto Mono"/>
-              </a:rPr>
-              <a:t>[])</a:t>
-            </a:r>
-            <a:r>
-              <a:rPr lang="en-US" dirty="0">
-                <a:solidFill>
-                  <a:srgbClr val="37474F"/>
-                </a:solidFill>
-                <a:latin typeface="Roboto Mono"/>
-              </a:rPr>
-              <a:t> </a:t>
-            </a:r>
-            <a:r>
-              <a:rPr lang="en-US" dirty="0">
-                <a:solidFill>
-                  <a:srgbClr val="3F51B5"/>
-                </a:solidFill>
-                <a:latin typeface="Roboto Mono"/>
-              </a:rPr>
-              <a:t>{</a:t>
+              <a:t>);</a:t>
             </a:r>
             <a:br>
               <a:rPr lang="en-US" dirty="0">
@@ -10468,159 +12515,31 @@
               </a:rPr>
             </a:br>
             <a:r>
+              <a:rPr lang="en-US" dirty="0" err="1">
+                <a:solidFill>
+                  <a:srgbClr val="37474F"/>
+                </a:solidFill>
+                <a:latin typeface="Roboto Mono"/>
+              </a:rPr>
+              <a:t>printf</a:t>
+            </a:r>
+            <a:r>
               <a:rPr lang="en-US" dirty="0">
                 <a:solidFill>
-                  <a:srgbClr val="C53929"/>
-                </a:solidFill>
-                <a:latin typeface="Roboto Mono"/>
-              </a:rPr>
-              <a:t>12</a:t>
+                  <a:srgbClr val="3F51B5"/>
+                </a:solidFill>
+                <a:latin typeface="Roboto Mono"/>
+              </a:rPr>
+              <a:t>(</a:t>
             </a:r>
             <a:r>
               <a:rPr lang="en-US" dirty="0">
                 <a:solidFill>
-                  <a:srgbClr val="37474F"/>
-                </a:solidFill>
-                <a:latin typeface="Roboto Mono"/>
-              </a:rPr>
-              <a:t> </a:t>
-            </a:r>
-            <a:r>
-              <a:rPr lang="en-US" dirty="0" err="1">
-                <a:solidFill>
-                  <a:srgbClr val="37474F"/>
-                </a:solidFill>
-                <a:latin typeface="Roboto Mono"/>
-              </a:rPr>
-              <a:t>sem_init</a:t>
-            </a:r>
-            <a:r>
-              <a:rPr lang="en-US" dirty="0">
-                <a:solidFill>
-                  <a:srgbClr val="3F51B5"/>
-                </a:solidFill>
-                <a:latin typeface="Roboto Mono"/>
-              </a:rPr>
-              <a:t>(&amp;</a:t>
-            </a:r>
-            <a:r>
-              <a:rPr lang="en-US" dirty="0">
-                <a:solidFill>
-                  <a:srgbClr val="37474F"/>
-                </a:solidFill>
-                <a:latin typeface="Roboto Mono"/>
-              </a:rPr>
-              <a:t>s</a:t>
-            </a:r>
-            <a:r>
-              <a:rPr lang="en-US" dirty="0">
-                <a:solidFill>
-                  <a:srgbClr val="3F51B5"/>
-                </a:solidFill>
-                <a:latin typeface="Roboto Mono"/>
-              </a:rPr>
-              <a:t>,</a:t>
-            </a:r>
-            <a:r>
-              <a:rPr lang="en-US" dirty="0">
-                <a:solidFill>
-                  <a:srgbClr val="37474F"/>
-                </a:solidFill>
-                <a:latin typeface="Roboto Mono"/>
-              </a:rPr>
-              <a:t> </a:t>
-            </a:r>
-            <a:r>
-              <a:rPr lang="en-US" dirty="0">
-                <a:solidFill>
-                  <a:srgbClr val="C53929"/>
-                </a:solidFill>
-                <a:latin typeface="Roboto Mono"/>
-              </a:rPr>
-              <a:t>0</a:t>
-            </a:r>
-            <a:r>
-              <a:rPr lang="en-US" dirty="0">
-                <a:solidFill>
-                  <a:srgbClr val="3F51B5"/>
-                </a:solidFill>
-                <a:latin typeface="Roboto Mono"/>
-              </a:rPr>
-              <a:t>,</a:t>
-            </a:r>
-            <a:r>
-              <a:rPr lang="en-US" dirty="0">
-                <a:solidFill>
-                  <a:srgbClr val="37474F"/>
-                </a:solidFill>
-                <a:latin typeface="Roboto Mono"/>
-              </a:rPr>
-              <a:t> X</a:t>
-            </a:r>
-            <a:r>
-              <a:rPr lang="en-US" dirty="0">
-                <a:solidFill>
-                  <a:srgbClr val="3F51B5"/>
-                </a:solidFill>
-                <a:latin typeface="Roboto Mono"/>
-              </a:rPr>
-              <a:t>);</a:t>
-            </a:r>
-            <a:r>
-              <a:rPr lang="en-US" dirty="0">
-                <a:solidFill>
-                  <a:srgbClr val="37474F"/>
-                </a:solidFill>
-                <a:latin typeface="Roboto Mono"/>
-              </a:rPr>
-              <a:t> </a:t>
-            </a:r>
-          </a:p>
-          <a:p>
-            <a:r>
-              <a:rPr lang="en-US" dirty="0">
-                <a:solidFill>
-                  <a:srgbClr val="C53929"/>
-                </a:solidFill>
-                <a:latin typeface="Roboto Mono"/>
-              </a:rPr>
-              <a:t>13</a:t>
-            </a:r>
-            <a:r>
-              <a:rPr lang="en-US" dirty="0">
-                <a:solidFill>
-                  <a:srgbClr val="37474F"/>
-                </a:solidFill>
-                <a:latin typeface="Roboto Mono"/>
-              </a:rPr>
-              <a:t> </a:t>
-            </a:r>
-            <a:r>
-              <a:rPr lang="en-US" dirty="0" err="1">
-                <a:solidFill>
-                  <a:srgbClr val="37474F"/>
-                </a:solidFill>
-                <a:latin typeface="Roboto Mono"/>
-              </a:rPr>
-              <a:t>printf</a:t>
-            </a:r>
-            <a:r>
-              <a:rPr lang="en-US" dirty="0">
-                <a:solidFill>
-                  <a:srgbClr val="3F51B5"/>
-                </a:solidFill>
-                <a:latin typeface="Roboto Mono"/>
-              </a:rPr>
-              <a:t>(</a:t>
-            </a:r>
-            <a:r>
-              <a:rPr lang="en-US" dirty="0">
-                <a:solidFill>
                   <a:srgbClr val="388E3C"/>
                 </a:solidFill>
                 <a:latin typeface="Roboto Mono"/>
               </a:rPr>
-              <a:t>"parent: begin\n"</a:t>
+              <a:t>"step 2\n"</a:t>
             </a:r>
             <a:r>
               <a:rPr lang="en-US" dirty="0">
@@ -10640,13 +12559,22 @@
               </a:rPr>
             </a:br>
             <a:r>
+              <a:rPr lang="en-US" dirty="0" err="1">
+                <a:solidFill>
+                  <a:srgbClr val="37474F"/>
+                </a:solidFill>
+                <a:latin typeface="Roboto Mono"/>
+              </a:rPr>
+              <a:t>sem_post</a:t>
+            </a:r>
+            <a:r>
               <a:rPr lang="en-US" dirty="0">
                 <a:solidFill>
-                  <a:srgbClr val="C53929"/>
-                </a:solidFill>
-                <a:latin typeface="Roboto Mono"/>
-              </a:rPr>
-              <a:t>14</a:t>
+                  <a:srgbClr val="3F51B5"/>
+                </a:solidFill>
+                <a:latin typeface="Roboto Mono"/>
+              </a:rPr>
+              <a:t>(&amp;</a:t>
             </a:r>
             <a:r>
               <a:rPr lang="en-US" dirty="0">
@@ -10655,34 +12583,16 @@
                 </a:solidFill>
                 <a:latin typeface="Roboto Mono"/>
               </a:rPr>
-              <a:t> </a:t>
-            </a:r>
-            <a:r>
-              <a:rPr lang="en-US" dirty="0" err="1">
-                <a:solidFill>
-                  <a:srgbClr val="9C27B0"/>
-                </a:solidFill>
-                <a:latin typeface="Roboto Mono"/>
-              </a:rPr>
-              <a:t>pthread_t</a:t>
+              <a:t>step2_done</a:t>
             </a:r>
             <a:r>
               <a:rPr lang="en-US" dirty="0">
                 <a:solidFill>
-                  <a:srgbClr val="37474F"/>
-                </a:solidFill>
-                <a:latin typeface="Roboto Mono"/>
-              </a:rPr>
-              <a:t> c</a:t>
-            </a:r>
-            <a:r>
-              <a:rPr lang="en-US" dirty="0">
-                <a:solidFill>
-                  <a:srgbClr val="3F51B5"/>
-                </a:solidFill>
-                <a:latin typeface="Roboto Mono"/>
-              </a:rPr>
-              <a:t>;</a:t>
+                  <a:srgbClr val="3F51B5"/>
+                </a:solidFill>
+                <a:latin typeface="Roboto Mono"/>
+              </a:rPr>
+              <a:t>);</a:t>
             </a:r>
             <a:br>
               <a:rPr lang="en-US" dirty="0">
@@ -10695,110 +12605,11 @@
             <a:r>
               <a:rPr lang="en-US" dirty="0">
                 <a:solidFill>
-                  <a:srgbClr val="C53929"/>
-                </a:solidFill>
-                <a:latin typeface="Roboto Mono"/>
-              </a:rPr>
-              <a:t>15</a:t>
-            </a:r>
-            <a:r>
-              <a:rPr lang="en-US" dirty="0">
-                <a:solidFill>
-                  <a:srgbClr val="37474F"/>
-                </a:solidFill>
-                <a:latin typeface="Roboto Mono"/>
-              </a:rPr>
-              <a:t> </a:t>
-            </a:r>
-            <a:r>
-              <a:rPr lang="en-US" dirty="0" err="1">
-                <a:solidFill>
-                  <a:srgbClr val="9C27B0"/>
-                </a:solidFill>
-                <a:latin typeface="Roboto Mono"/>
-              </a:rPr>
-              <a:t>pthread_create</a:t>
-            </a:r>
-            <a:r>
-              <a:rPr lang="en-US" dirty="0">
-                <a:solidFill>
-                  <a:srgbClr val="3F51B5"/>
-                </a:solidFill>
-                <a:latin typeface="Roboto Mono"/>
-              </a:rPr>
-              <a:t>(&amp;</a:t>
-            </a:r>
-            <a:r>
-              <a:rPr lang="en-US" dirty="0">
-                <a:solidFill>
-                  <a:srgbClr val="37474F"/>
-                </a:solidFill>
-                <a:latin typeface="Roboto Mono"/>
-              </a:rPr>
-              <a:t>c</a:t>
-            </a:r>
-            <a:r>
-              <a:rPr lang="en-US" dirty="0">
-                <a:solidFill>
-                  <a:srgbClr val="3F51B5"/>
-                </a:solidFill>
-                <a:latin typeface="Roboto Mono"/>
-              </a:rPr>
-              <a:t>,</a:t>
-            </a:r>
-            <a:r>
-              <a:rPr lang="en-US" dirty="0">
-                <a:solidFill>
-                  <a:srgbClr val="37474F"/>
-                </a:solidFill>
-                <a:latin typeface="Roboto Mono"/>
-              </a:rPr>
-              <a:t> NULL</a:t>
-            </a:r>
-            <a:r>
-              <a:rPr lang="en-US" dirty="0">
-                <a:solidFill>
-                  <a:srgbClr val="3F51B5"/>
-                </a:solidFill>
-                <a:latin typeface="Roboto Mono"/>
-              </a:rPr>
-              <a:t>,</a:t>
-            </a:r>
-            <a:r>
-              <a:rPr lang="en-US" dirty="0">
-                <a:solidFill>
-                  <a:srgbClr val="37474F"/>
-                </a:solidFill>
-                <a:latin typeface="Roboto Mono"/>
-              </a:rPr>
-              <a:t> child</a:t>
-            </a:r>
-            <a:r>
-              <a:rPr lang="en-US" dirty="0">
-                <a:solidFill>
-                  <a:srgbClr val="3F51B5"/>
-                </a:solidFill>
-                <a:latin typeface="Roboto Mono"/>
-              </a:rPr>
-              <a:t>,</a:t>
-            </a:r>
-            <a:r>
-              <a:rPr lang="en-US" dirty="0">
-                <a:solidFill>
-                  <a:srgbClr val="37474F"/>
-                </a:solidFill>
-                <a:latin typeface="Roboto Mono"/>
-              </a:rPr>
-              <a:t> NULL</a:t>
-            </a:r>
-            <a:r>
-              <a:rPr lang="en-US" dirty="0">
-                <a:solidFill>
-                  <a:srgbClr val="3F51B5"/>
-                </a:solidFill>
-                <a:latin typeface="Roboto Mono"/>
-              </a:rPr>
-              <a:t>);</a:t>
+                  <a:srgbClr val="3F51B5"/>
+                </a:solidFill>
+                <a:latin typeface="Roboto Mono"/>
+              </a:rPr>
+              <a:t>}</a:t>
             </a:r>
             <a:br>
               <a:rPr lang="en-US" dirty="0">
@@ -10808,78 +12619,6 @@
                 <a:latin typeface="Roboto Mono"/>
               </a:rPr>
             </a:br>
-            <a:r>
-              <a:rPr lang="en-US" dirty="0">
-                <a:solidFill>
-                  <a:srgbClr val="C53929"/>
-                </a:solidFill>
-                <a:latin typeface="Roboto Mono"/>
-              </a:rPr>
-              <a:t>16</a:t>
-            </a:r>
-            <a:r>
-              <a:rPr lang="en-US" dirty="0">
-                <a:solidFill>
-                  <a:srgbClr val="37474F"/>
-                </a:solidFill>
-                <a:latin typeface="Roboto Mono"/>
-              </a:rPr>
-              <a:t> </a:t>
-            </a:r>
-            <a:r>
-              <a:rPr lang="en-US" dirty="0" err="1">
-                <a:solidFill>
-                  <a:srgbClr val="37474F"/>
-                </a:solidFill>
-                <a:latin typeface="Roboto Mono"/>
-              </a:rPr>
-              <a:t>sem_wait</a:t>
-            </a:r>
-            <a:r>
-              <a:rPr lang="en-US" dirty="0">
-                <a:solidFill>
-                  <a:srgbClr val="3F51B5"/>
-                </a:solidFill>
-                <a:latin typeface="Roboto Mono"/>
-              </a:rPr>
-              <a:t>(&amp;</a:t>
-            </a:r>
-            <a:r>
-              <a:rPr lang="en-US" dirty="0">
-                <a:solidFill>
-                  <a:srgbClr val="37474F"/>
-                </a:solidFill>
-                <a:latin typeface="Roboto Mono"/>
-              </a:rPr>
-              <a:t>s</a:t>
-            </a:r>
-            <a:r>
-              <a:rPr lang="en-US" dirty="0">
-                <a:solidFill>
-                  <a:srgbClr val="3F51B5"/>
-                </a:solidFill>
-                <a:latin typeface="Roboto Mono"/>
-              </a:rPr>
-              <a:t>);</a:t>
-            </a:r>
-            <a:r>
-              <a:rPr lang="en-US" dirty="0">
-                <a:solidFill>
-                  <a:srgbClr val="37474F"/>
-                </a:solidFill>
-                <a:latin typeface="Roboto Mono"/>
-              </a:rPr>
-              <a:t> </a:t>
-            </a:r>
-            <a:r>
-              <a:rPr lang="en-US" dirty="0">
-                <a:solidFill>
-                  <a:srgbClr val="D81B60"/>
-                </a:solidFill>
-                <a:latin typeface="Roboto Mono"/>
-              </a:rPr>
-              <a:t>// wait here for child</a:t>
-            </a:r>
             <a:br>
               <a:rPr lang="en-US" dirty="0">
                 <a:solidFill>
@@ -10891,11 +12630,11 @@
             <a:r>
               <a:rPr lang="en-US" dirty="0">
                 <a:solidFill>
-                  <a:srgbClr val="C53929"/>
-                </a:solidFill>
-                <a:latin typeface="Roboto Mono"/>
-              </a:rPr>
-              <a:t>17</a:t>
+                  <a:srgbClr val="3F51B5"/>
+                </a:solidFill>
+                <a:latin typeface="Roboto Mono"/>
+              </a:rPr>
+              <a:t>int</a:t>
             </a:r>
             <a:r>
               <a:rPr lang="en-US" dirty="0">
@@ -10904,6 +12643,24 @@
                 </a:solidFill>
                 <a:latin typeface="Roboto Mono"/>
               </a:rPr>
+              <a:t> main</a:t>
+            </a:r>
+            <a:r>
+              <a:rPr lang="en-US" dirty="0">
+                <a:solidFill>
+                  <a:srgbClr val="3F51B5"/>
+                </a:solidFill>
+                <a:latin typeface="Roboto Mono"/>
+              </a:rPr>
+              <a:t>(int</a:t>
+            </a:r>
+            <a:r>
+              <a:rPr lang="en-US" dirty="0">
+                <a:solidFill>
+                  <a:srgbClr val="37474F"/>
+                </a:solidFill>
+                <a:latin typeface="Roboto Mono"/>
+              </a:rPr>
               <a:t> </a:t>
             </a:r>
             <a:r>
@@ -10913,7 +12670,7 @@
                 </a:solidFill>
                 <a:latin typeface="Roboto Mono"/>
               </a:rPr>
-              <a:t>printf</a:t>
+              <a:t>argc</a:t>
             </a:r>
             <a:r>
               <a:rPr lang="en-US" dirty="0">
@@ -10922,16 +12679,16 @@
                 </a:solidFill>
                 <a:latin typeface="Roboto Mono"/>
               </a:rPr>
-              <a:t>(</a:t>
+              <a:t>,</a:t>
             </a:r>
             <a:r>
               <a:rPr lang="en-US" dirty="0">
                 <a:solidFill>
-                  <a:srgbClr val="388E3C"/>
-                </a:solidFill>
-                <a:latin typeface="Roboto Mono"/>
-              </a:rPr>
-              <a:t>"parent: end\n"</a:t>
+                  <a:srgbClr val="37474F"/>
+                </a:solidFill>
+                <a:latin typeface="Roboto Mono"/>
+              </a:rPr>
+              <a:t> </a:t>
             </a:r>
             <a:r>
               <a:rPr lang="en-US" dirty="0">
@@ -10940,7 +12697,61 @@
                 </a:solidFill>
                 <a:latin typeface="Roboto Mono"/>
               </a:rPr>
-              <a:t>);</a:t>
+              <a:t>char</a:t>
+            </a:r>
+            <a:r>
+              <a:rPr lang="en-US" dirty="0">
+                <a:solidFill>
+                  <a:srgbClr val="37474F"/>
+                </a:solidFill>
+                <a:latin typeface="Roboto Mono"/>
+              </a:rPr>
+              <a:t> </a:t>
+            </a:r>
+            <a:r>
+              <a:rPr lang="en-US" dirty="0">
+                <a:solidFill>
+                  <a:srgbClr val="3F51B5"/>
+                </a:solidFill>
+                <a:latin typeface="Roboto Mono"/>
+              </a:rPr>
+              <a:t>**</a:t>
+            </a:r>
+            <a:r>
+              <a:rPr lang="en-US" dirty="0" err="1">
+                <a:solidFill>
+                  <a:srgbClr val="37474F"/>
+                </a:solidFill>
+                <a:latin typeface="Roboto Mono"/>
+              </a:rPr>
+              <a:t>argv</a:t>
+            </a:r>
+            <a:r>
+              <a:rPr lang="en-US" dirty="0">
+                <a:solidFill>
+                  <a:srgbClr val="3F51B5"/>
+                </a:solidFill>
+                <a:latin typeface="Roboto Mono"/>
+              </a:rPr>
+              <a:t>)</a:t>
+            </a:r>
+            <a:r>
+              <a:rPr lang="en-US" dirty="0">
+                <a:solidFill>
+                  <a:srgbClr val="37474F"/>
+                </a:solidFill>
+                <a:latin typeface="Roboto Mono"/>
+              </a:rPr>
+              <a:t> </a:t>
+            </a:r>
+            <a:r>
+              <a:rPr lang="en-US" dirty="0">
+                <a:solidFill>
+                  <a:srgbClr val="3F51B5"/>
+                </a:solidFill>
+                <a:latin typeface="Roboto Mono"/>
+              </a:rPr>
+              <a:t>{</a:t>
             </a:r>
             <a:br>
               <a:rPr lang="en-US" dirty="0">
@@ -10951,17 +12762,71 @@
               </a:rPr>
             </a:br>
             <a:r>
+              <a:rPr lang="en-US" dirty="0" err="1">
+                <a:solidFill>
+                  <a:srgbClr val="37474F"/>
+                </a:solidFill>
+                <a:latin typeface="Roboto Mono"/>
+              </a:rPr>
+              <a:t>sem_init</a:t>
+            </a:r>
+            <a:r>
               <a:rPr lang="en-US" dirty="0">
                 <a:solidFill>
+                  <a:srgbClr val="3F51B5"/>
+                </a:solidFill>
+                <a:latin typeface="Roboto Mono"/>
+              </a:rPr>
+              <a:t>(&amp;</a:t>
+            </a:r>
+            <a:r>
+              <a:rPr lang="en-US" dirty="0">
+                <a:solidFill>
+                  <a:srgbClr val="37474F"/>
+                </a:solidFill>
+                <a:latin typeface="Roboto Mono"/>
+              </a:rPr>
+              <a:t>step1_done</a:t>
+            </a:r>
+            <a:r>
+              <a:rPr lang="en-US" dirty="0">
+                <a:solidFill>
+                  <a:srgbClr val="3F51B5"/>
+                </a:solidFill>
+                <a:latin typeface="Roboto Mono"/>
+              </a:rPr>
+              <a:t>,</a:t>
+            </a:r>
+            <a:r>
+              <a:rPr lang="en-US" dirty="0">
+                <a:solidFill>
+                  <a:srgbClr val="37474F"/>
+                </a:solidFill>
+                <a:latin typeface="Roboto Mono"/>
+              </a:rPr>
+              <a:t> </a:t>
+            </a:r>
+            <a:r>
+              <a:rPr lang="en-US" dirty="0">
+                <a:solidFill>
                   <a:srgbClr val="C53929"/>
                 </a:solidFill>
                 <a:latin typeface="Roboto Mono"/>
               </a:rPr>
-              <a:t>18</a:t>
+              <a:t>0</a:t>
             </a:r>
             <a:r>
               <a:rPr lang="en-US" dirty="0">
                 <a:solidFill>
+                  <a:srgbClr val="3F51B5"/>
+                </a:solidFill>
+                <a:latin typeface="Roboto Mono"/>
+              </a:rPr>
+              <a:t>,</a:t>
+            </a:r>
+            <a:r>
+              <a:rPr lang="en-US" dirty="0">
+                <a:solidFill>
                   <a:srgbClr val="37474F"/>
                 </a:solidFill>
                 <a:latin typeface="Roboto Mono"/>
@@ -10971,38 +12836,20 @@
             <a:r>
               <a:rPr lang="en-US" dirty="0">
                 <a:solidFill>
-                  <a:srgbClr val="3F51B5"/>
-                </a:solidFill>
-                <a:latin typeface="Roboto Mono"/>
-              </a:rPr>
-              <a:t>return</a:t>
+                  <a:srgbClr val="C53929"/>
+                </a:solidFill>
+                <a:latin typeface="Roboto Mono"/>
+              </a:rPr>
+              <a:t>0</a:t>
             </a:r>
             <a:r>
               <a:rPr lang="en-US" dirty="0">
                 <a:solidFill>
-                  <a:srgbClr val="37474F"/>
-                </a:solidFill>
-                <a:latin typeface="Roboto Mono"/>
-              </a:rPr>
-              <a:t> </a:t>
-            </a:r>
-            <a:r>
-              <a:rPr lang="en-US" dirty="0">
-                <a:solidFill>
-                  <a:srgbClr val="C53929"/>
-                </a:solidFill>
-                <a:latin typeface="Roboto Mono"/>
-              </a:rPr>
-              <a:t>0</a:t>
-            </a:r>
-            <a:r>
-              <a:rPr lang="en-US" dirty="0">
-                <a:solidFill>
-                  <a:srgbClr val="3F51B5"/>
-                </a:solidFill>
-                <a:latin typeface="Roboto Mono"/>
-              </a:rPr>
-              <a:t>;</a:t>
+                  <a:srgbClr val="3F51B5"/>
+                </a:solidFill>
+                <a:latin typeface="Roboto Mono"/>
+              </a:rPr>
+              <a:t>);</a:t>
             </a:r>
             <a:br>
               <a:rPr lang="en-US" dirty="0">
@@ -11013,23 +12860,120 @@
               </a:rPr>
             </a:br>
             <a:r>
+              <a:rPr lang="en-US" dirty="0" err="1">
+                <a:solidFill>
+                  <a:srgbClr val="37474F"/>
+                </a:solidFill>
+                <a:latin typeface="Roboto Mono"/>
+              </a:rPr>
+              <a:t>sem_init</a:t>
+            </a:r>
+            <a:r>
               <a:rPr lang="en-US" dirty="0">
                 <a:solidFill>
+                  <a:srgbClr val="3F51B5"/>
+                </a:solidFill>
+                <a:latin typeface="Roboto Mono"/>
+              </a:rPr>
+              <a:t>(&amp;</a:t>
+            </a:r>
+            <a:r>
+              <a:rPr lang="en-US" dirty="0">
+                <a:solidFill>
+                  <a:srgbClr val="37474F"/>
+                </a:solidFill>
+                <a:latin typeface="Roboto Mono"/>
+              </a:rPr>
+              <a:t>step2_done</a:t>
+            </a:r>
+            <a:r>
+              <a:rPr lang="en-US" dirty="0">
+                <a:solidFill>
+                  <a:srgbClr val="3F51B5"/>
+                </a:solidFill>
+                <a:latin typeface="Roboto Mono"/>
+              </a:rPr>
+              <a:t>,</a:t>
+            </a:r>
+            <a:r>
+              <a:rPr lang="en-US" dirty="0">
+                <a:solidFill>
+                  <a:srgbClr val="37474F"/>
+                </a:solidFill>
+                <a:latin typeface="Roboto Mono"/>
+              </a:rPr>
+              <a:t> </a:t>
+            </a:r>
+            <a:r>
+              <a:rPr lang="en-US" dirty="0">
+                <a:solidFill>
                   <a:srgbClr val="C53929"/>
                 </a:solidFill>
                 <a:latin typeface="Roboto Mono"/>
               </a:rPr>
-              <a:t>19</a:t>
+              <a:t>0</a:t>
             </a:r>
             <a:r>
               <a:rPr lang="en-US" dirty="0">
                 <a:solidFill>
+                  <a:srgbClr val="3F51B5"/>
+                </a:solidFill>
+                <a:latin typeface="Roboto Mono"/>
+              </a:rPr>
+              <a:t>,</a:t>
+            </a:r>
+            <a:r>
+              <a:rPr lang="en-US" dirty="0">
+                <a:solidFill>
                   <a:srgbClr val="37474F"/>
                 </a:solidFill>
                 <a:latin typeface="Roboto Mono"/>
               </a:rPr>
               <a:t> </a:t>
             </a:r>
+            <a:r>
+              <a:rPr lang="en-US" dirty="0">
+                <a:solidFill>
+                  <a:srgbClr val="C53929"/>
+                </a:solidFill>
+                <a:latin typeface="Roboto Mono"/>
+              </a:rPr>
+              <a:t>0</a:t>
+            </a:r>
+            <a:r>
+              <a:rPr lang="en-US" dirty="0">
+                <a:solidFill>
+                  <a:srgbClr val="3F51B5"/>
+                </a:solidFill>
+                <a:latin typeface="Roboto Mono"/>
+              </a:rPr>
+              <a:t>);</a:t>
+            </a:r>
+            <a:br>
+              <a:rPr lang="en-US" dirty="0">
+                <a:solidFill>
+                  <a:srgbClr val="37474F"/>
+                </a:solidFill>
+                <a:latin typeface="Roboto Mono"/>
+              </a:rPr>
+            </a:br>
+            <a:r>
+              <a:rPr lang="en-US" dirty="0">
+                <a:solidFill>
+                  <a:srgbClr val="D81B60"/>
+                </a:solidFill>
+                <a:latin typeface="Roboto Mono"/>
+              </a:rPr>
+              <a:t>//blah blah blah</a:t>
+            </a:r>
+            <a:br>
+              <a:rPr lang="en-US" dirty="0">
+                <a:solidFill>
+                  <a:srgbClr val="37474F"/>
+                </a:solidFill>
+                <a:latin typeface="Roboto Mono"/>
+              </a:rPr>
+            </a:br>
             <a:r>
               <a:rPr lang="en-US" dirty="0">
                 <a:solidFill>
@@ -11046,166 +12990,13 @@
               <a:rPr lang="en-US" dirty="0"/>
             </a:br>
             <a:endParaRPr lang="en-US" dirty="0"/>
-          </a:p>
-        </p:txBody>
-      </p:sp>
-      <p:sp>
-        <p:nvSpPr>
-          <p:cNvPr id="6" name="Rectangle 5">
-            <a:extLst>
-              <a:ext uri="{FF2B5EF4-FFF2-40B4-BE49-F238E27FC236}">
-                <a16:creationId xmlns:a16="http://schemas.microsoft.com/office/drawing/2014/main" id="{7B785457-4094-4622-92F1-D88F0586368B}"/>
-              </a:ext>
-            </a:extLst>
-          </p:cNvPr>
-          <p:cNvSpPr/>
-          <p:nvPr/>
-        </p:nvSpPr>
-        <p:spPr>
-          <a:xfrm>
-            <a:off x="6288350" y="3349075"/>
-            <a:ext cx="1959005" cy="1200329"/>
-          </a:xfrm>
-          <a:prstGeom prst="rect">
-            <a:avLst/>
-          </a:prstGeom>
-          <a:noFill/>
-          <a:ln w="9525" cap="flat" cmpd="sng" algn="ctr">
-            <a:solidFill>
-              <a:schemeClr val="accent1"/>
-            </a:solidFill>
-            <a:prstDash val="solid"/>
-            <a:round/>
-            <a:headEnd type="none" w="med" len="med"/>
-            <a:tailEnd type="none" w="med" len="med"/>
-          </a:ln>
-        </p:spPr>
-        <p:style>
-          <a:lnRef idx="0">
-            <a:scrgbClr r="0" g="0" b="0"/>
-          </a:lnRef>
-          <a:fillRef idx="0">
-            <a:scrgbClr r="0" g="0" b="0"/>
-          </a:fillRef>
-          <a:effectRef idx="0">
-            <a:scrgbClr r="0" g="0" b="0"/>
-          </a:effectRef>
-          <a:fontRef idx="minor">
-            <a:schemeClr val="accent1"/>
-          </a:fontRef>
-        </p:style>
-        <p:txBody>
-          <a:bodyPr wrap="square">
-            <a:spAutoFit/>
-          </a:bodyPr>
-          <a:lstStyle/>
-          <a:p>
-            <a:r>
-              <a:rPr lang="en-US" sz="2400" dirty="0"/>
-              <a:t>parent: begin</a:t>
-            </a:r>
-          </a:p>
-          <a:p>
-            <a:r>
-              <a:rPr lang="en-US" sz="2400" dirty="0"/>
-              <a:t>child</a:t>
-            </a:r>
-          </a:p>
-          <a:p>
-            <a:r>
-              <a:rPr lang="en-US" sz="2400" dirty="0"/>
-              <a:t>parent: end</a:t>
-            </a:r>
-          </a:p>
-        </p:txBody>
-      </p:sp>
-      <p:sp>
-        <p:nvSpPr>
-          <p:cNvPr id="7" name="TextBox 6">
-            <a:extLst>
-              <a:ext uri="{FF2B5EF4-FFF2-40B4-BE49-F238E27FC236}">
-                <a16:creationId xmlns:a16="http://schemas.microsoft.com/office/drawing/2014/main" id="{0B616FEA-CB0D-4AE3-AE90-9ABE00CF98ED}"/>
-              </a:ext>
-            </a:extLst>
-          </p:cNvPr>
-          <p:cNvSpPr txBox="1"/>
-          <p:nvPr/>
-        </p:nvSpPr>
-        <p:spPr>
-          <a:xfrm>
-            <a:off x="6134470" y="2883879"/>
-            <a:ext cx="2902998" cy="461665"/>
-          </a:xfrm>
-          <a:prstGeom prst="rect">
-            <a:avLst/>
-          </a:prstGeom>
-          <a:noFill/>
-        </p:spPr>
-        <p:txBody>
-          <a:bodyPr wrap="square" rtlCol="0">
-            <a:spAutoFit/>
-          </a:bodyPr>
-          <a:lstStyle/>
-          <a:p>
-            <a:r>
-              <a:rPr lang="en-US" sz="2400" dirty="0"/>
-              <a:t>Desired output order:</a:t>
-            </a:r>
-          </a:p>
-        </p:txBody>
-      </p:sp>
-      <p:sp>
-        <p:nvSpPr>
-          <p:cNvPr id="8" name="TextBox 7">
-            <a:extLst>
-              <a:ext uri="{FF2B5EF4-FFF2-40B4-BE49-F238E27FC236}">
-                <a16:creationId xmlns:a16="http://schemas.microsoft.com/office/drawing/2014/main" id="{CFF673C6-5D89-4A4B-9F58-761A89FD1C5A}"/>
-              </a:ext>
-            </a:extLst>
-          </p:cNvPr>
-          <p:cNvSpPr txBox="1"/>
-          <p:nvPr/>
-        </p:nvSpPr>
-        <p:spPr>
-          <a:xfrm>
-            <a:off x="6094520" y="4856086"/>
-            <a:ext cx="2996214" cy="523220"/>
-          </a:xfrm>
-          <a:prstGeom prst="rect">
-            <a:avLst/>
-          </a:prstGeom>
-        </p:spPr>
-        <p:style>
-          <a:lnRef idx="1">
-            <a:schemeClr val="accent2"/>
-          </a:lnRef>
-          <a:fillRef idx="3">
-            <a:schemeClr val="accent2"/>
-          </a:fillRef>
-          <a:effectRef idx="2">
-            <a:schemeClr val="accent2"/>
-          </a:effectRef>
-          <a:fontRef idx="minor">
-            <a:schemeClr val="lt1"/>
-          </a:fontRef>
-        </p:style>
-        <p:txBody>
-          <a:bodyPr wrap="square" rtlCol="0">
-            <a:spAutoFit/>
-          </a:bodyPr>
-          <a:lstStyle/>
-          <a:p>
-            <a:r>
-              <a:rPr lang="en-US" sz="2800" dirty="0"/>
-              <a:t>What should X be?</a:t>
-            </a:r>
           </a:p>
         </p:txBody>
       </p:sp>
     </p:spTree>
     <p:extLst>
       <p:ext uri="{BB962C8B-B14F-4D97-AF65-F5344CB8AC3E}">
-        <p14:creationId xmlns:p14="http://schemas.microsoft.com/office/powerpoint/2010/main" val="1171225505"/>
+        <p14:creationId xmlns:p14="http://schemas.microsoft.com/office/powerpoint/2010/main" val="3577776162"/>
       </p:ext>
     </p:extLst>
   </p:cSld>
@@ -11215,7 +13006,7 @@
 </p:sld>
 </file>
 
-<file path=ppt/slides/slide7.xml><?xml version="1.0" encoding="utf-8"?>
+<file path=ppt/slides/slide8.xml><?xml version="1.0" encoding="utf-8"?>
 <p:sld xmlns:a="http://schemas.openxmlformats.org/drawingml/2006/main" xmlns:r="http://schemas.openxmlformats.org/officeDocument/2006/relationships" xmlns:p="http://schemas.openxmlformats.org/presentationml/2006/main">
   <p:cSld>
     <p:spTree>
@@ -11322,23 +13113,7 @@
                   <a:srgbClr val="C00000"/>
                 </a:solidFill>
               </a:rPr>
-              <a:t>put(</a:t>
-            </a:r>
-            <a:r>
-              <a:rPr lang="en-US" dirty="0" err="1">
-                <a:solidFill>
-                  <a:srgbClr val="C00000"/>
-                </a:solidFill>
-              </a:rPr>
-              <a:t>i</a:t>
-            </a:r>
-            <a:r>
-              <a:rPr lang="en-US" dirty="0">
-                <a:solidFill>
-                  <a:srgbClr val="C00000"/>
-                </a:solidFill>
-              </a:rPr>
-              <a:t>)</a:t>
+              <a:t>put(value)</a:t>
             </a:r>
           </a:p>
           <a:p>
@@ -11850,7 +13625,7 @@
                 </a:solidFill>
                 <a:latin typeface="Roboto Mono"/>
               </a:rPr>
-              <a:t> fill </a:t>
+              <a:t> (fill </a:t>
             </a:r>
             <a:r>
               <a:rPr lang="en-US" sz="2400" dirty="0">
@@ -11878,6 +13653,15 @@
                 <a:latin typeface="Roboto Mono"/>
               </a:rPr>
               <a:t>1</a:t>
+            </a:r>
+            <a:r>
+              <a:rPr lang="en-US" sz="2400" dirty="0">
+                <a:solidFill>
+                  <a:srgbClr val="37474F"/>
+                </a:solidFill>
+                <a:latin typeface="Roboto Mono"/>
+              </a:rPr>
+              <a:t>)%MAX</a:t>
             </a:r>
             <a:r>
               <a:rPr lang="en-US" sz="2400" dirty="0">
@@ -12136,6 +13920,24 @@
                 </a:solidFill>
                 <a:latin typeface="Roboto Mono"/>
               </a:rPr>
+              <a:t> (</a:t>
+            </a:r>
+            <a:r>
+              <a:rPr lang="en-US" sz="2400" dirty="0">
+                <a:solidFill>
+                  <a:srgbClr val="3F51B5"/>
+                </a:solidFill>
+                <a:latin typeface="Roboto Mono"/>
+              </a:rPr>
+              <a:t>use</a:t>
+            </a:r>
+            <a:r>
+              <a:rPr lang="en-US" sz="2400" dirty="0">
+                <a:solidFill>
+                  <a:srgbClr val="37474F"/>
+                </a:solidFill>
+                <a:latin typeface="Roboto Mono"/>
+              </a:rPr>
               <a:t> </a:t>
             </a:r>
             <a:r>
@@ -12145,7 +13947,7 @@
                 </a:solidFill>
                 <a:latin typeface="Roboto Mono"/>
               </a:rPr>
-              <a:t>use</a:t>
+              <a:t>+</a:t>
             </a:r>
             <a:r>
               <a:rPr lang="en-US" sz="2400" dirty="0">
@@ -12159,11 +13961,11 @@
             <a:r>
               <a:rPr lang="en-US" sz="2400" dirty="0">
                 <a:solidFill>
-                  <a:srgbClr val="3F51B5"/>
-                </a:solidFill>
-                <a:latin typeface="Roboto Mono"/>
-              </a:rPr>
-              <a:t>-</a:t>
+                  <a:srgbClr val="C53929"/>
+                </a:solidFill>
+                <a:latin typeface="Roboto Mono"/>
+              </a:rPr>
+              <a:t>1</a:t>
             </a:r>
             <a:r>
               <a:rPr lang="en-US" sz="2400" dirty="0">
@@ -12172,16 +13974,7 @@
                 </a:solidFill>
                 <a:latin typeface="Roboto Mono"/>
               </a:rPr>
-              <a:t> </a:t>
-            </a:r>
-            <a:r>
-              <a:rPr lang="en-US" sz="2400" dirty="0">
-                <a:solidFill>
-                  <a:srgbClr val="C53929"/>
-                </a:solidFill>
-                <a:latin typeface="Roboto Mono"/>
-              </a:rPr>
-              <a:t>1</a:t>
+              <a:t>)%MAX</a:t>
             </a:r>
             <a:r>
               <a:rPr lang="en-US" sz="2400" dirty="0">
@@ -12279,7 +14072,7 @@
 </p:sld>
 </file>
 
-<file path=ppt/slides/slide8.xml><?xml version="1.0" encoding="utf-8"?>
+<file path=ppt/slides/slide9.xml><?xml version="1.0" encoding="utf-8"?>
 <p:sld xmlns:a="http://schemas.openxmlformats.org/drawingml/2006/main" xmlns:r="http://schemas.openxmlformats.org/officeDocument/2006/relationships" xmlns:p="http://schemas.openxmlformats.org/presentationml/2006/main">
   <p:cSld>
     <p:spTree>
@@ -12360,19 +14153,7 @@
                   <a:srgbClr val="C00000"/>
                 </a:solidFill>
               </a:rPr>
-              <a:t>NOT</a:t>
-            </a:r>
-            <a:r>
-              <a:rPr lang="en-US" dirty="0"/>
-              <a:t> </a:t>
-            </a:r>
-            <a:r>
-              <a:rPr lang="en-US" dirty="0">
-                <a:solidFill>
-                  <a:srgbClr val="C00000"/>
-                </a:solidFill>
-              </a:rPr>
-              <a:t>empty</a:t>
+              <a:t>full &gt; 0</a:t>
             </a:r>
           </a:p>
           <a:p>
@@ -12386,7 +14167,7 @@
                   <a:srgbClr val="C00000"/>
                 </a:solidFill>
               </a:rPr>
-              <a:t>NOT full</a:t>
+              <a:t>empty &gt; 0</a:t>
             </a:r>
           </a:p>
           <a:p>
@@ -14189,1904 +15970,6 @@
       <p:bldP spid="5" grpId="0" animBg="1"/>
       <p:bldP spid="7" grpId="0" animBg="1"/>
       <p:bldP spid="8" grpId="0" animBg="1"/>
-    </p:bldLst>
-  </p:timing>
-</p:sld>
-</file>
-
-<file path=ppt/slides/slide9.xml><?xml version="1.0" encoding="utf-8"?>
-<p:sld xmlns:a="http://schemas.openxmlformats.org/drawingml/2006/main" xmlns:r="http://schemas.openxmlformats.org/officeDocument/2006/relationships" xmlns:p="http://schemas.openxmlformats.org/presentationml/2006/main">
-  <p:cSld>
-    <p:spTree>
-      <p:nvGrpSpPr>
-        <p:cNvPr id="1" name=""/>
-        <p:cNvGrpSpPr/>
-        <p:nvPr/>
-      </p:nvGrpSpPr>
-      <p:grpSpPr>
-        <a:xfrm>
-          <a:off x="0" y="0"/>
-          <a:ext cx="0" cy="0"/>
-          <a:chOff x="0" y="0"/>
-          <a:chExt cx="0" cy="0"/>
-        </a:xfrm>
-      </p:grpSpPr>
-      <p:sp>
-        <p:nvSpPr>
-          <p:cNvPr id="2" name="Title 1">
-            <a:extLst>
-              <a:ext uri="{FF2B5EF4-FFF2-40B4-BE49-F238E27FC236}">
-                <a16:creationId xmlns:a16="http://schemas.microsoft.com/office/drawing/2014/main" id="{881EE57D-6C31-4026-B38B-CC49E8619D20}"/>
-              </a:ext>
-            </a:extLst>
-          </p:cNvPr>
-          <p:cNvSpPr>
-            <a:spLocks noGrp="1"/>
-          </p:cNvSpPr>
-          <p:nvPr>
-            <p:ph type="title"/>
-          </p:nvPr>
-        </p:nvSpPr>
-        <p:spPr/>
-        <p:txBody>
-          <a:bodyPr/>
-          <a:lstStyle/>
-          <a:p>
-            <a:r>
-              <a:rPr lang="en-US" dirty="0"/>
-              <a:t>Solution #2</a:t>
-            </a:r>
-          </a:p>
-        </p:txBody>
-      </p:sp>
-      <p:sp>
-        <p:nvSpPr>
-          <p:cNvPr id="3" name="Content Placeholder 2">
-            <a:extLst>
-              <a:ext uri="{FF2B5EF4-FFF2-40B4-BE49-F238E27FC236}">
-                <a16:creationId xmlns:a16="http://schemas.microsoft.com/office/drawing/2014/main" id="{0CA91EFF-2E18-4F89-B0E8-4361B4E1FBAF}"/>
-              </a:ext>
-            </a:extLst>
-          </p:cNvPr>
-          <p:cNvSpPr>
-            <a:spLocks noGrp="1"/>
-          </p:cNvSpPr>
-          <p:nvPr>
-            <p:ph idx="1"/>
-          </p:nvPr>
-        </p:nvSpPr>
-        <p:spPr>
-          <a:xfrm>
-            <a:off x="838200" y="1390619"/>
-            <a:ext cx="10515600" cy="4895850"/>
-          </a:xfrm>
-        </p:spPr>
-        <p:txBody>
-          <a:bodyPr/>
-          <a:lstStyle/>
-          <a:p>
-            <a:r>
-              <a:rPr lang="en-US" dirty="0"/>
-              <a:t>Let’s use a lock to protect the buffer</a:t>
-            </a:r>
-            <a:endParaRPr lang="en-US" dirty="0">
-              <a:solidFill>
-                <a:srgbClr val="C00000"/>
-              </a:solidFill>
-            </a:endParaRPr>
-          </a:p>
-          <a:p>
-            <a:endParaRPr lang="en-US" dirty="0"/>
-          </a:p>
-        </p:txBody>
-      </p:sp>
-      <p:sp>
-        <p:nvSpPr>
-          <p:cNvPr id="4" name="Rectangle 3">
-            <a:extLst>
-              <a:ext uri="{FF2B5EF4-FFF2-40B4-BE49-F238E27FC236}">
-                <a16:creationId xmlns:a16="http://schemas.microsoft.com/office/drawing/2014/main" id="{CF7D4D0F-9CFC-41C9-8186-4250772F3F8A}"/>
-              </a:ext>
-            </a:extLst>
-          </p:cNvPr>
-          <p:cNvSpPr/>
-          <p:nvPr/>
-        </p:nvSpPr>
-        <p:spPr>
-          <a:xfrm>
-            <a:off x="3500761" y="2049393"/>
-            <a:ext cx="2580443" cy="369332"/>
-          </a:xfrm>
-          <a:prstGeom prst="rect">
-            <a:avLst/>
-          </a:prstGeom>
-          <a:noFill/>
-          <a:ln w="9525" cap="flat" cmpd="sng" algn="ctr">
-            <a:solidFill>
-              <a:schemeClr val="accent1"/>
-            </a:solidFill>
-            <a:prstDash val="solid"/>
-            <a:round/>
-            <a:headEnd type="none" w="med" len="med"/>
-            <a:tailEnd type="none" w="med" len="med"/>
-          </a:ln>
-        </p:spPr>
-        <p:style>
-          <a:lnRef idx="0">
-            <a:scrgbClr r="0" g="0" b="0"/>
-          </a:lnRef>
-          <a:fillRef idx="0">
-            <a:scrgbClr r="0" g="0" b="0"/>
-          </a:fillRef>
-          <a:effectRef idx="0">
-            <a:scrgbClr r="0" g="0" b="0"/>
-          </a:effectRef>
-          <a:fontRef idx="minor">
-            <a:schemeClr val="accent1"/>
-          </a:fontRef>
-        </p:style>
-        <p:txBody>
-          <a:bodyPr wrap="square">
-            <a:spAutoFit/>
-          </a:bodyPr>
-          <a:lstStyle/>
-          <a:p>
-            <a:r>
-              <a:rPr lang="pt-BR" dirty="0">
-                <a:solidFill>
-                  <a:srgbClr val="37474F"/>
-                </a:solidFill>
-                <a:latin typeface="Roboto Mono"/>
-              </a:rPr>
-              <a:t>sem_init</a:t>
-            </a:r>
-            <a:r>
-              <a:rPr lang="pt-BR" dirty="0">
-                <a:solidFill>
-                  <a:srgbClr val="3F51B5"/>
-                </a:solidFill>
-                <a:latin typeface="Roboto Mono"/>
-              </a:rPr>
-              <a:t>(&amp;</a:t>
-            </a:r>
-            <a:r>
-              <a:rPr lang="pt-BR" dirty="0">
-                <a:solidFill>
-                  <a:srgbClr val="37474F"/>
-                </a:solidFill>
-                <a:latin typeface="Roboto Mono"/>
-              </a:rPr>
-              <a:t>lock</a:t>
-            </a:r>
-            <a:r>
-              <a:rPr lang="pt-BR" dirty="0">
-                <a:solidFill>
-                  <a:srgbClr val="3F51B5"/>
-                </a:solidFill>
-                <a:latin typeface="Roboto Mono"/>
-              </a:rPr>
-              <a:t>,</a:t>
-            </a:r>
-            <a:r>
-              <a:rPr lang="pt-BR" dirty="0">
-                <a:solidFill>
-                  <a:srgbClr val="37474F"/>
-                </a:solidFill>
-                <a:latin typeface="Roboto Mono"/>
-              </a:rPr>
-              <a:t> </a:t>
-            </a:r>
-            <a:r>
-              <a:rPr lang="pt-BR" dirty="0">
-                <a:solidFill>
-                  <a:srgbClr val="C53929"/>
-                </a:solidFill>
-                <a:latin typeface="Roboto Mono"/>
-              </a:rPr>
-              <a:t>0</a:t>
-            </a:r>
-            <a:r>
-              <a:rPr lang="pt-BR" dirty="0">
-                <a:solidFill>
-                  <a:srgbClr val="3F51B5"/>
-                </a:solidFill>
-                <a:latin typeface="Roboto Mono"/>
-              </a:rPr>
-              <a:t>,</a:t>
-            </a:r>
-            <a:r>
-              <a:rPr lang="pt-BR" dirty="0">
-                <a:solidFill>
-                  <a:srgbClr val="37474F"/>
-                </a:solidFill>
-                <a:latin typeface="Roboto Mono"/>
-              </a:rPr>
-              <a:t> </a:t>
-            </a:r>
-            <a:r>
-              <a:rPr lang="pt-BR" dirty="0">
-                <a:solidFill>
-                  <a:srgbClr val="C53929"/>
-                </a:solidFill>
-                <a:latin typeface="Roboto Mono"/>
-              </a:rPr>
-              <a:t>1</a:t>
-            </a:r>
-            <a:r>
-              <a:rPr lang="pt-BR" dirty="0">
-                <a:solidFill>
-                  <a:srgbClr val="3F51B5"/>
-                </a:solidFill>
-                <a:latin typeface="Roboto Mono"/>
-              </a:rPr>
-              <a:t>);</a:t>
-            </a:r>
-            <a:endParaRPr lang="en-US" dirty="0"/>
-          </a:p>
-        </p:txBody>
-      </p:sp>
-      <p:sp>
-        <p:nvSpPr>
-          <p:cNvPr id="5" name="Rectangle 4">
-            <a:extLst>
-              <a:ext uri="{FF2B5EF4-FFF2-40B4-BE49-F238E27FC236}">
-                <a16:creationId xmlns:a16="http://schemas.microsoft.com/office/drawing/2014/main" id="{EA2A4411-2DBC-487C-A0EB-C727B4C21160}"/>
-              </a:ext>
-            </a:extLst>
-          </p:cNvPr>
-          <p:cNvSpPr/>
-          <p:nvPr/>
-        </p:nvSpPr>
-        <p:spPr>
-          <a:xfrm>
-            <a:off x="5666912" y="2578431"/>
-            <a:ext cx="5243744" cy="3477875"/>
-          </a:xfrm>
-          <a:prstGeom prst="rect">
-            <a:avLst/>
-          </a:prstGeom>
-          <a:noFill/>
-          <a:ln w="9525" cap="flat" cmpd="sng" algn="ctr">
-            <a:solidFill>
-              <a:schemeClr val="accent1"/>
-            </a:solidFill>
-            <a:prstDash val="solid"/>
-            <a:round/>
-            <a:headEnd type="none" w="med" len="med"/>
-            <a:tailEnd type="none" w="med" len="med"/>
-          </a:ln>
-        </p:spPr>
-        <p:style>
-          <a:lnRef idx="0">
-            <a:scrgbClr r="0" g="0" b="0"/>
-          </a:lnRef>
-          <a:fillRef idx="0">
-            <a:scrgbClr r="0" g="0" b="0"/>
-          </a:fillRef>
-          <a:effectRef idx="0">
-            <a:scrgbClr r="0" g="0" b="0"/>
-          </a:effectRef>
-          <a:fontRef idx="minor">
-            <a:schemeClr val="accent1"/>
-          </a:fontRef>
-        </p:style>
-        <p:txBody>
-          <a:bodyPr wrap="square">
-            <a:spAutoFit/>
-          </a:bodyPr>
-          <a:lstStyle/>
-          <a:p>
-            <a:r>
-              <a:rPr lang="en-US" sz="2000" dirty="0">
-                <a:solidFill>
-                  <a:srgbClr val="3F51B5"/>
-                </a:solidFill>
-                <a:latin typeface="Roboto Mono"/>
-              </a:rPr>
-              <a:t>void</a:t>
-            </a:r>
-            <a:r>
-              <a:rPr lang="en-US" sz="2000" dirty="0">
-                <a:solidFill>
-                  <a:srgbClr val="37474F"/>
-                </a:solidFill>
-                <a:latin typeface="Roboto Mono"/>
-              </a:rPr>
-              <a:t> </a:t>
-            </a:r>
-            <a:r>
-              <a:rPr lang="en-US" sz="2000" dirty="0">
-                <a:solidFill>
-                  <a:srgbClr val="3F51B5"/>
-                </a:solidFill>
-                <a:latin typeface="Roboto Mono"/>
-              </a:rPr>
-              <a:t>*</a:t>
-            </a:r>
-            <a:r>
-              <a:rPr lang="en-US" sz="2000" dirty="0">
-                <a:solidFill>
-                  <a:srgbClr val="37474F"/>
-                </a:solidFill>
-                <a:latin typeface="Roboto Mono"/>
-              </a:rPr>
-              <a:t>consumer</a:t>
-            </a:r>
-            <a:r>
-              <a:rPr lang="en-US" sz="2000" dirty="0">
-                <a:solidFill>
-                  <a:srgbClr val="3F51B5"/>
-                </a:solidFill>
-                <a:latin typeface="Roboto Mono"/>
-              </a:rPr>
-              <a:t>(void</a:t>
-            </a:r>
-            <a:r>
-              <a:rPr lang="en-US" sz="2000" dirty="0">
-                <a:solidFill>
-                  <a:srgbClr val="37474F"/>
-                </a:solidFill>
-                <a:latin typeface="Roboto Mono"/>
-              </a:rPr>
-              <a:t> </a:t>
-            </a:r>
-            <a:r>
-              <a:rPr lang="en-US" sz="2000" dirty="0">
-                <a:solidFill>
-                  <a:srgbClr val="3F51B5"/>
-                </a:solidFill>
-                <a:latin typeface="Roboto Mono"/>
-              </a:rPr>
-              <a:t>*</a:t>
-            </a:r>
-            <a:r>
-              <a:rPr lang="en-US" sz="2000" dirty="0" err="1">
-                <a:solidFill>
-                  <a:srgbClr val="37474F"/>
-                </a:solidFill>
-                <a:latin typeface="Roboto Mono"/>
-              </a:rPr>
-              <a:t>arg</a:t>
-            </a:r>
-            <a:r>
-              <a:rPr lang="en-US" sz="2000" dirty="0">
-                <a:solidFill>
-                  <a:srgbClr val="3F51B5"/>
-                </a:solidFill>
-                <a:latin typeface="Roboto Mono"/>
-              </a:rPr>
-              <a:t>)</a:t>
-            </a:r>
-            <a:r>
-              <a:rPr lang="en-US" sz="2000" dirty="0">
-                <a:solidFill>
-                  <a:srgbClr val="37474F"/>
-                </a:solidFill>
-                <a:latin typeface="Roboto Mono"/>
-              </a:rPr>
-              <a:t> </a:t>
-            </a:r>
-            <a:r>
-              <a:rPr lang="en-US" sz="2000" dirty="0">
-                <a:solidFill>
-                  <a:srgbClr val="3F51B5"/>
-                </a:solidFill>
-                <a:latin typeface="Roboto Mono"/>
-              </a:rPr>
-              <a:t>{</a:t>
-            </a:r>
-            <a:br>
-              <a:rPr lang="en-US" sz="2000" dirty="0">
-                <a:solidFill>
-                  <a:srgbClr val="37474F"/>
-                </a:solidFill>
-                <a:latin typeface="Roboto Mono"/>
-              </a:rPr>
-            </a:br>
-            <a:r>
-              <a:rPr lang="en-US" sz="2000" dirty="0">
-                <a:solidFill>
-                  <a:srgbClr val="37474F"/>
-                </a:solidFill>
-                <a:latin typeface="Roboto Mono"/>
-              </a:rPr>
-              <a:t>       </a:t>
-            </a:r>
-            <a:r>
-              <a:rPr lang="en-US" sz="2000" dirty="0">
-                <a:solidFill>
-                  <a:srgbClr val="3F51B5"/>
-                </a:solidFill>
-                <a:latin typeface="Roboto Mono"/>
-              </a:rPr>
-              <a:t>int</a:t>
-            </a:r>
-            <a:r>
-              <a:rPr lang="en-US" sz="2000" dirty="0">
-                <a:solidFill>
-                  <a:srgbClr val="37474F"/>
-                </a:solidFill>
-                <a:latin typeface="Roboto Mono"/>
-              </a:rPr>
-              <a:t> </a:t>
-            </a:r>
-            <a:r>
-              <a:rPr lang="en-US" sz="2000" dirty="0" err="1">
-                <a:solidFill>
-                  <a:srgbClr val="37474F"/>
-                </a:solidFill>
-                <a:latin typeface="Roboto Mono"/>
-              </a:rPr>
-              <a:t>i</a:t>
-            </a:r>
-            <a:r>
-              <a:rPr lang="en-US" sz="2000" dirty="0">
-                <a:solidFill>
-                  <a:srgbClr val="3F51B5"/>
-                </a:solidFill>
-                <a:latin typeface="Roboto Mono"/>
-              </a:rPr>
-              <a:t>;</a:t>
-            </a:r>
-            <a:br>
-              <a:rPr lang="en-US" sz="2000" dirty="0">
-                <a:solidFill>
-                  <a:srgbClr val="37474F"/>
-                </a:solidFill>
-                <a:latin typeface="Roboto Mono"/>
-              </a:rPr>
-            </a:br>
-            <a:r>
-              <a:rPr lang="en-US" sz="2000" dirty="0">
-                <a:solidFill>
-                  <a:srgbClr val="37474F"/>
-                </a:solidFill>
-                <a:latin typeface="Roboto Mono"/>
-              </a:rPr>
-              <a:t>       </a:t>
-            </a:r>
-            <a:r>
-              <a:rPr lang="en-US" sz="2000" dirty="0">
-                <a:solidFill>
-                  <a:srgbClr val="3F51B5"/>
-                </a:solidFill>
-                <a:latin typeface="Roboto Mono"/>
-              </a:rPr>
-              <a:t>for</a:t>
-            </a:r>
-            <a:r>
-              <a:rPr lang="en-US" sz="2000" dirty="0">
-                <a:solidFill>
-                  <a:srgbClr val="37474F"/>
-                </a:solidFill>
-                <a:latin typeface="Roboto Mono"/>
-              </a:rPr>
-              <a:t> </a:t>
-            </a:r>
-            <a:r>
-              <a:rPr lang="en-US" sz="2000" dirty="0">
-                <a:solidFill>
-                  <a:srgbClr val="3F51B5"/>
-                </a:solidFill>
-                <a:latin typeface="Roboto Mono"/>
-              </a:rPr>
-              <a:t>(</a:t>
-            </a:r>
-            <a:r>
-              <a:rPr lang="en-US" sz="2000" dirty="0" err="1">
-                <a:solidFill>
-                  <a:srgbClr val="37474F"/>
-                </a:solidFill>
-                <a:latin typeface="Roboto Mono"/>
-              </a:rPr>
-              <a:t>i</a:t>
-            </a:r>
-            <a:r>
-              <a:rPr lang="en-US" sz="2000" dirty="0">
-                <a:solidFill>
-                  <a:srgbClr val="37474F"/>
-                </a:solidFill>
-                <a:latin typeface="Roboto Mono"/>
-              </a:rPr>
-              <a:t> </a:t>
-            </a:r>
-            <a:r>
-              <a:rPr lang="en-US" sz="2000" dirty="0">
-                <a:solidFill>
-                  <a:srgbClr val="3F51B5"/>
-                </a:solidFill>
-                <a:latin typeface="Roboto Mono"/>
-              </a:rPr>
-              <a:t>=</a:t>
-            </a:r>
-            <a:r>
-              <a:rPr lang="en-US" sz="2000" dirty="0">
-                <a:solidFill>
-                  <a:srgbClr val="37474F"/>
-                </a:solidFill>
-                <a:latin typeface="Roboto Mono"/>
-              </a:rPr>
-              <a:t> </a:t>
-            </a:r>
-            <a:r>
-              <a:rPr lang="en-US" sz="2000" dirty="0">
-                <a:solidFill>
-                  <a:srgbClr val="C53929"/>
-                </a:solidFill>
-                <a:latin typeface="Roboto Mono"/>
-              </a:rPr>
-              <a:t>0</a:t>
-            </a:r>
-            <a:r>
-              <a:rPr lang="en-US" sz="2000" dirty="0">
-                <a:solidFill>
-                  <a:srgbClr val="3F51B5"/>
-                </a:solidFill>
-                <a:latin typeface="Roboto Mono"/>
-              </a:rPr>
-              <a:t>;</a:t>
-            </a:r>
-            <a:r>
-              <a:rPr lang="en-US" sz="2000" dirty="0">
-                <a:solidFill>
-                  <a:srgbClr val="37474F"/>
-                </a:solidFill>
-                <a:latin typeface="Roboto Mono"/>
-              </a:rPr>
-              <a:t> </a:t>
-            </a:r>
-            <a:r>
-              <a:rPr lang="en-US" sz="2000" dirty="0" err="1">
-                <a:solidFill>
-                  <a:srgbClr val="37474F"/>
-                </a:solidFill>
-                <a:latin typeface="Roboto Mono"/>
-              </a:rPr>
-              <a:t>i</a:t>
-            </a:r>
-            <a:r>
-              <a:rPr lang="en-US" sz="2000" dirty="0">
-                <a:solidFill>
-                  <a:srgbClr val="37474F"/>
-                </a:solidFill>
-                <a:latin typeface="Roboto Mono"/>
-              </a:rPr>
-              <a:t> </a:t>
-            </a:r>
-            <a:r>
-              <a:rPr lang="en-US" sz="2000" dirty="0">
-                <a:solidFill>
-                  <a:srgbClr val="3F51B5"/>
-                </a:solidFill>
-                <a:latin typeface="Roboto Mono"/>
-              </a:rPr>
-              <a:t>&lt;</a:t>
-            </a:r>
-            <a:r>
-              <a:rPr lang="en-US" sz="2000" dirty="0">
-                <a:solidFill>
-                  <a:srgbClr val="37474F"/>
-                </a:solidFill>
-                <a:latin typeface="Roboto Mono"/>
-              </a:rPr>
-              <a:t> loops</a:t>
-            </a:r>
-            <a:r>
-              <a:rPr lang="en-US" sz="2000" dirty="0">
-                <a:solidFill>
-                  <a:srgbClr val="3F51B5"/>
-                </a:solidFill>
-                <a:latin typeface="Roboto Mono"/>
-              </a:rPr>
-              <a:t>;</a:t>
-            </a:r>
-            <a:r>
-              <a:rPr lang="en-US" sz="2000" dirty="0">
-                <a:solidFill>
-                  <a:srgbClr val="37474F"/>
-                </a:solidFill>
-                <a:latin typeface="Roboto Mono"/>
-              </a:rPr>
-              <a:t> </a:t>
-            </a:r>
-            <a:r>
-              <a:rPr lang="en-US" sz="2000" dirty="0" err="1">
-                <a:solidFill>
-                  <a:srgbClr val="37474F"/>
-                </a:solidFill>
-                <a:latin typeface="Roboto Mono"/>
-              </a:rPr>
-              <a:t>i</a:t>
-            </a:r>
-            <a:r>
-              <a:rPr lang="en-US" sz="2000" dirty="0">
-                <a:solidFill>
-                  <a:srgbClr val="3F51B5"/>
-                </a:solidFill>
-                <a:latin typeface="Roboto Mono"/>
-              </a:rPr>
-              <a:t>++)</a:t>
-            </a:r>
-            <a:r>
-              <a:rPr lang="en-US" sz="2000" dirty="0">
-                <a:solidFill>
-                  <a:srgbClr val="37474F"/>
-                </a:solidFill>
-                <a:latin typeface="Roboto Mono"/>
-              </a:rPr>
-              <a:t> </a:t>
-            </a:r>
-            <a:r>
-              <a:rPr lang="en-US" sz="2000" dirty="0">
-                <a:solidFill>
-                  <a:srgbClr val="3F51B5"/>
-                </a:solidFill>
-                <a:latin typeface="Roboto Mono"/>
-              </a:rPr>
-              <a:t>{</a:t>
-            </a:r>
-            <a:br>
-              <a:rPr lang="en-US" sz="2000" dirty="0">
-                <a:solidFill>
-                  <a:srgbClr val="37474F"/>
-                </a:solidFill>
-                <a:latin typeface="Roboto Mono"/>
-              </a:rPr>
-            </a:br>
-            <a:r>
-              <a:rPr lang="en-US" sz="2000" dirty="0">
-                <a:solidFill>
-                  <a:srgbClr val="37474F"/>
-                </a:solidFill>
-                <a:latin typeface="Roboto Mono"/>
-              </a:rPr>
-              <a:t>               </a:t>
-            </a:r>
-            <a:r>
-              <a:rPr lang="en-US" sz="2000" dirty="0" err="1">
-                <a:solidFill>
-                  <a:srgbClr val="37474F"/>
-                </a:solidFill>
-                <a:latin typeface="Roboto Mono"/>
-              </a:rPr>
-              <a:t>sem_wait</a:t>
-            </a:r>
-            <a:r>
-              <a:rPr lang="en-US" sz="2000" dirty="0">
-                <a:solidFill>
-                  <a:srgbClr val="3F51B5"/>
-                </a:solidFill>
-                <a:latin typeface="Roboto Mono"/>
-              </a:rPr>
-              <a:t>(&amp;</a:t>
-            </a:r>
-            <a:r>
-              <a:rPr lang="pt-BR" sz="2000" dirty="0">
-                <a:solidFill>
-                  <a:srgbClr val="37474F"/>
-                </a:solidFill>
-                <a:latin typeface="Roboto Mono"/>
-              </a:rPr>
-              <a:t>lock</a:t>
-            </a:r>
-            <a:r>
-              <a:rPr lang="en-US" sz="2000" dirty="0">
-                <a:solidFill>
-                  <a:srgbClr val="3F51B5"/>
-                </a:solidFill>
-                <a:latin typeface="Roboto Mono"/>
-              </a:rPr>
-              <a:t>); \\ New line</a:t>
-            </a:r>
-            <a:br>
-              <a:rPr lang="en-US" sz="2000" dirty="0">
-                <a:solidFill>
-                  <a:srgbClr val="37474F"/>
-                </a:solidFill>
-                <a:latin typeface="Roboto Mono"/>
-              </a:rPr>
-            </a:br>
-            <a:r>
-              <a:rPr lang="en-US" sz="2000" dirty="0">
-                <a:solidFill>
-                  <a:srgbClr val="37474F"/>
-                </a:solidFill>
-                <a:latin typeface="Roboto Mono"/>
-              </a:rPr>
-              <a:t>               </a:t>
-            </a:r>
-            <a:r>
-              <a:rPr lang="en-US" sz="2000" dirty="0" err="1">
-                <a:solidFill>
-                  <a:srgbClr val="37474F"/>
-                </a:solidFill>
-                <a:latin typeface="Roboto Mono"/>
-              </a:rPr>
-              <a:t>sem_wait</a:t>
-            </a:r>
-            <a:r>
-              <a:rPr lang="en-US" sz="2000" dirty="0">
-                <a:solidFill>
-                  <a:srgbClr val="3F51B5"/>
-                </a:solidFill>
-                <a:latin typeface="Roboto Mono"/>
-              </a:rPr>
-              <a:t>(&amp;</a:t>
-            </a:r>
-            <a:r>
-              <a:rPr lang="en-US" sz="2000" dirty="0">
-                <a:solidFill>
-                  <a:srgbClr val="37474F"/>
-                </a:solidFill>
-                <a:latin typeface="Roboto Mono"/>
-              </a:rPr>
-              <a:t>full</a:t>
-            </a:r>
-            <a:r>
-              <a:rPr lang="en-US" sz="2000" dirty="0">
-                <a:solidFill>
-                  <a:srgbClr val="3F51B5"/>
-                </a:solidFill>
-                <a:latin typeface="Roboto Mono"/>
-              </a:rPr>
-              <a:t>);</a:t>
-            </a:r>
-            <a:br>
-              <a:rPr lang="en-US" sz="2000" dirty="0">
-                <a:solidFill>
-                  <a:srgbClr val="37474F"/>
-                </a:solidFill>
-                <a:latin typeface="Roboto Mono"/>
-              </a:rPr>
-            </a:br>
-            <a:r>
-              <a:rPr lang="en-US" sz="2000" dirty="0">
-                <a:solidFill>
-                  <a:srgbClr val="37474F"/>
-                </a:solidFill>
-                <a:latin typeface="Roboto Mono"/>
-              </a:rPr>
-              <a:t>               </a:t>
-            </a:r>
-            <a:r>
-              <a:rPr lang="en-US" sz="2000" dirty="0">
-                <a:solidFill>
-                  <a:srgbClr val="3F51B5"/>
-                </a:solidFill>
-                <a:latin typeface="Roboto Mono"/>
-              </a:rPr>
-              <a:t>int</a:t>
-            </a:r>
-            <a:r>
-              <a:rPr lang="en-US" sz="2000" dirty="0">
-                <a:solidFill>
-                  <a:srgbClr val="37474F"/>
-                </a:solidFill>
-                <a:latin typeface="Roboto Mono"/>
-              </a:rPr>
-              <a:t> </a:t>
-            </a:r>
-            <a:r>
-              <a:rPr lang="en-US" sz="2000" dirty="0" err="1">
-                <a:solidFill>
-                  <a:srgbClr val="37474F"/>
-                </a:solidFill>
-                <a:latin typeface="Roboto Mono"/>
-              </a:rPr>
-              <a:t>tmp</a:t>
-            </a:r>
-            <a:r>
-              <a:rPr lang="en-US" sz="2000" dirty="0">
-                <a:solidFill>
-                  <a:srgbClr val="37474F"/>
-                </a:solidFill>
-                <a:latin typeface="Roboto Mono"/>
-              </a:rPr>
-              <a:t> </a:t>
-            </a:r>
-            <a:r>
-              <a:rPr lang="en-US" sz="2000" dirty="0">
-                <a:solidFill>
-                  <a:srgbClr val="3F51B5"/>
-                </a:solidFill>
-                <a:latin typeface="Roboto Mono"/>
-              </a:rPr>
-              <a:t>=</a:t>
-            </a:r>
-            <a:r>
-              <a:rPr lang="en-US" sz="2000" dirty="0">
-                <a:solidFill>
-                  <a:srgbClr val="37474F"/>
-                </a:solidFill>
-                <a:latin typeface="Roboto Mono"/>
-              </a:rPr>
-              <a:t> </a:t>
-            </a:r>
-            <a:r>
-              <a:rPr lang="en-US" sz="2000" dirty="0">
-                <a:solidFill>
-                  <a:srgbClr val="3F51B5"/>
-                </a:solidFill>
-                <a:latin typeface="Roboto Mono"/>
-              </a:rPr>
-              <a:t>get();</a:t>
-            </a:r>
-            <a:br>
-              <a:rPr lang="en-US" sz="2000" dirty="0">
-                <a:solidFill>
-                  <a:srgbClr val="37474F"/>
-                </a:solidFill>
-                <a:latin typeface="Roboto Mono"/>
-              </a:rPr>
-            </a:br>
-            <a:r>
-              <a:rPr lang="en-US" sz="2000" dirty="0">
-                <a:solidFill>
-                  <a:srgbClr val="37474F"/>
-                </a:solidFill>
-                <a:latin typeface="Roboto Mono"/>
-              </a:rPr>
-              <a:t>               </a:t>
-            </a:r>
-            <a:r>
-              <a:rPr lang="en-US" sz="2000" dirty="0" err="1">
-                <a:solidFill>
-                  <a:srgbClr val="37474F"/>
-                </a:solidFill>
-                <a:latin typeface="Roboto Mono"/>
-              </a:rPr>
-              <a:t>sem_post</a:t>
-            </a:r>
-            <a:r>
-              <a:rPr lang="en-US" sz="2000" dirty="0">
-                <a:solidFill>
-                  <a:srgbClr val="3F51B5"/>
-                </a:solidFill>
-                <a:latin typeface="Roboto Mono"/>
-              </a:rPr>
-              <a:t>(&amp;</a:t>
-            </a:r>
-            <a:r>
-              <a:rPr lang="en-US" sz="2000" dirty="0">
-                <a:solidFill>
-                  <a:srgbClr val="37474F"/>
-                </a:solidFill>
-                <a:latin typeface="Roboto Mono"/>
-              </a:rPr>
-              <a:t>empty</a:t>
-            </a:r>
-            <a:r>
-              <a:rPr lang="en-US" sz="2000" dirty="0">
-                <a:solidFill>
-                  <a:srgbClr val="3F51B5"/>
-                </a:solidFill>
-                <a:latin typeface="Roboto Mono"/>
-              </a:rPr>
-              <a:t>);</a:t>
-            </a:r>
-            <a:br>
-              <a:rPr lang="en-US" sz="2000" dirty="0">
-                <a:solidFill>
-                  <a:srgbClr val="37474F"/>
-                </a:solidFill>
-                <a:latin typeface="Roboto Mono"/>
-              </a:rPr>
-            </a:br>
-            <a:r>
-              <a:rPr lang="en-US" sz="2000" dirty="0">
-                <a:solidFill>
-                  <a:srgbClr val="37474F"/>
-                </a:solidFill>
-                <a:latin typeface="Roboto Mono"/>
-              </a:rPr>
-              <a:t>               </a:t>
-            </a:r>
-            <a:r>
-              <a:rPr lang="en-US" sz="2000" dirty="0" err="1">
-                <a:solidFill>
-                  <a:srgbClr val="37474F"/>
-                </a:solidFill>
-                <a:latin typeface="Roboto Mono"/>
-              </a:rPr>
-              <a:t>sem_post</a:t>
-            </a:r>
-            <a:r>
-              <a:rPr lang="en-US" sz="2000" dirty="0">
-                <a:solidFill>
-                  <a:srgbClr val="3F51B5"/>
-                </a:solidFill>
-                <a:latin typeface="Roboto Mono"/>
-              </a:rPr>
-              <a:t>(&amp;</a:t>
-            </a:r>
-            <a:r>
-              <a:rPr lang="pt-BR" sz="2000" dirty="0">
-                <a:solidFill>
-                  <a:srgbClr val="37474F"/>
-                </a:solidFill>
-                <a:latin typeface="Roboto Mono"/>
-              </a:rPr>
-              <a:t>lock</a:t>
-            </a:r>
-            <a:r>
-              <a:rPr lang="en-US" sz="2000" dirty="0">
-                <a:solidFill>
-                  <a:srgbClr val="3F51B5"/>
-                </a:solidFill>
-                <a:latin typeface="Roboto Mono"/>
-              </a:rPr>
-              <a:t>); \\ New line</a:t>
-            </a:r>
-            <a:br>
-              <a:rPr lang="en-US" sz="2000" dirty="0">
-                <a:solidFill>
-                  <a:srgbClr val="37474F"/>
-                </a:solidFill>
-                <a:latin typeface="Roboto Mono"/>
-              </a:rPr>
-            </a:br>
-            <a:r>
-              <a:rPr lang="en-US" sz="2000" dirty="0">
-                <a:solidFill>
-                  <a:srgbClr val="37474F"/>
-                </a:solidFill>
-                <a:latin typeface="Roboto Mono"/>
-              </a:rPr>
-              <a:t>               </a:t>
-            </a:r>
-            <a:r>
-              <a:rPr lang="en-US" sz="2000" dirty="0" err="1">
-                <a:solidFill>
-                  <a:srgbClr val="37474F"/>
-                </a:solidFill>
-                <a:latin typeface="Roboto Mono"/>
-              </a:rPr>
-              <a:t>printf</a:t>
-            </a:r>
-            <a:r>
-              <a:rPr lang="en-US" sz="2000" dirty="0">
-                <a:solidFill>
-                  <a:srgbClr val="3F51B5"/>
-                </a:solidFill>
-                <a:latin typeface="Roboto Mono"/>
-              </a:rPr>
-              <a:t>(</a:t>
-            </a:r>
-            <a:r>
-              <a:rPr lang="en-US" sz="2000" dirty="0">
-                <a:solidFill>
-                  <a:srgbClr val="388E3C"/>
-                </a:solidFill>
-                <a:latin typeface="Roboto Mono"/>
-              </a:rPr>
-              <a:t>"%d\n"</a:t>
-            </a:r>
-            <a:r>
-              <a:rPr lang="en-US" sz="2000" dirty="0">
-                <a:solidFill>
-                  <a:srgbClr val="3F51B5"/>
-                </a:solidFill>
-                <a:latin typeface="Roboto Mono"/>
-              </a:rPr>
-              <a:t>,</a:t>
-            </a:r>
-            <a:r>
-              <a:rPr lang="en-US" sz="2000" dirty="0">
-                <a:solidFill>
-                  <a:srgbClr val="37474F"/>
-                </a:solidFill>
-                <a:latin typeface="Roboto Mono"/>
-              </a:rPr>
-              <a:t> </a:t>
-            </a:r>
-            <a:r>
-              <a:rPr lang="en-US" sz="2000" dirty="0" err="1">
-                <a:solidFill>
-                  <a:srgbClr val="37474F"/>
-                </a:solidFill>
-                <a:latin typeface="Roboto Mono"/>
-              </a:rPr>
-              <a:t>tmp</a:t>
-            </a:r>
-            <a:r>
-              <a:rPr lang="en-US" sz="2000" dirty="0">
-                <a:solidFill>
-                  <a:srgbClr val="3F51B5"/>
-                </a:solidFill>
-                <a:latin typeface="Roboto Mono"/>
-              </a:rPr>
-              <a:t>);</a:t>
-            </a:r>
-            <a:br>
-              <a:rPr lang="en-US" sz="2000" dirty="0">
-                <a:solidFill>
-                  <a:srgbClr val="37474F"/>
-                </a:solidFill>
-                <a:latin typeface="Roboto Mono"/>
-              </a:rPr>
-            </a:br>
-            <a:r>
-              <a:rPr lang="en-US" sz="2000" dirty="0">
-                <a:solidFill>
-                  <a:srgbClr val="37474F"/>
-                </a:solidFill>
-                <a:latin typeface="Roboto Mono"/>
-              </a:rPr>
-              <a:t>       </a:t>
-            </a:r>
-            <a:r>
-              <a:rPr lang="en-US" sz="2000" dirty="0">
-                <a:solidFill>
-                  <a:srgbClr val="3F51B5"/>
-                </a:solidFill>
-                <a:latin typeface="Roboto Mono"/>
-              </a:rPr>
-              <a:t>}</a:t>
-            </a:r>
-            <a:br>
-              <a:rPr lang="en-US" sz="2000" dirty="0">
-                <a:solidFill>
-                  <a:srgbClr val="37474F"/>
-                </a:solidFill>
-                <a:latin typeface="Roboto Mono"/>
-              </a:rPr>
-            </a:br>
-            <a:r>
-              <a:rPr lang="en-US" sz="2000" dirty="0">
-                <a:solidFill>
-                  <a:srgbClr val="3F51B5"/>
-                </a:solidFill>
-                <a:latin typeface="Roboto Mono"/>
-              </a:rPr>
-              <a:t>}</a:t>
-            </a:r>
-            <a:endParaRPr lang="en-US" sz="2000" dirty="0"/>
-          </a:p>
-        </p:txBody>
-      </p:sp>
-      <p:sp>
-        <p:nvSpPr>
-          <p:cNvPr id="6" name="Rectangle 5">
-            <a:extLst>
-              <a:ext uri="{FF2B5EF4-FFF2-40B4-BE49-F238E27FC236}">
-                <a16:creationId xmlns:a16="http://schemas.microsoft.com/office/drawing/2014/main" id="{F992C785-2157-4AB1-A1F1-F49AAADD3216}"/>
-              </a:ext>
-            </a:extLst>
-          </p:cNvPr>
-          <p:cNvSpPr/>
-          <p:nvPr/>
-        </p:nvSpPr>
-        <p:spPr>
-          <a:xfrm>
-            <a:off x="461639" y="2578431"/>
-            <a:ext cx="4962618" cy="3170099"/>
-          </a:xfrm>
-          <a:prstGeom prst="rect">
-            <a:avLst/>
-          </a:prstGeom>
-          <a:noFill/>
-          <a:ln w="9525" cap="flat" cmpd="sng" algn="ctr">
-            <a:solidFill>
-              <a:schemeClr val="accent1"/>
-            </a:solidFill>
-            <a:prstDash val="solid"/>
-            <a:round/>
-            <a:headEnd type="none" w="med" len="med"/>
-            <a:tailEnd type="none" w="med" len="med"/>
-          </a:ln>
-        </p:spPr>
-        <p:style>
-          <a:lnRef idx="0">
-            <a:scrgbClr r="0" g="0" b="0"/>
-          </a:lnRef>
-          <a:fillRef idx="0">
-            <a:scrgbClr r="0" g="0" b="0"/>
-          </a:fillRef>
-          <a:effectRef idx="0">
-            <a:scrgbClr r="0" g="0" b="0"/>
-          </a:effectRef>
-          <a:fontRef idx="minor">
-            <a:schemeClr val="accent1"/>
-          </a:fontRef>
-        </p:style>
-        <p:txBody>
-          <a:bodyPr wrap="square">
-            <a:spAutoFit/>
-          </a:bodyPr>
-          <a:lstStyle/>
-          <a:p>
-            <a:r>
-              <a:rPr lang="en-US" sz="2000" dirty="0">
-                <a:solidFill>
-                  <a:srgbClr val="3F51B5"/>
-                </a:solidFill>
-                <a:latin typeface="Roboto Mono"/>
-              </a:rPr>
-              <a:t>void</a:t>
-            </a:r>
-            <a:r>
-              <a:rPr lang="en-US" sz="2000" dirty="0">
-                <a:solidFill>
-                  <a:srgbClr val="37474F"/>
-                </a:solidFill>
-                <a:latin typeface="Roboto Mono"/>
-              </a:rPr>
-              <a:t> </a:t>
-            </a:r>
-            <a:r>
-              <a:rPr lang="en-US" sz="2000" dirty="0">
-                <a:solidFill>
-                  <a:srgbClr val="3F51B5"/>
-                </a:solidFill>
-                <a:latin typeface="Roboto Mono"/>
-              </a:rPr>
-              <a:t>*</a:t>
-            </a:r>
-            <a:r>
-              <a:rPr lang="en-US" sz="2000" dirty="0">
-                <a:solidFill>
-                  <a:srgbClr val="37474F"/>
-                </a:solidFill>
-                <a:latin typeface="Roboto Mono"/>
-              </a:rPr>
-              <a:t>producer</a:t>
-            </a:r>
-            <a:r>
-              <a:rPr lang="en-US" sz="2000" dirty="0">
-                <a:solidFill>
-                  <a:srgbClr val="3F51B5"/>
-                </a:solidFill>
-                <a:latin typeface="Roboto Mono"/>
-              </a:rPr>
-              <a:t>(void</a:t>
-            </a:r>
-            <a:r>
-              <a:rPr lang="en-US" sz="2000" dirty="0">
-                <a:solidFill>
-                  <a:srgbClr val="37474F"/>
-                </a:solidFill>
-                <a:latin typeface="Roboto Mono"/>
-              </a:rPr>
-              <a:t> </a:t>
-            </a:r>
-            <a:r>
-              <a:rPr lang="en-US" sz="2000" dirty="0">
-                <a:solidFill>
-                  <a:srgbClr val="3F51B5"/>
-                </a:solidFill>
-                <a:latin typeface="Roboto Mono"/>
-              </a:rPr>
-              <a:t>*</a:t>
-            </a:r>
-            <a:r>
-              <a:rPr lang="en-US" sz="2000" dirty="0" err="1">
-                <a:solidFill>
-                  <a:srgbClr val="37474F"/>
-                </a:solidFill>
-                <a:latin typeface="Roboto Mono"/>
-              </a:rPr>
-              <a:t>arg</a:t>
-            </a:r>
-            <a:r>
-              <a:rPr lang="en-US" sz="2000" dirty="0">
-                <a:solidFill>
-                  <a:srgbClr val="3F51B5"/>
-                </a:solidFill>
-                <a:latin typeface="Roboto Mono"/>
-              </a:rPr>
-              <a:t>)</a:t>
-            </a:r>
-            <a:r>
-              <a:rPr lang="en-US" sz="2000" dirty="0">
-                <a:solidFill>
-                  <a:srgbClr val="37474F"/>
-                </a:solidFill>
-                <a:latin typeface="Roboto Mono"/>
-              </a:rPr>
-              <a:t> </a:t>
-            </a:r>
-            <a:r>
-              <a:rPr lang="en-US" sz="2000" dirty="0">
-                <a:solidFill>
-                  <a:srgbClr val="3F51B5"/>
-                </a:solidFill>
-                <a:latin typeface="Roboto Mono"/>
-              </a:rPr>
-              <a:t>{</a:t>
-            </a:r>
-            <a:br>
-              <a:rPr lang="en-US" sz="2000" dirty="0">
-                <a:solidFill>
-                  <a:srgbClr val="37474F"/>
-                </a:solidFill>
-                <a:latin typeface="Roboto Mono"/>
-              </a:rPr>
-            </a:br>
-            <a:r>
-              <a:rPr lang="en-US" sz="2000" dirty="0">
-                <a:solidFill>
-                  <a:srgbClr val="37474F"/>
-                </a:solidFill>
-                <a:latin typeface="Roboto Mono"/>
-              </a:rPr>
-              <a:t>       </a:t>
-            </a:r>
-            <a:r>
-              <a:rPr lang="en-US" sz="2000" dirty="0">
-                <a:solidFill>
-                  <a:srgbClr val="3F51B5"/>
-                </a:solidFill>
-                <a:latin typeface="Roboto Mono"/>
-              </a:rPr>
-              <a:t>int</a:t>
-            </a:r>
-            <a:r>
-              <a:rPr lang="en-US" sz="2000" dirty="0">
-                <a:solidFill>
-                  <a:srgbClr val="37474F"/>
-                </a:solidFill>
-                <a:latin typeface="Roboto Mono"/>
-              </a:rPr>
-              <a:t> </a:t>
-            </a:r>
-            <a:r>
-              <a:rPr lang="en-US" sz="2000" dirty="0" err="1">
-                <a:solidFill>
-                  <a:srgbClr val="37474F"/>
-                </a:solidFill>
-                <a:latin typeface="Roboto Mono"/>
-              </a:rPr>
-              <a:t>i</a:t>
-            </a:r>
-            <a:r>
-              <a:rPr lang="en-US" sz="2000" dirty="0">
-                <a:solidFill>
-                  <a:srgbClr val="3F51B5"/>
-                </a:solidFill>
-                <a:latin typeface="Roboto Mono"/>
-              </a:rPr>
-              <a:t>;</a:t>
-            </a:r>
-            <a:br>
-              <a:rPr lang="en-US" sz="2000" dirty="0">
-                <a:solidFill>
-                  <a:srgbClr val="37474F"/>
-                </a:solidFill>
-                <a:latin typeface="Roboto Mono"/>
-              </a:rPr>
-            </a:br>
-            <a:r>
-              <a:rPr lang="en-US" sz="2000" dirty="0">
-                <a:solidFill>
-                  <a:srgbClr val="37474F"/>
-                </a:solidFill>
-                <a:latin typeface="Roboto Mono"/>
-              </a:rPr>
-              <a:t>       </a:t>
-            </a:r>
-            <a:r>
-              <a:rPr lang="en-US" sz="2000" dirty="0">
-                <a:solidFill>
-                  <a:srgbClr val="3F51B5"/>
-                </a:solidFill>
-                <a:latin typeface="Roboto Mono"/>
-              </a:rPr>
-              <a:t>for</a:t>
-            </a:r>
-            <a:r>
-              <a:rPr lang="en-US" sz="2000" dirty="0">
-                <a:solidFill>
-                  <a:srgbClr val="37474F"/>
-                </a:solidFill>
-                <a:latin typeface="Roboto Mono"/>
-              </a:rPr>
-              <a:t> </a:t>
-            </a:r>
-            <a:r>
-              <a:rPr lang="en-US" sz="2000" dirty="0">
-                <a:solidFill>
-                  <a:srgbClr val="3F51B5"/>
-                </a:solidFill>
-                <a:latin typeface="Roboto Mono"/>
-              </a:rPr>
-              <a:t>(</a:t>
-            </a:r>
-            <a:r>
-              <a:rPr lang="en-US" sz="2000" dirty="0" err="1">
-                <a:solidFill>
-                  <a:srgbClr val="37474F"/>
-                </a:solidFill>
-                <a:latin typeface="Roboto Mono"/>
-              </a:rPr>
-              <a:t>i</a:t>
-            </a:r>
-            <a:r>
-              <a:rPr lang="en-US" sz="2000" dirty="0">
-                <a:solidFill>
-                  <a:srgbClr val="37474F"/>
-                </a:solidFill>
-                <a:latin typeface="Roboto Mono"/>
-              </a:rPr>
-              <a:t> </a:t>
-            </a:r>
-            <a:r>
-              <a:rPr lang="en-US" sz="2000" dirty="0">
-                <a:solidFill>
-                  <a:srgbClr val="3F51B5"/>
-                </a:solidFill>
-                <a:latin typeface="Roboto Mono"/>
-              </a:rPr>
-              <a:t>=</a:t>
-            </a:r>
-            <a:r>
-              <a:rPr lang="en-US" sz="2000" dirty="0">
-                <a:solidFill>
-                  <a:srgbClr val="37474F"/>
-                </a:solidFill>
-                <a:latin typeface="Roboto Mono"/>
-              </a:rPr>
-              <a:t> </a:t>
-            </a:r>
-            <a:r>
-              <a:rPr lang="en-US" sz="2000" dirty="0">
-                <a:solidFill>
-                  <a:srgbClr val="C53929"/>
-                </a:solidFill>
-                <a:latin typeface="Roboto Mono"/>
-              </a:rPr>
-              <a:t>0</a:t>
-            </a:r>
-            <a:r>
-              <a:rPr lang="en-US" sz="2000" dirty="0">
-                <a:solidFill>
-                  <a:srgbClr val="3F51B5"/>
-                </a:solidFill>
-                <a:latin typeface="Roboto Mono"/>
-              </a:rPr>
-              <a:t>;</a:t>
-            </a:r>
-            <a:r>
-              <a:rPr lang="en-US" sz="2000" dirty="0">
-                <a:solidFill>
-                  <a:srgbClr val="37474F"/>
-                </a:solidFill>
-                <a:latin typeface="Roboto Mono"/>
-              </a:rPr>
-              <a:t> </a:t>
-            </a:r>
-            <a:r>
-              <a:rPr lang="en-US" sz="2000" dirty="0" err="1">
-                <a:solidFill>
-                  <a:srgbClr val="37474F"/>
-                </a:solidFill>
-                <a:latin typeface="Roboto Mono"/>
-              </a:rPr>
-              <a:t>i</a:t>
-            </a:r>
-            <a:r>
-              <a:rPr lang="en-US" sz="2000" dirty="0">
-                <a:solidFill>
-                  <a:srgbClr val="37474F"/>
-                </a:solidFill>
-                <a:latin typeface="Roboto Mono"/>
-              </a:rPr>
-              <a:t> </a:t>
-            </a:r>
-            <a:r>
-              <a:rPr lang="en-US" sz="2000" dirty="0">
-                <a:solidFill>
-                  <a:srgbClr val="3F51B5"/>
-                </a:solidFill>
-                <a:latin typeface="Roboto Mono"/>
-              </a:rPr>
-              <a:t>&lt;</a:t>
-            </a:r>
-            <a:r>
-              <a:rPr lang="en-US" sz="2000" dirty="0">
-                <a:solidFill>
-                  <a:srgbClr val="37474F"/>
-                </a:solidFill>
-                <a:latin typeface="Roboto Mono"/>
-              </a:rPr>
-              <a:t> loops</a:t>
-            </a:r>
-            <a:r>
-              <a:rPr lang="en-US" sz="2000" dirty="0">
-                <a:solidFill>
-                  <a:srgbClr val="3F51B5"/>
-                </a:solidFill>
-                <a:latin typeface="Roboto Mono"/>
-              </a:rPr>
-              <a:t>;</a:t>
-            </a:r>
-            <a:r>
-              <a:rPr lang="en-US" sz="2000" dirty="0">
-                <a:solidFill>
-                  <a:srgbClr val="37474F"/>
-                </a:solidFill>
-                <a:latin typeface="Roboto Mono"/>
-              </a:rPr>
-              <a:t> </a:t>
-            </a:r>
-            <a:r>
-              <a:rPr lang="en-US" sz="2000" dirty="0" err="1">
-                <a:solidFill>
-                  <a:srgbClr val="37474F"/>
-                </a:solidFill>
-                <a:latin typeface="Roboto Mono"/>
-              </a:rPr>
-              <a:t>i</a:t>
-            </a:r>
-            <a:r>
-              <a:rPr lang="en-US" sz="2000" dirty="0">
-                <a:solidFill>
-                  <a:srgbClr val="3F51B5"/>
-                </a:solidFill>
-                <a:latin typeface="Roboto Mono"/>
-              </a:rPr>
-              <a:t>++)</a:t>
-            </a:r>
-            <a:r>
-              <a:rPr lang="en-US" sz="2000" dirty="0">
-                <a:solidFill>
-                  <a:srgbClr val="37474F"/>
-                </a:solidFill>
-                <a:latin typeface="Roboto Mono"/>
-              </a:rPr>
-              <a:t> </a:t>
-            </a:r>
-            <a:r>
-              <a:rPr lang="en-US" sz="2000" dirty="0">
-                <a:solidFill>
-                  <a:srgbClr val="3F51B5"/>
-                </a:solidFill>
-                <a:latin typeface="Roboto Mono"/>
-              </a:rPr>
-              <a:t>{</a:t>
-            </a:r>
-            <a:br>
-              <a:rPr lang="en-US" sz="2000" dirty="0">
-                <a:solidFill>
-                  <a:srgbClr val="37474F"/>
-                </a:solidFill>
-                <a:latin typeface="Roboto Mono"/>
-              </a:rPr>
-            </a:br>
-            <a:r>
-              <a:rPr lang="en-US" sz="2000" dirty="0">
-                <a:solidFill>
-                  <a:srgbClr val="37474F"/>
-                </a:solidFill>
-                <a:latin typeface="Roboto Mono"/>
-              </a:rPr>
-              <a:t>               </a:t>
-            </a:r>
-            <a:r>
-              <a:rPr lang="en-US" sz="2000" dirty="0" err="1">
-                <a:solidFill>
-                  <a:srgbClr val="37474F"/>
-                </a:solidFill>
-                <a:latin typeface="Roboto Mono"/>
-              </a:rPr>
-              <a:t>sem_wait</a:t>
-            </a:r>
-            <a:r>
-              <a:rPr lang="en-US" sz="2000" dirty="0">
-                <a:solidFill>
-                  <a:srgbClr val="3F51B5"/>
-                </a:solidFill>
-                <a:latin typeface="Roboto Mono"/>
-              </a:rPr>
-              <a:t>(&amp;</a:t>
-            </a:r>
-            <a:r>
-              <a:rPr lang="pt-BR" sz="2000" dirty="0">
-                <a:solidFill>
-                  <a:srgbClr val="37474F"/>
-                </a:solidFill>
-                <a:latin typeface="Roboto Mono"/>
-              </a:rPr>
-              <a:t>lock</a:t>
-            </a:r>
-            <a:r>
-              <a:rPr lang="en-US" sz="2000" dirty="0">
-                <a:solidFill>
-                  <a:srgbClr val="3F51B5"/>
-                </a:solidFill>
-                <a:latin typeface="Roboto Mono"/>
-              </a:rPr>
-              <a:t>); \\ New line</a:t>
-            </a:r>
-            <a:br>
-              <a:rPr lang="en-US" sz="2000" dirty="0">
-                <a:solidFill>
-                  <a:srgbClr val="37474F"/>
-                </a:solidFill>
-                <a:latin typeface="Roboto Mono"/>
-              </a:rPr>
-            </a:br>
-            <a:r>
-              <a:rPr lang="en-US" sz="2000" dirty="0">
-                <a:solidFill>
-                  <a:srgbClr val="37474F"/>
-                </a:solidFill>
-                <a:latin typeface="Roboto Mono"/>
-              </a:rPr>
-              <a:t>               </a:t>
-            </a:r>
-            <a:r>
-              <a:rPr lang="en-US" sz="2000" dirty="0" err="1">
-                <a:solidFill>
-                  <a:srgbClr val="37474F"/>
-                </a:solidFill>
-                <a:latin typeface="Roboto Mono"/>
-              </a:rPr>
-              <a:t>sem_wait</a:t>
-            </a:r>
-            <a:r>
-              <a:rPr lang="en-US" sz="2000" dirty="0">
-                <a:solidFill>
-                  <a:srgbClr val="3F51B5"/>
-                </a:solidFill>
-                <a:latin typeface="Roboto Mono"/>
-              </a:rPr>
-              <a:t>(&amp;</a:t>
-            </a:r>
-            <a:r>
-              <a:rPr lang="en-US" sz="2000" dirty="0">
-                <a:solidFill>
-                  <a:srgbClr val="37474F"/>
-                </a:solidFill>
-                <a:latin typeface="Roboto Mono"/>
-              </a:rPr>
-              <a:t>empty</a:t>
-            </a:r>
-            <a:r>
-              <a:rPr lang="en-US" sz="2000" dirty="0">
-                <a:solidFill>
-                  <a:srgbClr val="3F51B5"/>
-                </a:solidFill>
-                <a:latin typeface="Roboto Mono"/>
-              </a:rPr>
-              <a:t>);</a:t>
-            </a:r>
-            <a:br>
-              <a:rPr lang="en-US" sz="2000" dirty="0">
-                <a:solidFill>
-                  <a:srgbClr val="37474F"/>
-                </a:solidFill>
-                <a:latin typeface="Roboto Mono"/>
-              </a:rPr>
-            </a:br>
-            <a:r>
-              <a:rPr lang="en-US" sz="2000" dirty="0">
-                <a:solidFill>
-                  <a:srgbClr val="37474F"/>
-                </a:solidFill>
-                <a:latin typeface="Roboto Mono"/>
-              </a:rPr>
-              <a:t>               put</a:t>
-            </a:r>
-            <a:r>
-              <a:rPr lang="en-US" sz="2000" dirty="0">
-                <a:solidFill>
-                  <a:srgbClr val="3F51B5"/>
-                </a:solidFill>
-                <a:latin typeface="Roboto Mono"/>
-              </a:rPr>
-              <a:t>(</a:t>
-            </a:r>
-            <a:r>
-              <a:rPr lang="en-US" sz="2000" dirty="0" err="1">
-                <a:solidFill>
-                  <a:srgbClr val="37474F"/>
-                </a:solidFill>
-                <a:latin typeface="Roboto Mono"/>
-              </a:rPr>
-              <a:t>i</a:t>
-            </a:r>
-            <a:r>
-              <a:rPr lang="en-US" sz="2000" dirty="0">
-                <a:solidFill>
-                  <a:srgbClr val="3F51B5"/>
-                </a:solidFill>
-                <a:latin typeface="Roboto Mono"/>
-              </a:rPr>
-              <a:t>);</a:t>
-            </a:r>
-            <a:br>
-              <a:rPr lang="en-US" sz="2000" dirty="0">
-                <a:solidFill>
-                  <a:srgbClr val="37474F"/>
-                </a:solidFill>
-                <a:latin typeface="Roboto Mono"/>
-              </a:rPr>
-            </a:br>
-            <a:r>
-              <a:rPr lang="en-US" sz="2000" dirty="0">
-                <a:solidFill>
-                  <a:srgbClr val="37474F"/>
-                </a:solidFill>
-                <a:latin typeface="Roboto Mono"/>
-              </a:rPr>
-              <a:t>               </a:t>
-            </a:r>
-            <a:r>
-              <a:rPr lang="en-US" sz="2000" dirty="0" err="1">
-                <a:solidFill>
-                  <a:srgbClr val="37474F"/>
-                </a:solidFill>
-                <a:latin typeface="Roboto Mono"/>
-              </a:rPr>
-              <a:t>sem_post</a:t>
-            </a:r>
-            <a:r>
-              <a:rPr lang="en-US" sz="2000" dirty="0">
-                <a:solidFill>
-                  <a:srgbClr val="3F51B5"/>
-                </a:solidFill>
-                <a:latin typeface="Roboto Mono"/>
-              </a:rPr>
-              <a:t>(&amp;</a:t>
-            </a:r>
-            <a:r>
-              <a:rPr lang="en-US" sz="2000" dirty="0">
-                <a:solidFill>
-                  <a:srgbClr val="37474F"/>
-                </a:solidFill>
-                <a:latin typeface="Roboto Mono"/>
-              </a:rPr>
-              <a:t>full</a:t>
-            </a:r>
-            <a:r>
-              <a:rPr lang="en-US" sz="2000" dirty="0">
-                <a:solidFill>
-                  <a:srgbClr val="3F51B5"/>
-                </a:solidFill>
-                <a:latin typeface="Roboto Mono"/>
-              </a:rPr>
-              <a:t>);</a:t>
-            </a:r>
-            <a:br>
-              <a:rPr lang="en-US" sz="2000" dirty="0">
-                <a:solidFill>
-                  <a:srgbClr val="37474F"/>
-                </a:solidFill>
-                <a:latin typeface="Roboto Mono"/>
-              </a:rPr>
-            </a:br>
-            <a:r>
-              <a:rPr lang="en-US" sz="2000" dirty="0">
-                <a:solidFill>
-                  <a:srgbClr val="37474F"/>
-                </a:solidFill>
-                <a:latin typeface="Roboto Mono"/>
-              </a:rPr>
-              <a:t>               </a:t>
-            </a:r>
-            <a:r>
-              <a:rPr lang="en-US" sz="2000" dirty="0" err="1">
-                <a:solidFill>
-                  <a:srgbClr val="37474F"/>
-                </a:solidFill>
-                <a:latin typeface="Roboto Mono"/>
-              </a:rPr>
-              <a:t>sem_post</a:t>
-            </a:r>
-            <a:r>
-              <a:rPr lang="en-US" sz="2000" dirty="0">
-                <a:solidFill>
-                  <a:srgbClr val="3F51B5"/>
-                </a:solidFill>
-                <a:latin typeface="Roboto Mono"/>
-              </a:rPr>
-              <a:t>(&amp;</a:t>
-            </a:r>
-            <a:r>
-              <a:rPr lang="pt-BR" sz="2000" dirty="0">
-                <a:solidFill>
-                  <a:srgbClr val="37474F"/>
-                </a:solidFill>
-                <a:latin typeface="Roboto Mono"/>
-              </a:rPr>
-              <a:t>lock</a:t>
-            </a:r>
-            <a:r>
-              <a:rPr lang="en-US" sz="2000" dirty="0">
-                <a:solidFill>
-                  <a:srgbClr val="3F51B5"/>
-                </a:solidFill>
-                <a:latin typeface="Roboto Mono"/>
-              </a:rPr>
-              <a:t>); \\ New line</a:t>
-            </a:r>
-            <a:br>
-              <a:rPr lang="en-US" sz="2000" dirty="0">
-                <a:solidFill>
-                  <a:srgbClr val="37474F"/>
-                </a:solidFill>
-                <a:latin typeface="Roboto Mono"/>
-              </a:rPr>
-            </a:br>
-            <a:r>
-              <a:rPr lang="en-US" sz="2000" dirty="0">
-                <a:solidFill>
-                  <a:srgbClr val="37474F"/>
-                </a:solidFill>
-                <a:latin typeface="Roboto Mono"/>
-              </a:rPr>
-              <a:t>       </a:t>
-            </a:r>
-            <a:r>
-              <a:rPr lang="en-US" sz="2000" dirty="0">
-                <a:solidFill>
-                  <a:srgbClr val="3F51B5"/>
-                </a:solidFill>
-                <a:latin typeface="Roboto Mono"/>
-              </a:rPr>
-              <a:t>}</a:t>
-            </a:r>
-            <a:br>
-              <a:rPr lang="en-US" sz="2000" dirty="0">
-                <a:solidFill>
-                  <a:srgbClr val="37474F"/>
-                </a:solidFill>
-                <a:latin typeface="Roboto Mono"/>
-              </a:rPr>
-            </a:br>
-            <a:r>
-              <a:rPr lang="en-US" sz="2000" dirty="0">
-                <a:solidFill>
-                  <a:srgbClr val="3F51B5"/>
-                </a:solidFill>
-                <a:latin typeface="Roboto Mono"/>
-              </a:rPr>
-              <a:t>}</a:t>
-            </a:r>
-            <a:endParaRPr lang="en-US" sz="2000" dirty="0"/>
-          </a:p>
-        </p:txBody>
-      </p:sp>
-      <p:sp>
-        <p:nvSpPr>
-          <p:cNvPr id="7" name="TextBox 6">
-            <a:extLst>
-              <a:ext uri="{FF2B5EF4-FFF2-40B4-BE49-F238E27FC236}">
-                <a16:creationId xmlns:a16="http://schemas.microsoft.com/office/drawing/2014/main" id="{3A88892E-C42E-49C3-AE19-D160756D6C1D}"/>
-              </a:ext>
-            </a:extLst>
-          </p:cNvPr>
-          <p:cNvSpPr txBox="1"/>
-          <p:nvPr/>
-        </p:nvSpPr>
-        <p:spPr>
-          <a:xfrm>
-            <a:off x="8478174" y="1690688"/>
-            <a:ext cx="1757779" cy="523220"/>
-          </a:xfrm>
-          <a:prstGeom prst="rect">
-            <a:avLst/>
-          </a:prstGeom>
-          <a:solidFill>
-            <a:schemeClr val="accent2"/>
-          </a:solidFill>
-          <a:ln>
-            <a:noFill/>
-          </a:ln>
-        </p:spPr>
-        <p:style>
-          <a:lnRef idx="0">
-            <a:scrgbClr r="0" g="0" b="0"/>
-          </a:lnRef>
-          <a:fillRef idx="0">
-            <a:scrgbClr r="0" g="0" b="0"/>
-          </a:fillRef>
-          <a:effectRef idx="0">
-            <a:scrgbClr r="0" g="0" b="0"/>
-          </a:effectRef>
-          <a:fontRef idx="minor">
-            <a:schemeClr val="lt1"/>
-          </a:fontRef>
-        </p:style>
-        <p:txBody>
-          <a:bodyPr wrap="square" rtlCol="0">
-            <a:spAutoFit/>
-          </a:bodyPr>
-          <a:lstStyle/>
-          <a:p>
-            <a:r>
-              <a:rPr lang="en-US" sz="2800" dirty="0"/>
-              <a:t>Problem?</a:t>
-            </a:r>
-          </a:p>
-        </p:txBody>
-      </p:sp>
-    </p:spTree>
-    <p:extLst>
-      <p:ext uri="{BB962C8B-B14F-4D97-AF65-F5344CB8AC3E}">
-        <p14:creationId xmlns:p14="http://schemas.microsoft.com/office/powerpoint/2010/main" val="1369488680"/>
-      </p:ext>
-    </p:extLst>
-  </p:cSld>
-  <p:clrMapOvr>
-    <a:masterClrMapping/>
-  </p:clrMapOvr>
-  <p:timing>
-    <p:tnLst>
-      <p:par>
-        <p:cTn id="1" dur="indefinite" restart="never" nodeType="tmRoot">
-          <p:childTnLst>
-            <p:seq concurrent="1" nextAc="seek">
-              <p:cTn id="2" dur="indefinite" nodeType="mainSeq">
-                <p:childTnLst>
-                  <p:par>
-                    <p:cTn id="3" fill="hold">
-                      <p:stCondLst>
-                        <p:cond delay="indefinite"/>
-                      </p:stCondLst>
-                      <p:childTnLst>
-                        <p:par>
-                          <p:cTn id="4" fill="hold">
-                            <p:stCondLst>
-                              <p:cond delay="0"/>
-                            </p:stCondLst>
-                            <p:childTnLst>
-                              <p:par>
-                                <p:cTn id="5" presetID="1" presetClass="entr" presetSubtype="0" fill="hold" grpId="0" nodeType="clickEffect">
-                                  <p:stCondLst>
-                                    <p:cond delay="0"/>
-                                  </p:stCondLst>
-                                  <p:childTnLst>
-                                    <p:set>
-                                      <p:cBhvr>
-                                        <p:cTn id="6" dur="1" fill="hold">
-                                          <p:stCondLst>
-                                            <p:cond delay="0"/>
-                                          </p:stCondLst>
-                                        </p:cTn>
-                                        <p:tgtEl>
-                                          <p:spTgt spid="7"/>
-                                        </p:tgtEl>
-                                        <p:attrNameLst>
-                                          <p:attrName>style.visibility</p:attrName>
-                                        </p:attrNameLst>
-                                      </p:cBhvr>
-                                      <p:to>
-                                        <p:strVal val="visible"/>
-                                      </p:to>
-                                    </p:set>
-                                  </p:childTnLst>
-                                </p:cTn>
-                              </p:par>
-                            </p:childTnLst>
-                          </p:cTn>
-                        </p:par>
-                      </p:childTnLst>
-                    </p:cTn>
-                  </p:par>
-                </p:childTnLst>
-              </p:cTn>
-              <p:prevCondLst>
-                <p:cond evt="onPrev" delay="0">
-                  <p:tgtEl>
-                    <p:sldTgt/>
-                  </p:tgtEl>
-                </p:cond>
-              </p:prevCondLst>
-              <p:nextCondLst>
-                <p:cond evt="onNext" delay="0">
-                  <p:tgtEl>
-                    <p:sldTgt/>
-                  </p:tgtEl>
-                </p:cond>
-              </p:nextCondLst>
-            </p:seq>
-          </p:childTnLst>
-        </p:cTn>
-      </p:par>
-    </p:tnLst>
-    <p:bldLst>
-      <p:bldP spid="7" grpId="0" animBg="1"/>
     </p:bldLst>
   </p:timing>
 </p:sld>
